--- a/Documents/PartyBall/AGIS 발표자료l.pptx
+++ b/Documents/PartyBall/AGIS 발표자료l.pptx
@@ -5,14 +5,15 @@
     <p:sldMasterId id="2147483648" r:id="rId1"/>
   </p:sldMasterIdLst>
   <p:notesMasterIdLst>
-    <p:notesMasterId r:id="rId7"/>
+    <p:notesMasterId r:id="rId8"/>
   </p:notesMasterIdLst>
   <p:sldIdLst>
     <p:sldId id="256" r:id="rId2"/>
     <p:sldId id="268" r:id="rId3"/>
     <p:sldId id="270" r:id="rId4"/>
     <p:sldId id="269" r:id="rId5"/>
-    <p:sldId id="267" r:id="rId6"/>
+    <p:sldId id="271" r:id="rId6"/>
+    <p:sldId id="267" r:id="rId7"/>
   </p:sldIdLst>
   <p:sldSz cx="12192000" cy="6858000"/>
   <p:notesSz cx="6858000" cy="9144000"/>
@@ -122,8 +123,7 @@
 <file path=ppt/revisionInfo.xml><?xml version="1.0" encoding="utf-8"?>
 <p1510:revInfo xmlns:a="http://schemas.openxmlformats.org/drawingml/2006/main" xmlns:r="http://schemas.openxmlformats.org/officeDocument/2006/relationships" xmlns:p1510="http://schemas.microsoft.com/office/powerpoint/2015/10/main">
   <p1510:revLst>
-    <p1510:client id="{3EECB6BF-D531-48AA-8319-A03002C918DD}" v="238" dt="2022-06-13T14:20:55.641"/>
-    <p1510:client id="{C64F96AA-D886-4A71-9310-84C809687602}" v="210" dt="2022-06-14T11:22:42.602"/>
+    <p1510:client id="{C64F96AA-D886-4A71-9310-84C809687602}" v="276" dt="2022-06-23T12:39:09.161"/>
   </p1510:revLst>
 </p1510:revInfo>
 </file>
@@ -651,8 +651,8 @@
   </pc:docChgLst>
   <pc:docChgLst>
     <pc:chgData name="남 상현" userId="03ad4a8e8f7310f3" providerId="LiveId" clId="{C64F96AA-D886-4A71-9310-84C809687602}"/>
-    <pc:docChg chg="undo custSel modSld sldOrd">
-      <pc:chgData name="남 상현" userId="03ad4a8e8f7310f3" providerId="LiveId" clId="{C64F96AA-D886-4A71-9310-84C809687602}" dt="2022-06-14T11:23:09.049" v="2112" actId="478"/>
+    <pc:docChg chg="undo custSel addSld modSld sldOrd">
+      <pc:chgData name="남 상현" userId="03ad4a8e8f7310f3" providerId="LiveId" clId="{C64F96AA-D886-4A71-9310-84C809687602}" dt="2022-06-23T12:39:10.047" v="2445" actId="21"/>
       <pc:docMkLst>
         <pc:docMk/>
       </pc:docMkLst>
@@ -1556,6 +1556,213 @@
             <ac:cxnSpMk id="31" creationId="{E7E2DB86-ACC6-1086-E7DC-2B84BB13CCBF}"/>
           </ac:cxnSpMkLst>
         </pc:cxnChg>
+      </pc:sldChg>
+      <pc:sldChg chg="addSp delSp modSp new mod">
+        <pc:chgData name="남 상현" userId="03ad4a8e8f7310f3" providerId="LiveId" clId="{C64F96AA-D886-4A71-9310-84C809687602}" dt="2022-06-23T12:39:10.047" v="2445" actId="21"/>
+        <pc:sldMkLst>
+          <pc:docMk/>
+          <pc:sldMk cId="3886072065" sldId="271"/>
+        </pc:sldMkLst>
+        <pc:spChg chg="del">
+          <ac:chgData name="남 상현" userId="03ad4a8e8f7310f3" providerId="LiveId" clId="{C64F96AA-D886-4A71-9310-84C809687602}" dt="2022-06-23T12:12:50.754" v="2114" actId="478"/>
+          <ac:spMkLst>
+            <pc:docMk/>
+            <pc:sldMk cId="3886072065" sldId="271"/>
+            <ac:spMk id="2" creationId="{AECFD820-64B2-20B8-3F26-841FBF06825C}"/>
+          </ac:spMkLst>
+        </pc:spChg>
+        <pc:spChg chg="del">
+          <ac:chgData name="남 상현" userId="03ad4a8e8f7310f3" providerId="LiveId" clId="{C64F96AA-D886-4A71-9310-84C809687602}" dt="2022-06-23T12:12:50.754" v="2114" actId="478"/>
+          <ac:spMkLst>
+            <pc:docMk/>
+            <pc:sldMk cId="3886072065" sldId="271"/>
+            <ac:spMk id="3" creationId="{A53F5932-E636-A3A8-0380-CBF8411EC999}"/>
+          </ac:spMkLst>
+        </pc:spChg>
+        <pc:spChg chg="add del mod ord">
+          <ac:chgData name="남 상현" userId="03ad4a8e8f7310f3" providerId="LiveId" clId="{C64F96AA-D886-4A71-9310-84C809687602}" dt="2022-06-23T12:38:11.960" v="2433" actId="478"/>
+          <ac:spMkLst>
+            <pc:docMk/>
+            <pc:sldMk cId="3886072065" sldId="271"/>
+            <ac:spMk id="4" creationId="{E1084475-48B9-3696-2BCE-F5A4E0B6AF49}"/>
+          </ac:spMkLst>
+        </pc:spChg>
+        <pc:spChg chg="add del mod">
+          <ac:chgData name="남 상현" userId="03ad4a8e8f7310f3" providerId="LiveId" clId="{C64F96AA-D886-4A71-9310-84C809687602}" dt="2022-06-23T12:14:28.037" v="2130" actId="21"/>
+          <ac:spMkLst>
+            <pc:docMk/>
+            <pc:sldMk cId="3886072065" sldId="271"/>
+            <ac:spMk id="5" creationId="{333B930B-864D-A7E4-2A8A-244D51A4395E}"/>
+          </ac:spMkLst>
+        </pc:spChg>
+        <pc:spChg chg="add del mod">
+          <ac:chgData name="남 상현" userId="03ad4a8e8f7310f3" providerId="LiveId" clId="{C64F96AA-D886-4A71-9310-84C809687602}" dt="2022-06-23T12:27:07.821" v="2320" actId="478"/>
+          <ac:spMkLst>
+            <pc:docMk/>
+            <pc:sldMk cId="3886072065" sldId="271"/>
+            <ac:spMk id="7" creationId="{E103BC91-7C00-1061-8E8E-5915515AA31B}"/>
+          </ac:spMkLst>
+        </pc:spChg>
+        <pc:spChg chg="add del mod">
+          <ac:chgData name="남 상현" userId="03ad4a8e8f7310f3" providerId="LiveId" clId="{C64F96AA-D886-4A71-9310-84C809687602}" dt="2022-06-23T12:37:07.168" v="2406" actId="478"/>
+          <ac:spMkLst>
+            <pc:docMk/>
+            <pc:sldMk cId="3886072065" sldId="271"/>
+            <ac:spMk id="8" creationId="{41CC9D1E-AF43-C630-F05A-31EF425E3CD5}"/>
+          </ac:spMkLst>
+        </pc:spChg>
+        <pc:spChg chg="add del mod ord">
+          <ac:chgData name="남 상현" userId="03ad4a8e8f7310f3" providerId="LiveId" clId="{C64F96AA-D886-4A71-9310-84C809687602}" dt="2022-06-23T12:37:24.265" v="2422" actId="1076"/>
+          <ac:spMkLst>
+            <pc:docMk/>
+            <pc:sldMk cId="3886072065" sldId="271"/>
+            <ac:spMk id="9" creationId="{4699BE64-3B6B-22E6-EA82-F78AE68C76F1}"/>
+          </ac:spMkLst>
+        </pc:spChg>
+        <pc:spChg chg="add del mod ord">
+          <ac:chgData name="남 상현" userId="03ad4a8e8f7310f3" providerId="LiveId" clId="{C64F96AA-D886-4A71-9310-84C809687602}" dt="2022-06-23T12:32:36.954" v="2371" actId="478"/>
+          <ac:spMkLst>
+            <pc:docMk/>
+            <pc:sldMk cId="3886072065" sldId="271"/>
+            <ac:spMk id="10" creationId="{0A1193BA-02C9-80D0-476D-655D68BDF083}"/>
+          </ac:spMkLst>
+        </pc:spChg>
+        <pc:spChg chg="add del mod">
+          <ac:chgData name="남 상현" userId="03ad4a8e8f7310f3" providerId="LiveId" clId="{C64F96AA-D886-4A71-9310-84C809687602}" dt="2022-06-23T12:32:38.686" v="2372" actId="478"/>
+          <ac:spMkLst>
+            <pc:docMk/>
+            <pc:sldMk cId="3886072065" sldId="271"/>
+            <ac:spMk id="12" creationId="{FF2A67BA-A0A2-70E4-3119-D67B526F2A2F}"/>
+          </ac:spMkLst>
+        </pc:spChg>
+        <pc:picChg chg="add del mod modCrop">
+          <ac:chgData name="남 상현" userId="03ad4a8e8f7310f3" providerId="LiveId" clId="{C64F96AA-D886-4A71-9310-84C809687602}" dt="2022-06-23T12:25:49.114" v="2316" actId="478"/>
+          <ac:picMkLst>
+            <pc:docMk/>
+            <pc:sldMk cId="3886072065" sldId="271"/>
+            <ac:picMk id="6" creationId="{84D7C733-2431-3177-9741-693331FCCF92}"/>
+          </ac:picMkLst>
+        </pc:picChg>
+        <pc:picChg chg="add del mod">
+          <ac:chgData name="남 상현" userId="03ad4a8e8f7310f3" providerId="LiveId" clId="{C64F96AA-D886-4A71-9310-84C809687602}" dt="2022-06-23T12:24:42.676" v="2315" actId="21"/>
+          <ac:picMkLst>
+            <pc:docMk/>
+            <pc:sldMk cId="3886072065" sldId="271"/>
+            <ac:picMk id="13" creationId="{27B5B74E-E5D1-383D-6117-FA559FFE9C7E}"/>
+          </ac:picMkLst>
+        </pc:picChg>
+        <pc:picChg chg="add mod modCrop">
+          <ac:chgData name="남 상현" userId="03ad4a8e8f7310f3" providerId="LiveId" clId="{C64F96AA-D886-4A71-9310-84C809687602}" dt="2022-06-23T12:30:36.617" v="2350" actId="1076"/>
+          <ac:picMkLst>
+            <pc:docMk/>
+            <pc:sldMk cId="3886072065" sldId="271"/>
+            <ac:picMk id="15" creationId="{741316E0-4585-5EDE-CFF5-CE1F57758827}"/>
+          </ac:picMkLst>
+        </pc:picChg>
+        <pc:picChg chg="add mod ord">
+          <ac:chgData name="남 상현" userId="03ad4a8e8f7310f3" providerId="LiveId" clId="{C64F96AA-D886-4A71-9310-84C809687602}" dt="2022-06-23T12:38:13.548" v="2434" actId="167"/>
+          <ac:picMkLst>
+            <pc:docMk/>
+            <pc:sldMk cId="3886072065" sldId="271"/>
+            <ac:picMk id="17" creationId="{0DF99EB2-309F-B356-E9BB-AAA94C629BA5}"/>
+          </ac:picMkLst>
+        </pc:picChg>
+        <pc:picChg chg="add mod">
+          <ac:chgData name="남 상현" userId="03ad4a8e8f7310f3" providerId="LiveId" clId="{C64F96AA-D886-4A71-9310-84C809687602}" dt="2022-06-23T12:38:53.049" v="2438" actId="1076"/>
+          <ac:picMkLst>
+            <pc:docMk/>
+            <pc:sldMk cId="3886072065" sldId="271"/>
+            <ac:picMk id="19" creationId="{20D1A0D8-F959-DF7A-795B-F0654741C326}"/>
+          </ac:picMkLst>
+        </pc:picChg>
+        <pc:picChg chg="add mod ord">
+          <ac:chgData name="남 상현" userId="03ad4a8e8f7310f3" providerId="LiveId" clId="{C64F96AA-D886-4A71-9310-84C809687602}" dt="2022-06-23T12:37:23.165" v="2421" actId="1076"/>
+          <ac:picMkLst>
+            <pc:docMk/>
+            <pc:sldMk cId="3886072065" sldId="271"/>
+            <ac:picMk id="20" creationId="{DACA6CC9-A308-A8AA-0169-A61FD9A70F47}"/>
+          </ac:picMkLst>
+        </pc:picChg>
+        <pc:picChg chg="add del mod ord">
+          <ac:chgData name="남 상현" userId="03ad4a8e8f7310f3" providerId="LiveId" clId="{C64F96AA-D886-4A71-9310-84C809687602}" dt="2022-06-23T12:38:10.940" v="2432" actId="167"/>
+          <ac:picMkLst>
+            <pc:docMk/>
+            <pc:sldMk cId="3886072065" sldId="271"/>
+            <ac:picMk id="22" creationId="{3BB59EE5-C4AB-B0A2-4EF2-D6801A527B5C}"/>
+          </ac:picMkLst>
+        </pc:picChg>
+        <pc:picChg chg="add del mod">
+          <ac:chgData name="남 상현" userId="03ad4a8e8f7310f3" providerId="LiveId" clId="{C64F96AA-D886-4A71-9310-84C809687602}" dt="2022-06-23T12:39:10.047" v="2445" actId="21"/>
+          <ac:picMkLst>
+            <pc:docMk/>
+            <pc:sldMk cId="3886072065" sldId="271"/>
+            <ac:picMk id="23" creationId="{C690DFE6-3E92-BD65-6EEA-26F90D87956C}"/>
+          </ac:picMkLst>
+        </pc:picChg>
+        <pc:picChg chg="add del">
+          <ac:chgData name="남 상현" userId="03ad4a8e8f7310f3" providerId="LiveId" clId="{C64F96AA-D886-4A71-9310-84C809687602}" dt="2022-06-23T12:25:50.781" v="2318"/>
+          <ac:picMkLst>
+            <pc:docMk/>
+            <pc:sldMk cId="3886072065" sldId="271"/>
+            <ac:picMk id="1026" creationId="{5F95CF47-BB26-B58B-B77F-5AF8B7CD75DA}"/>
+          </ac:picMkLst>
+        </pc:picChg>
+        <pc:picChg chg="add del mod">
+          <ac:chgData name="남 상현" userId="03ad4a8e8f7310f3" providerId="LiveId" clId="{C64F96AA-D886-4A71-9310-84C809687602}" dt="2022-06-23T12:30:11.730" v="2343" actId="478"/>
+          <ac:picMkLst>
+            <pc:docMk/>
+            <pc:sldMk cId="3886072065" sldId="271"/>
+            <ac:picMk id="1028" creationId="{B31BFA67-69AB-1189-1765-065E8417321C}"/>
+          </ac:picMkLst>
+        </pc:picChg>
+        <pc:picChg chg="add mod">
+          <ac:chgData name="남 상현" userId="03ad4a8e8f7310f3" providerId="LiveId" clId="{C64F96AA-D886-4A71-9310-84C809687602}" dt="2022-06-23T12:30:52.774" v="2360" actId="1076"/>
+          <ac:picMkLst>
+            <pc:docMk/>
+            <pc:sldMk cId="3886072065" sldId="271"/>
+            <ac:picMk id="1030" creationId="{71F4EC48-A446-A520-0621-E470C569CA0F}"/>
+          </ac:picMkLst>
+        </pc:picChg>
+        <pc:picChg chg="add del">
+          <ac:chgData name="남 상현" userId="03ad4a8e8f7310f3" providerId="LiveId" clId="{C64F96AA-D886-4A71-9310-84C809687602}" dt="2022-06-23T12:32:08.926" v="2367" actId="478"/>
+          <ac:picMkLst>
+            <pc:docMk/>
+            <pc:sldMk cId="3886072065" sldId="271"/>
+            <ac:picMk id="1032" creationId="{AF4FF5B1-7ED0-DED8-5FCC-C757BD231F86}"/>
+          </ac:picMkLst>
+        </pc:picChg>
+        <pc:picChg chg="add del">
+          <ac:chgData name="남 상현" userId="03ad4a8e8f7310f3" providerId="LiveId" clId="{C64F96AA-D886-4A71-9310-84C809687602}" dt="2022-06-23T12:36:13.074" v="2399"/>
+          <ac:picMkLst>
+            <pc:docMk/>
+            <pc:sldMk cId="3886072065" sldId="271"/>
+            <ac:picMk id="1034" creationId="{8079D640-2C52-1F14-8211-CDE970BC1E87}"/>
+          </ac:picMkLst>
+        </pc:picChg>
+        <pc:picChg chg="add del">
+          <ac:chgData name="남 상현" userId="03ad4a8e8f7310f3" providerId="LiveId" clId="{C64F96AA-D886-4A71-9310-84C809687602}" dt="2022-06-23T12:36:39.993" v="2401"/>
+          <ac:picMkLst>
+            <pc:docMk/>
+            <pc:sldMk cId="3886072065" sldId="271"/>
+            <ac:picMk id="1036" creationId="{E651B8F0-7407-02A1-C342-8A2309B007AB}"/>
+          </ac:picMkLst>
+        </pc:picChg>
+        <pc:picChg chg="add del">
+          <ac:chgData name="남 상현" userId="03ad4a8e8f7310f3" providerId="LiveId" clId="{C64F96AA-D886-4A71-9310-84C809687602}" dt="2022-06-23T12:38:07.141" v="2430" actId="478"/>
+          <ac:picMkLst>
+            <pc:docMk/>
+            <pc:sldMk cId="3886072065" sldId="271"/>
+            <ac:picMk id="1038" creationId="{AE98ED5D-9746-37B8-AB66-3FDF7F88334B}"/>
+          </ac:picMkLst>
+        </pc:picChg>
+        <pc:picChg chg="add mod">
+          <ac:chgData name="남 상현" userId="03ad4a8e8f7310f3" providerId="LiveId" clId="{C64F96AA-D886-4A71-9310-84C809687602}" dt="2022-06-23T12:39:05.111" v="2442" actId="732"/>
+          <ac:picMkLst>
+            <pc:docMk/>
+            <pc:sldMk cId="3886072065" sldId="271"/>
+            <ac:picMk id="1040" creationId="{8108B84A-4261-026C-2B60-5D7F2A9FBB6B}"/>
+          </ac:picMkLst>
+        </pc:picChg>
       </pc:sldChg>
     </pc:docChg>
   </pc:docChgLst>
@@ -1644,7 +1851,7 @@
           <a:p>
             <a:fld id="{AB5791D8-3DE9-4422-A4CF-D7042787B7FB}" type="datetimeFigureOut">
               <a:rPr lang="ko-KR" altLang="en-US" smtClean="0"/>
-              <a:t>2022-06-14</a:t>
+              <a:t>2022-06-23</a:t>
             </a:fld>
             <a:endParaRPr lang="ko-KR" altLang="en-US"/>
           </a:p>
@@ -2142,7 +2349,7 @@
           <a:p>
             <a:fld id="{ACF308FB-89E9-4023-9DD5-342CA7859E51}" type="datetimeFigureOut">
               <a:rPr lang="ko-KR" altLang="en-US" smtClean="0"/>
-              <a:t>2022-06-14</a:t>
+              <a:t>2022-06-23</a:t>
             </a:fld>
             <a:endParaRPr lang="ko-KR" altLang="en-US"/>
           </a:p>
@@ -2340,7 +2547,7 @@
           <a:p>
             <a:fld id="{ACF308FB-89E9-4023-9DD5-342CA7859E51}" type="datetimeFigureOut">
               <a:rPr lang="ko-KR" altLang="en-US" smtClean="0"/>
-              <a:t>2022-06-14</a:t>
+              <a:t>2022-06-23</a:t>
             </a:fld>
             <a:endParaRPr lang="ko-KR" altLang="en-US"/>
           </a:p>
@@ -2548,7 +2755,7 @@
           <a:p>
             <a:fld id="{ACF308FB-89E9-4023-9DD5-342CA7859E51}" type="datetimeFigureOut">
               <a:rPr lang="ko-KR" altLang="en-US" smtClean="0"/>
-              <a:t>2022-06-14</a:t>
+              <a:t>2022-06-23</a:t>
             </a:fld>
             <a:endParaRPr lang="ko-KR" altLang="en-US"/>
           </a:p>
@@ -2746,7 +2953,7 @@
           <a:p>
             <a:fld id="{ACF308FB-89E9-4023-9DD5-342CA7859E51}" type="datetimeFigureOut">
               <a:rPr lang="ko-KR" altLang="en-US" smtClean="0"/>
-              <a:t>2022-06-14</a:t>
+              <a:t>2022-06-23</a:t>
             </a:fld>
             <a:endParaRPr lang="ko-KR" altLang="en-US"/>
           </a:p>
@@ -3021,7 +3228,7 @@
           <a:p>
             <a:fld id="{ACF308FB-89E9-4023-9DD5-342CA7859E51}" type="datetimeFigureOut">
               <a:rPr lang="ko-KR" altLang="en-US" smtClean="0"/>
-              <a:t>2022-06-14</a:t>
+              <a:t>2022-06-23</a:t>
             </a:fld>
             <a:endParaRPr lang="ko-KR" altLang="en-US"/>
           </a:p>
@@ -3286,7 +3493,7 @@
           <a:p>
             <a:fld id="{ACF308FB-89E9-4023-9DD5-342CA7859E51}" type="datetimeFigureOut">
               <a:rPr lang="ko-KR" altLang="en-US" smtClean="0"/>
-              <a:t>2022-06-14</a:t>
+              <a:t>2022-06-23</a:t>
             </a:fld>
             <a:endParaRPr lang="ko-KR" altLang="en-US"/>
           </a:p>
@@ -3698,7 +3905,7 @@
           <a:p>
             <a:fld id="{ACF308FB-89E9-4023-9DD5-342CA7859E51}" type="datetimeFigureOut">
               <a:rPr lang="ko-KR" altLang="en-US" smtClean="0"/>
-              <a:t>2022-06-14</a:t>
+              <a:t>2022-06-23</a:t>
             </a:fld>
             <a:endParaRPr lang="ko-KR" altLang="en-US"/>
           </a:p>
@@ -3839,7 +4046,7 @@
           <a:p>
             <a:fld id="{ACF308FB-89E9-4023-9DD5-342CA7859E51}" type="datetimeFigureOut">
               <a:rPr lang="ko-KR" altLang="en-US" smtClean="0"/>
-              <a:t>2022-06-14</a:t>
+              <a:t>2022-06-23</a:t>
             </a:fld>
             <a:endParaRPr lang="ko-KR" altLang="en-US"/>
           </a:p>
@@ -3952,7 +4159,7 @@
           <a:p>
             <a:fld id="{ACF308FB-89E9-4023-9DD5-342CA7859E51}" type="datetimeFigureOut">
               <a:rPr lang="ko-KR" altLang="en-US" smtClean="0"/>
-              <a:t>2022-06-14</a:t>
+              <a:t>2022-06-23</a:t>
             </a:fld>
             <a:endParaRPr lang="ko-KR" altLang="en-US"/>
           </a:p>
@@ -4263,7 +4470,7 @@
           <a:p>
             <a:fld id="{ACF308FB-89E9-4023-9DD5-342CA7859E51}" type="datetimeFigureOut">
               <a:rPr lang="ko-KR" altLang="en-US" smtClean="0"/>
-              <a:t>2022-06-14</a:t>
+              <a:t>2022-06-23</a:t>
             </a:fld>
             <a:endParaRPr lang="ko-KR" altLang="en-US"/>
           </a:p>
@@ -4551,7 +4758,7 @@
           <a:p>
             <a:fld id="{ACF308FB-89E9-4023-9DD5-342CA7859E51}" type="datetimeFigureOut">
               <a:rPr lang="ko-KR" altLang="en-US" smtClean="0"/>
-              <a:t>2022-06-14</a:t>
+              <a:t>2022-06-23</a:t>
             </a:fld>
             <a:endParaRPr lang="ko-KR" altLang="en-US"/>
           </a:p>
@@ -4798,7 +5005,7 @@
           <a:p>
             <a:fld id="{ACF308FB-89E9-4023-9DD5-342CA7859E51}" type="datetimeFigureOut">
               <a:rPr lang="ko-KR" altLang="en-US" smtClean="0"/>
-              <a:t>2022-06-14</a:t>
+              <a:t>2022-06-23</a:t>
             </a:fld>
             <a:endParaRPr lang="ko-KR" altLang="en-US"/>
           </a:p>
@@ -10477,6 +10684,374 @@
 </file>
 
 <file path=ppt/slides/slide5.xml><?xml version="1.0" encoding="utf-8"?>
+<p:sld xmlns:a="http://schemas.openxmlformats.org/drawingml/2006/main" xmlns:r="http://schemas.openxmlformats.org/officeDocument/2006/relationships" xmlns:p="http://schemas.openxmlformats.org/presentationml/2006/main">
+  <p:cSld>
+    <p:spTree>
+      <p:nvGrpSpPr>
+        <p:cNvPr id="1" name=""/>
+        <p:cNvGrpSpPr/>
+        <p:nvPr/>
+      </p:nvGrpSpPr>
+      <p:grpSpPr>
+        <a:xfrm>
+          <a:off x="0" y="0"/>
+          <a:ext cx="0" cy="0"/>
+          <a:chOff x="0" y="0"/>
+          <a:chExt cx="0" cy="0"/>
+        </a:xfrm>
+      </p:grpSpPr>
+      <p:pic>
+        <p:nvPicPr>
+          <p:cNvPr id="1040" name="Picture 16" descr="오늘날씨] 맑은 날씨, 끈질긴 미세먼지 &lt; 국내뉴스 &lt; 종합 &lt; 기사본문 - 이코노믹리뷰">
+            <a:extLst>
+              <a:ext uri="{FF2B5EF4-FFF2-40B4-BE49-F238E27FC236}">
+                <a16:creationId xmlns:a16="http://schemas.microsoft.com/office/drawing/2014/main" id="{8108B84A-4261-026C-2B60-5D7F2A9FBB6B}"/>
+              </a:ext>
+            </a:extLst>
+          </p:cNvPr>
+          <p:cNvPicPr>
+            <a:picLocks noChangeAspect="1" noChangeArrowheads="1"/>
+          </p:cNvPicPr>
+          <p:nvPr/>
+        </p:nvPicPr>
+        <p:blipFill rotWithShape="1">
+          <a:blip r:embed="rId2">
+            <a:extLst>
+              <a:ext uri="{28A0092B-C50C-407E-A947-70E740481C1C}">
+                <a14:useLocalDpi xmlns:a14="http://schemas.microsoft.com/office/drawing/2010/main" val="0"/>
+              </a:ext>
+            </a:extLst>
+          </a:blip>
+          <a:srcRect b="25039"/>
+          <a:stretch/>
+        </p:blipFill>
+        <p:spPr bwMode="auto">
+          <a:xfrm>
+            <a:off x="0" y="-6016"/>
+            <a:ext cx="12306300" cy="6918710"/>
+          </a:xfrm>
+          <a:prstGeom prst="rect">
+            <a:avLst/>
+          </a:prstGeom>
+          <a:noFill/>
+          <a:extLst>
+            <a:ext uri="{909E8E84-426E-40DD-AFC4-6F175D3DCCD1}">
+              <a14:hiddenFill xmlns:a14="http://schemas.microsoft.com/office/drawing/2010/main">
+                <a:solidFill>
+                  <a:srgbClr val="FFFFFF"/>
+                </a:solidFill>
+              </a14:hiddenFill>
+            </a:ext>
+          </a:extLst>
+        </p:spPr>
+      </p:pic>
+      <p:pic>
+        <p:nvPicPr>
+          <p:cNvPr id="17" name="그림 16" descr="가구, 목재의, 목재, 옷장이(가) 표시된 사진&#10;&#10;자동 생성된 설명">
+            <a:extLst>
+              <a:ext uri="{FF2B5EF4-FFF2-40B4-BE49-F238E27FC236}">
+                <a16:creationId xmlns:a16="http://schemas.microsoft.com/office/drawing/2014/main" id="{0DF99EB2-309F-B356-E9BB-AAA94C629BA5}"/>
+              </a:ext>
+            </a:extLst>
+          </p:cNvPr>
+          <p:cNvPicPr>
+            <a:picLocks noChangeAspect="1"/>
+          </p:cNvPicPr>
+          <p:nvPr/>
+        </p:nvPicPr>
+        <p:blipFill>
+          <a:blip r:embed="rId3">
+            <a:extLst>
+              <a:ext uri="{28A0092B-C50C-407E-A947-70E740481C1C}">
+                <a14:useLocalDpi xmlns:a14="http://schemas.microsoft.com/office/drawing/2010/main" val="0"/>
+              </a:ext>
+            </a:extLst>
+          </a:blip>
+          <a:stretch>
+            <a:fillRect/>
+          </a:stretch>
+        </p:blipFill>
+        <p:spPr>
+          <a:xfrm>
+            <a:off x="-228600" y="3017688"/>
+            <a:ext cx="12534900" cy="3785711"/>
+          </a:xfrm>
+          <a:prstGeom prst="rect">
+            <a:avLst/>
+          </a:prstGeom>
+        </p:spPr>
+      </p:pic>
+      <p:pic>
+        <p:nvPicPr>
+          <p:cNvPr id="22" name="그림 21">
+            <a:extLst>
+              <a:ext uri="{FF2B5EF4-FFF2-40B4-BE49-F238E27FC236}">
+                <a16:creationId xmlns:a16="http://schemas.microsoft.com/office/drawing/2014/main" id="{3BB59EE5-C4AB-B0A2-4EF2-D6801A527B5C}"/>
+              </a:ext>
+            </a:extLst>
+          </p:cNvPr>
+          <p:cNvPicPr>
+            <a:picLocks noChangeAspect="1"/>
+          </p:cNvPicPr>
+          <p:nvPr/>
+        </p:nvPicPr>
+        <p:blipFill>
+          <a:blip r:embed="rId4">
+            <a:extLst>
+              <a:ext uri="{28A0092B-C50C-407E-A947-70E740481C1C}">
+                <a14:useLocalDpi xmlns:a14="http://schemas.microsoft.com/office/drawing/2010/main" val="0"/>
+              </a:ext>
+            </a:extLst>
+          </a:blip>
+          <a:stretch>
+            <a:fillRect/>
+          </a:stretch>
+        </p:blipFill>
+        <p:spPr>
+          <a:xfrm>
+            <a:off x="57150" y="2945363"/>
+            <a:ext cx="12192000" cy="3967330"/>
+          </a:xfrm>
+          <a:prstGeom prst="rect">
+            <a:avLst/>
+          </a:prstGeom>
+        </p:spPr>
+      </p:pic>
+      <p:pic>
+        <p:nvPicPr>
+          <p:cNvPr id="15" name="그림 14">
+            <a:extLst>
+              <a:ext uri="{FF2B5EF4-FFF2-40B4-BE49-F238E27FC236}">
+                <a16:creationId xmlns:a16="http://schemas.microsoft.com/office/drawing/2014/main" id="{741316E0-4585-5EDE-CFF5-CE1F57758827}"/>
+              </a:ext>
+            </a:extLst>
+          </p:cNvPr>
+          <p:cNvPicPr>
+            <a:picLocks noChangeAspect="1"/>
+          </p:cNvPicPr>
+          <p:nvPr/>
+        </p:nvPicPr>
+        <p:blipFill rotWithShape="1">
+          <a:blip r:embed="rId5">
+            <a:extLst>
+              <a:ext uri="{28A0092B-C50C-407E-A947-70E740481C1C}">
+                <a14:useLocalDpi xmlns:a14="http://schemas.microsoft.com/office/drawing/2010/main" val="0"/>
+              </a:ext>
+            </a:extLst>
+          </a:blip>
+          <a:srcRect l="-320" t="58068" r="1552" b="7995"/>
+          <a:stretch/>
+        </p:blipFill>
+        <p:spPr>
+          <a:xfrm>
+            <a:off x="-32327" y="-6016"/>
+            <a:ext cx="9938327" cy="2534954"/>
+          </a:xfrm>
+          <a:prstGeom prst="rect">
+            <a:avLst/>
+          </a:prstGeom>
+        </p:spPr>
+      </p:pic>
+      <p:pic>
+        <p:nvPicPr>
+          <p:cNvPr id="1030" name="Picture 6" descr="가랜드, 축하, 가랜드일러스트, 가렌드, 파티, 사진,이미지,일러스트,캘리그라피 - pepper83작가">
+            <a:extLst>
+              <a:ext uri="{FF2B5EF4-FFF2-40B4-BE49-F238E27FC236}">
+                <a16:creationId xmlns:a16="http://schemas.microsoft.com/office/drawing/2014/main" id="{71F4EC48-A446-A520-0621-E470C569CA0F}"/>
+              </a:ext>
+            </a:extLst>
+          </p:cNvPr>
+          <p:cNvPicPr>
+            <a:picLocks noChangeAspect="1" noChangeArrowheads="1"/>
+          </p:cNvPicPr>
+          <p:nvPr/>
+        </p:nvPicPr>
+        <p:blipFill>
+          <a:blip r:embed="rId6">
+            <a:extLst>
+              <a:ext uri="{28A0092B-C50C-407E-A947-70E740481C1C}">
+                <a14:useLocalDpi xmlns:a14="http://schemas.microsoft.com/office/drawing/2010/main" val="0"/>
+              </a:ext>
+            </a:extLst>
+          </a:blip>
+          <a:srcRect/>
+          <a:stretch>
+            <a:fillRect/>
+          </a:stretch>
+        </p:blipFill>
+        <p:spPr bwMode="auto">
+          <a:xfrm rot="20687684">
+            <a:off x="80004" y="1052570"/>
+            <a:ext cx="4493797" cy="1456388"/>
+          </a:xfrm>
+          <a:prstGeom prst="rect">
+            <a:avLst/>
+          </a:prstGeom>
+          <a:noFill/>
+          <a:extLst>
+            <a:ext uri="{909E8E84-426E-40DD-AFC4-6F175D3DCCD1}">
+              <a14:hiddenFill xmlns:a14="http://schemas.microsoft.com/office/drawing/2010/main">
+                <a:solidFill>
+                  <a:srgbClr val="FFFFFF"/>
+                </a:solidFill>
+              </a14:hiddenFill>
+            </a:ext>
+          </a:extLst>
+        </p:spPr>
+      </p:pic>
+      <p:pic>
+        <p:nvPicPr>
+          <p:cNvPr id="19" name="Picture 6" descr="가랜드, 축하, 가랜드일러스트, 가렌드, 파티, 사진,이미지,일러스트,캘리그라피 - pepper83작가">
+            <a:extLst>
+              <a:ext uri="{FF2B5EF4-FFF2-40B4-BE49-F238E27FC236}">
+                <a16:creationId xmlns:a16="http://schemas.microsoft.com/office/drawing/2014/main" id="{20D1A0D8-F959-DF7A-795B-F0654741C326}"/>
+              </a:ext>
+            </a:extLst>
+          </p:cNvPr>
+          <p:cNvPicPr>
+            <a:picLocks noChangeAspect="1" noChangeArrowheads="1"/>
+          </p:cNvPicPr>
+          <p:nvPr/>
+        </p:nvPicPr>
+        <p:blipFill>
+          <a:blip r:embed="rId6">
+            <a:extLst>
+              <a:ext uri="{28A0092B-C50C-407E-A947-70E740481C1C}">
+                <a14:useLocalDpi xmlns:a14="http://schemas.microsoft.com/office/drawing/2010/main" val="0"/>
+              </a:ext>
+            </a:extLst>
+          </a:blip>
+          <a:srcRect/>
+          <a:stretch>
+            <a:fillRect/>
+          </a:stretch>
+        </p:blipFill>
+        <p:spPr bwMode="auto">
+          <a:xfrm rot="809096">
+            <a:off x="3870829" y="1071594"/>
+            <a:ext cx="4173251" cy="1352503"/>
+          </a:xfrm>
+          <a:prstGeom prst="rect">
+            <a:avLst/>
+          </a:prstGeom>
+          <a:noFill/>
+          <a:extLst>
+            <a:ext uri="{909E8E84-426E-40DD-AFC4-6F175D3DCCD1}">
+              <a14:hiddenFill xmlns:a14="http://schemas.microsoft.com/office/drawing/2010/main">
+                <a:solidFill>
+                  <a:srgbClr val="FFFFFF"/>
+                </a:solidFill>
+              </a14:hiddenFill>
+            </a:ext>
+          </a:extLst>
+        </p:spPr>
+      </p:pic>
+      <p:pic>
+        <p:nvPicPr>
+          <p:cNvPr id="20" name="그림 19" descr="테이블이(가) 표시된 사진&#10;&#10;자동 생성된 설명">
+            <a:extLst>
+              <a:ext uri="{FF2B5EF4-FFF2-40B4-BE49-F238E27FC236}">
+                <a16:creationId xmlns:a16="http://schemas.microsoft.com/office/drawing/2014/main" id="{DACA6CC9-A308-A8AA-0169-A61FD9A70F47}"/>
+              </a:ext>
+            </a:extLst>
+          </p:cNvPr>
+          <p:cNvPicPr>
+            <a:picLocks noChangeAspect="1"/>
+          </p:cNvPicPr>
+          <p:nvPr/>
+        </p:nvPicPr>
+        <p:blipFill>
+          <a:blip r:embed="rId7">
+            <a:extLst>
+              <a:ext uri="{28A0092B-C50C-407E-A947-70E740481C1C}">
+                <a14:useLocalDpi xmlns:a14="http://schemas.microsoft.com/office/drawing/2010/main" val="0"/>
+              </a:ext>
+            </a:extLst>
+          </a:blip>
+          <a:stretch>
+            <a:fillRect/>
+          </a:stretch>
+        </p:blipFill>
+        <p:spPr>
+          <a:xfrm>
+            <a:off x="6943819" y="4003476"/>
+            <a:ext cx="4124231" cy="3086300"/>
+          </a:xfrm>
+          <a:prstGeom prst="rect">
+            <a:avLst/>
+          </a:prstGeom>
+        </p:spPr>
+      </p:pic>
+      <p:sp>
+        <p:nvSpPr>
+          <p:cNvPr id="9" name="타원 8">
+            <a:extLst>
+              <a:ext uri="{FF2B5EF4-FFF2-40B4-BE49-F238E27FC236}">
+                <a16:creationId xmlns:a16="http://schemas.microsoft.com/office/drawing/2014/main" id="{4699BE64-3B6B-22E6-EA82-F78AE68C76F1}"/>
+              </a:ext>
+            </a:extLst>
+          </p:cNvPr>
+          <p:cNvSpPr/>
+          <p:nvPr/>
+        </p:nvSpPr>
+        <p:spPr>
+          <a:xfrm>
+            <a:off x="7774325" y="3252775"/>
+            <a:ext cx="2233917" cy="1250093"/>
+          </a:xfrm>
+          <a:prstGeom prst="ellipse">
+            <a:avLst/>
+          </a:prstGeom>
+          <a:solidFill>
+            <a:schemeClr val="tx1">
+              <a:lumMod val="75000"/>
+              <a:lumOff val="25000"/>
+            </a:schemeClr>
+          </a:solidFill>
+        </p:spPr>
+        <p:style>
+          <a:lnRef idx="2">
+            <a:schemeClr val="accent1">
+              <a:shade val="50000"/>
+            </a:schemeClr>
+          </a:lnRef>
+          <a:fillRef idx="1">
+            <a:schemeClr val="accent1"/>
+          </a:fillRef>
+          <a:effectRef idx="0">
+            <a:schemeClr val="accent1"/>
+          </a:effectRef>
+          <a:fontRef idx="minor">
+            <a:schemeClr val="lt1"/>
+          </a:fontRef>
+        </p:style>
+        <p:txBody>
+          <a:bodyPr rtlCol="0" anchor="ctr"/>
+          <a:lstStyle/>
+          <a:p>
+            <a:pPr algn="ctr"/>
+            <a:r>
+              <a:rPr lang="ko-KR" altLang="en-US"/>
+              <a:t>여러 공</a:t>
+            </a:r>
+            <a:endParaRPr lang="ko-KR" altLang="en-US" dirty="0"/>
+          </a:p>
+        </p:txBody>
+      </p:sp>
+    </p:spTree>
+    <p:extLst>
+      <p:ext uri="{BB962C8B-B14F-4D97-AF65-F5344CB8AC3E}">
+        <p14:creationId xmlns:p14="http://schemas.microsoft.com/office/powerpoint/2010/main" val="3886072065"/>
+      </p:ext>
+    </p:extLst>
+  </p:cSld>
+  <p:clrMapOvr>
+    <a:masterClrMapping/>
+  </p:clrMapOvr>
+</p:sld>
+</file>
+
+<file path=ppt/slides/slide6.xml><?xml version="1.0" encoding="utf-8"?>
 <p:sld xmlns:a="http://schemas.openxmlformats.org/drawingml/2006/main" xmlns:r="http://schemas.openxmlformats.org/officeDocument/2006/relationships" xmlns:p="http://schemas.openxmlformats.org/presentationml/2006/main">
   <p:cSld>
     <p:spTree>

--- a/Documents/PartyBall/AGIS 발표자료l.pptx
+++ b/Documents/PartyBall/AGIS 발표자료l.pptx
@@ -123,7 +123,7 @@
 <file path=ppt/revisionInfo.xml><?xml version="1.0" encoding="utf-8"?>
 <p1510:revInfo xmlns:a="http://schemas.openxmlformats.org/drawingml/2006/main" xmlns:r="http://schemas.openxmlformats.org/officeDocument/2006/relationships" xmlns:p1510="http://schemas.microsoft.com/office/powerpoint/2015/10/main">
   <p1510:revLst>
-    <p1510:client id="{C64F96AA-D886-4A71-9310-84C809687602}" v="276" dt="2022-06-23T12:39:09.161"/>
+    <p1510:client id="{C64F96AA-D886-4A71-9310-84C809687602}" v="281" dt="2022-07-07T05:07:33.691"/>
   </p1510:revLst>
 </p1510:revInfo>
 </file>
@@ -651,8 +651,8 @@
   </pc:docChgLst>
   <pc:docChgLst>
     <pc:chgData name="남 상현" userId="03ad4a8e8f7310f3" providerId="LiveId" clId="{C64F96AA-D886-4A71-9310-84C809687602}"/>
-    <pc:docChg chg="undo custSel addSld modSld sldOrd">
-      <pc:chgData name="남 상현" userId="03ad4a8e8f7310f3" providerId="LiveId" clId="{C64F96AA-D886-4A71-9310-84C809687602}" dt="2022-06-23T12:39:10.047" v="2445" actId="21"/>
+    <pc:docChg chg="undo redo custSel addSld modSld sldOrd">
+      <pc:chgData name="남 상현" userId="03ad4a8e8f7310f3" providerId="LiveId" clId="{C64F96AA-D886-4A71-9310-84C809687602}" dt="2022-07-07T05:07:33.691" v="2469" actId="164"/>
       <pc:docMkLst>
         <pc:docMk/>
       </pc:docMkLst>
@@ -704,7 +704,7 @@
         </pc:graphicFrameChg>
       </pc:sldChg>
       <pc:sldChg chg="addSp delSp modSp mod">
-        <pc:chgData name="남 상현" userId="03ad4a8e8f7310f3" providerId="LiveId" clId="{C64F96AA-D886-4A71-9310-84C809687602}" dt="2022-06-14T11:23:09.049" v="2112" actId="478"/>
+        <pc:chgData name="남 상현" userId="03ad4a8e8f7310f3" providerId="LiveId" clId="{C64F96AA-D886-4A71-9310-84C809687602}" dt="2022-07-07T05:07:33.691" v="2469" actId="164"/>
         <pc:sldMkLst>
           <pc:docMk/>
           <pc:sldMk cId="1519972261" sldId="269"/>
@@ -718,7 +718,7 @@
           </ac:spMkLst>
         </pc:spChg>
         <pc:spChg chg="add mod">
-          <ac:chgData name="남 상현" userId="03ad4a8e8f7310f3" providerId="LiveId" clId="{C64F96AA-D886-4A71-9310-84C809687602}" dt="2022-06-14T11:17:26.673" v="1525" actId="164"/>
+          <ac:chgData name="남 상현" userId="03ad4a8e8f7310f3" providerId="LiveId" clId="{C64F96AA-D886-4A71-9310-84C809687602}" dt="2022-07-07T04:58:02.719" v="2450" actId="1582"/>
           <ac:spMkLst>
             <pc:docMk/>
             <pc:sldMk cId="1519972261" sldId="269"/>
@@ -742,7 +742,7 @@
           </ac:spMkLst>
         </pc:spChg>
         <pc:spChg chg="add mod ord">
-          <ac:chgData name="남 상현" userId="03ad4a8e8f7310f3" providerId="LiveId" clId="{C64F96AA-D886-4A71-9310-84C809687602}" dt="2022-06-14T11:19:30.074" v="1594" actId="1076"/>
+          <ac:chgData name="남 상현" userId="03ad4a8e8f7310f3" providerId="LiveId" clId="{C64F96AA-D886-4A71-9310-84C809687602}" dt="2022-07-07T04:57:30.669" v="2446" actId="164"/>
           <ac:spMkLst>
             <pc:docMk/>
             <pc:sldMk cId="1519972261" sldId="269"/>
@@ -750,7 +750,7 @@
           </ac:spMkLst>
         </pc:spChg>
         <pc:spChg chg="add mod">
-          <ac:chgData name="남 상현" userId="03ad4a8e8f7310f3" providerId="LiveId" clId="{C64F96AA-D886-4A71-9310-84C809687602}" dt="2022-06-14T11:17:26.673" v="1525" actId="164"/>
+          <ac:chgData name="남 상현" userId="03ad4a8e8f7310f3" providerId="LiveId" clId="{C64F96AA-D886-4A71-9310-84C809687602}" dt="2022-07-07T04:58:02.719" v="2450" actId="1582"/>
           <ac:spMkLst>
             <pc:docMk/>
             <pc:sldMk cId="1519972261" sldId="269"/>
@@ -758,7 +758,7 @@
           </ac:spMkLst>
         </pc:spChg>
         <pc:spChg chg="add mod">
-          <ac:chgData name="남 상현" userId="03ad4a8e8f7310f3" providerId="LiveId" clId="{C64F96AA-D886-4A71-9310-84C809687602}" dt="2022-06-14T11:17:26.673" v="1525" actId="164"/>
+          <ac:chgData name="남 상현" userId="03ad4a8e8f7310f3" providerId="LiveId" clId="{C64F96AA-D886-4A71-9310-84C809687602}" dt="2022-07-07T04:58:02.719" v="2450" actId="1582"/>
           <ac:spMkLst>
             <pc:docMk/>
             <pc:sldMk cId="1519972261" sldId="269"/>
@@ -766,7 +766,7 @@
           </ac:spMkLst>
         </pc:spChg>
         <pc:spChg chg="add mod">
-          <ac:chgData name="남 상현" userId="03ad4a8e8f7310f3" providerId="LiveId" clId="{C64F96AA-D886-4A71-9310-84C809687602}" dt="2022-06-14T11:17:26.673" v="1525" actId="164"/>
+          <ac:chgData name="남 상현" userId="03ad4a8e8f7310f3" providerId="LiveId" clId="{C64F96AA-D886-4A71-9310-84C809687602}" dt="2022-07-07T04:58:02.719" v="2450" actId="1582"/>
           <ac:spMkLst>
             <pc:docMk/>
             <pc:sldMk cId="1519972261" sldId="269"/>
@@ -774,7 +774,7 @@
           </ac:spMkLst>
         </pc:spChg>
         <pc:spChg chg="add mod">
-          <ac:chgData name="남 상현" userId="03ad4a8e8f7310f3" providerId="LiveId" clId="{C64F96AA-D886-4A71-9310-84C809687602}" dt="2022-06-14T11:17:59.456" v="1549" actId="1582"/>
+          <ac:chgData name="남 상현" userId="03ad4a8e8f7310f3" providerId="LiveId" clId="{C64F96AA-D886-4A71-9310-84C809687602}" dt="2022-07-07T05:01:26.060" v="2460" actId="207"/>
           <ac:spMkLst>
             <pc:docMk/>
             <pc:sldMk cId="1519972261" sldId="269"/>
@@ -782,7 +782,7 @@
           </ac:spMkLst>
         </pc:spChg>
         <pc:spChg chg="add mod">
-          <ac:chgData name="남 상현" userId="03ad4a8e8f7310f3" providerId="LiveId" clId="{C64F96AA-D886-4A71-9310-84C809687602}" dt="2022-06-14T11:18:58.599" v="1576" actId="1076"/>
+          <ac:chgData name="남 상현" userId="03ad4a8e8f7310f3" providerId="LiveId" clId="{C64F96AA-D886-4A71-9310-84C809687602}" dt="2022-07-07T04:57:30.669" v="2446" actId="164"/>
           <ac:spMkLst>
             <pc:docMk/>
             <pc:sldMk cId="1519972261" sldId="269"/>
@@ -902,7 +902,7 @@
           </ac:spMkLst>
         </pc:spChg>
         <pc:spChg chg="add mod">
-          <ac:chgData name="남 상현" userId="03ad4a8e8f7310f3" providerId="LiveId" clId="{C64F96AA-D886-4A71-9310-84C809687602}" dt="2022-06-14T11:19:07.751" v="1579" actId="1076"/>
+          <ac:chgData name="남 상현" userId="03ad4a8e8f7310f3" providerId="LiveId" clId="{C64F96AA-D886-4A71-9310-84C809687602}" dt="2022-07-07T05:07:05.522" v="2466" actId="164"/>
           <ac:spMkLst>
             <pc:docMk/>
             <pc:sldMk cId="1519972261" sldId="269"/>
@@ -910,7 +910,7 @@
           </ac:spMkLst>
         </pc:spChg>
         <pc:spChg chg="mod">
-          <ac:chgData name="남 상현" userId="03ad4a8e8f7310f3" providerId="LiveId" clId="{C64F96AA-D886-4A71-9310-84C809687602}" dt="2022-06-14T11:19:03.379" v="1578"/>
+          <ac:chgData name="남 상현" userId="03ad4a8e8f7310f3" providerId="LiveId" clId="{C64F96AA-D886-4A71-9310-84C809687602}" dt="2022-07-07T04:58:46.038" v="2455" actId="1582"/>
           <ac:spMkLst>
             <pc:docMk/>
             <pc:sldMk cId="1519972261" sldId="269"/>
@@ -918,7 +918,7 @@
           </ac:spMkLst>
         </pc:spChg>
         <pc:spChg chg="mod">
-          <ac:chgData name="남 상현" userId="03ad4a8e8f7310f3" providerId="LiveId" clId="{C64F96AA-D886-4A71-9310-84C809687602}" dt="2022-06-14T11:19:03.379" v="1578"/>
+          <ac:chgData name="남 상현" userId="03ad4a8e8f7310f3" providerId="LiveId" clId="{C64F96AA-D886-4A71-9310-84C809687602}" dt="2022-07-07T04:58:46.038" v="2455" actId="1582"/>
           <ac:spMkLst>
             <pc:docMk/>
             <pc:sldMk cId="1519972261" sldId="269"/>
@@ -926,7 +926,7 @@
           </ac:spMkLst>
         </pc:spChg>
         <pc:spChg chg="mod">
-          <ac:chgData name="남 상현" userId="03ad4a8e8f7310f3" providerId="LiveId" clId="{C64F96AA-D886-4A71-9310-84C809687602}" dt="2022-06-14T11:19:03.379" v="1578"/>
+          <ac:chgData name="남 상현" userId="03ad4a8e8f7310f3" providerId="LiveId" clId="{C64F96AA-D886-4A71-9310-84C809687602}" dt="2022-07-07T04:58:46.038" v="2455" actId="1582"/>
           <ac:spMkLst>
             <pc:docMk/>
             <pc:sldMk cId="1519972261" sldId="269"/>
@@ -934,7 +934,7 @@
           </ac:spMkLst>
         </pc:spChg>
         <pc:spChg chg="mod">
-          <ac:chgData name="남 상현" userId="03ad4a8e8f7310f3" providerId="LiveId" clId="{C64F96AA-D886-4A71-9310-84C809687602}" dt="2022-06-14T11:19:03.379" v="1578"/>
+          <ac:chgData name="남 상현" userId="03ad4a8e8f7310f3" providerId="LiveId" clId="{C64F96AA-D886-4A71-9310-84C809687602}" dt="2022-07-07T04:58:46.038" v="2455" actId="1582"/>
           <ac:spMkLst>
             <pc:docMk/>
             <pc:sldMk cId="1519972261" sldId="269"/>
@@ -942,7 +942,7 @@
           </ac:spMkLst>
         </pc:spChg>
         <pc:spChg chg="add mod">
-          <ac:chgData name="남 상현" userId="03ad4a8e8f7310f3" providerId="LiveId" clId="{C64F96AA-D886-4A71-9310-84C809687602}" dt="2022-06-14T11:19:10.876" v="1581" actId="20577"/>
+          <ac:chgData name="남 상현" userId="03ad4a8e8f7310f3" providerId="LiveId" clId="{C64F96AA-D886-4A71-9310-84C809687602}" dt="2022-07-07T05:07:05.522" v="2466" actId="164"/>
           <ac:spMkLst>
             <pc:docMk/>
             <pc:sldMk cId="1519972261" sldId="269"/>
@@ -950,7 +950,7 @@
           </ac:spMkLst>
         </pc:spChg>
         <pc:spChg chg="add mod">
-          <ac:chgData name="남 상현" userId="03ad4a8e8f7310f3" providerId="LiveId" clId="{C64F96AA-D886-4A71-9310-84C809687602}" dt="2022-06-14T11:19:17.820" v="1586" actId="20577"/>
+          <ac:chgData name="남 상현" userId="03ad4a8e8f7310f3" providerId="LiveId" clId="{C64F96AA-D886-4A71-9310-84C809687602}" dt="2022-07-07T05:07:05.522" v="2466" actId="164"/>
           <ac:spMkLst>
             <pc:docMk/>
             <pc:sldMk cId="1519972261" sldId="269"/>
@@ -958,39 +958,39 @@
           </ac:spMkLst>
         </pc:spChg>
         <pc:spChg chg="add mod">
-          <ac:chgData name="남 상현" userId="03ad4a8e8f7310f3" providerId="LiveId" clId="{C64F96AA-D886-4A71-9310-84C809687602}" dt="2022-06-14T11:19:07.969" v="1580"/>
+          <ac:chgData name="남 상현" userId="03ad4a8e8f7310f3" providerId="LiveId" clId="{C64F96AA-D886-4A71-9310-84C809687602}" dt="2022-07-07T05:07:33.691" v="2469" actId="164"/>
           <ac:spMkLst>
             <pc:docMk/>
             <pc:sldMk cId="1519972261" sldId="269"/>
             <ac:spMk id="46" creationId="{42464A6B-9F9A-CDD1-081D-DFF06C2835A5}"/>
           </ac:spMkLst>
         </pc:spChg>
-        <pc:spChg chg="mod">
-          <ac:chgData name="남 상현" userId="03ad4a8e8f7310f3" providerId="LiveId" clId="{C64F96AA-D886-4A71-9310-84C809687602}" dt="2022-06-14T11:19:07.969" v="1580"/>
+        <pc:spChg chg="mod topLvl">
+          <ac:chgData name="남 상현" userId="03ad4a8e8f7310f3" providerId="LiveId" clId="{C64F96AA-D886-4A71-9310-84C809687602}" dt="2022-07-07T05:07:33.691" v="2469" actId="164"/>
           <ac:spMkLst>
             <pc:docMk/>
             <pc:sldMk cId="1519972261" sldId="269"/>
             <ac:spMk id="48" creationId="{5F257996-ED03-0E24-DFBE-48CDBD11B112}"/>
           </ac:spMkLst>
         </pc:spChg>
-        <pc:spChg chg="mod">
-          <ac:chgData name="남 상현" userId="03ad4a8e8f7310f3" providerId="LiveId" clId="{C64F96AA-D886-4A71-9310-84C809687602}" dt="2022-06-14T11:19:07.969" v="1580"/>
+        <pc:spChg chg="mod topLvl">
+          <ac:chgData name="남 상현" userId="03ad4a8e8f7310f3" providerId="LiveId" clId="{C64F96AA-D886-4A71-9310-84C809687602}" dt="2022-07-07T05:07:33.691" v="2469" actId="164"/>
           <ac:spMkLst>
             <pc:docMk/>
             <pc:sldMk cId="1519972261" sldId="269"/>
             <ac:spMk id="49" creationId="{408349C1-B82E-70C0-4458-74CC32ED82FD}"/>
           </ac:spMkLst>
         </pc:spChg>
-        <pc:spChg chg="mod">
-          <ac:chgData name="남 상현" userId="03ad4a8e8f7310f3" providerId="LiveId" clId="{C64F96AA-D886-4A71-9310-84C809687602}" dt="2022-06-14T11:19:07.969" v="1580"/>
+        <pc:spChg chg="mod topLvl">
+          <ac:chgData name="남 상현" userId="03ad4a8e8f7310f3" providerId="LiveId" clId="{C64F96AA-D886-4A71-9310-84C809687602}" dt="2022-07-07T05:07:33.691" v="2469" actId="164"/>
           <ac:spMkLst>
             <pc:docMk/>
             <pc:sldMk cId="1519972261" sldId="269"/>
             <ac:spMk id="50" creationId="{2522CFEE-2226-9649-2244-714D5BA01092}"/>
           </ac:spMkLst>
         </pc:spChg>
-        <pc:spChg chg="mod">
-          <ac:chgData name="남 상현" userId="03ad4a8e8f7310f3" providerId="LiveId" clId="{C64F96AA-D886-4A71-9310-84C809687602}" dt="2022-06-14T11:19:07.969" v="1580"/>
+        <pc:spChg chg="mod topLvl">
+          <ac:chgData name="남 상현" userId="03ad4a8e8f7310f3" providerId="LiveId" clId="{C64F96AA-D886-4A71-9310-84C809687602}" dt="2022-07-07T05:07:33.691" v="2469" actId="164"/>
           <ac:spMkLst>
             <pc:docMk/>
             <pc:sldMk cId="1519972261" sldId="269"/>
@@ -998,7 +998,7 @@
           </ac:spMkLst>
         </pc:spChg>
         <pc:spChg chg="add mod">
-          <ac:chgData name="남 상현" userId="03ad4a8e8f7310f3" providerId="LiveId" clId="{C64F96AA-D886-4A71-9310-84C809687602}" dt="2022-06-14T11:19:12.200" v="1582" actId="20577"/>
+          <ac:chgData name="남 상현" userId="03ad4a8e8f7310f3" providerId="LiveId" clId="{C64F96AA-D886-4A71-9310-84C809687602}" dt="2022-07-07T05:07:33.691" v="2469" actId="164"/>
           <ac:spMkLst>
             <pc:docMk/>
             <pc:sldMk cId="1519972261" sldId="269"/>
@@ -1006,7 +1006,7 @@
           </ac:spMkLst>
         </pc:spChg>
         <pc:spChg chg="add mod">
-          <ac:chgData name="남 상현" userId="03ad4a8e8f7310f3" providerId="LiveId" clId="{C64F96AA-D886-4A71-9310-84C809687602}" dt="2022-06-14T11:19:19.607" v="1587" actId="20577"/>
+          <ac:chgData name="남 상현" userId="03ad4a8e8f7310f3" providerId="LiveId" clId="{C64F96AA-D886-4A71-9310-84C809687602}" dt="2022-07-07T05:07:33.691" v="2469" actId="164"/>
           <ac:spMkLst>
             <pc:docMk/>
             <pc:sldMk cId="1519972261" sldId="269"/>
@@ -1014,7 +1014,7 @@
           </ac:spMkLst>
         </pc:spChg>
         <pc:spChg chg="add mod">
-          <ac:chgData name="남 상현" userId="03ad4a8e8f7310f3" providerId="LiveId" clId="{C64F96AA-D886-4A71-9310-84C809687602}" dt="2022-06-14T11:21:26.325" v="2070" actId="2711"/>
+          <ac:chgData name="남 상현" userId="03ad4a8e8f7310f3" providerId="LiveId" clId="{C64F96AA-D886-4A71-9310-84C809687602}" dt="2022-07-07T04:57:30.669" v="2446" actId="164"/>
           <ac:spMkLst>
             <pc:docMk/>
             <pc:sldMk cId="1519972261" sldId="269"/>
@@ -1022,7 +1022,7 @@
           </ac:spMkLst>
         </pc:spChg>
         <pc:spChg chg="add mod">
-          <ac:chgData name="남 상현" userId="03ad4a8e8f7310f3" providerId="LiveId" clId="{C64F96AA-D886-4A71-9310-84C809687602}" dt="2022-06-14T11:21:26.325" v="2070" actId="2711"/>
+          <ac:chgData name="남 상현" userId="03ad4a8e8f7310f3" providerId="LiveId" clId="{C64F96AA-D886-4A71-9310-84C809687602}" dt="2022-07-07T05:07:05.522" v="2466" actId="164"/>
           <ac:spMkLst>
             <pc:docMk/>
             <pc:sldMk cId="1519972261" sldId="269"/>
@@ -1030,7 +1030,7 @@
           </ac:spMkLst>
         </pc:spChg>
         <pc:spChg chg="add mod">
-          <ac:chgData name="남 상현" userId="03ad4a8e8f7310f3" providerId="LiveId" clId="{C64F96AA-D886-4A71-9310-84C809687602}" dt="2022-06-14T11:21:26.325" v="2070" actId="2711"/>
+          <ac:chgData name="남 상현" userId="03ad4a8e8f7310f3" providerId="LiveId" clId="{C64F96AA-D886-4A71-9310-84C809687602}" dt="2022-07-07T05:07:33.691" v="2469" actId="164"/>
           <ac:spMkLst>
             <pc:docMk/>
             <pc:sldMk cId="1519972261" sldId="269"/>
@@ -1038,7 +1038,7 @@
           </ac:spMkLst>
         </pc:spChg>
         <pc:spChg chg="add mod">
-          <ac:chgData name="남 상현" userId="03ad4a8e8f7310f3" providerId="LiveId" clId="{C64F96AA-D886-4A71-9310-84C809687602}" dt="2022-06-14T11:22:12.221" v="2092" actId="1076"/>
+          <ac:chgData name="남 상현" userId="03ad4a8e8f7310f3" providerId="LiveId" clId="{C64F96AA-D886-4A71-9310-84C809687602}" dt="2022-07-07T05:07:33.691" v="2469" actId="164"/>
           <ac:spMkLst>
             <pc:docMk/>
             <pc:sldMk cId="1519972261" sldId="269"/>
@@ -1046,13 +1046,29 @@
           </ac:spMkLst>
         </pc:spChg>
         <pc:spChg chg="add mod">
-          <ac:chgData name="남 상현" userId="03ad4a8e8f7310f3" providerId="LiveId" clId="{C64F96AA-D886-4A71-9310-84C809687602}" dt="2022-06-14T11:22:19.536" v="2095" actId="1076"/>
+          <ac:chgData name="남 상현" userId="03ad4a8e8f7310f3" providerId="LiveId" clId="{C64F96AA-D886-4A71-9310-84C809687602}" dt="2022-07-07T05:07:33.691" v="2469" actId="164"/>
           <ac:spMkLst>
             <pc:docMk/>
             <pc:sldMk cId="1519972261" sldId="269"/>
             <ac:spMk id="62" creationId="{D1D483D9-6FA2-2DF4-B8A8-66E77741D777}"/>
           </ac:spMkLst>
         </pc:spChg>
+        <pc:grpChg chg="add mod">
+          <ac:chgData name="남 상현" userId="03ad4a8e8f7310f3" providerId="LiveId" clId="{C64F96AA-D886-4A71-9310-84C809687602}" dt="2022-07-07T04:57:30.669" v="2446" actId="164"/>
+          <ac:grpSpMkLst>
+            <pc:docMk/>
+            <pc:sldMk cId="1519972261" sldId="269"/>
+            <ac:grpSpMk id="2" creationId="{2FD0B178-9F31-C3E7-FE8F-0A4D5D5D5169}"/>
+          </ac:grpSpMkLst>
+        </pc:grpChg>
+        <pc:grpChg chg="add mod">
+          <ac:chgData name="남 상현" userId="03ad4a8e8f7310f3" providerId="LiveId" clId="{C64F96AA-D886-4A71-9310-84C809687602}" dt="2022-07-07T05:07:05.522" v="2466" actId="164"/>
+          <ac:grpSpMkLst>
+            <pc:docMk/>
+            <pc:sldMk cId="1519972261" sldId="269"/>
+            <ac:grpSpMk id="3" creationId="{24BDACAB-DCCF-4B64-8656-0B9ABD612F1C}"/>
+          </ac:grpSpMkLst>
+        </pc:grpChg>
         <pc:grpChg chg="add del mod">
           <ac:chgData name="남 상현" userId="03ad4a8e8f7310f3" providerId="LiveId" clId="{C64F96AA-D886-4A71-9310-84C809687602}" dt="2022-06-14T11:08:15.271" v="1513" actId="21"/>
           <ac:grpSpMkLst>
@@ -1062,11 +1078,27 @@
           </ac:grpSpMkLst>
         </pc:grpChg>
         <pc:grpChg chg="add mod">
-          <ac:chgData name="남 상현" userId="03ad4a8e8f7310f3" providerId="LiveId" clId="{C64F96AA-D886-4A71-9310-84C809687602}" dt="2022-06-14T11:18:50.733" v="1573" actId="1076"/>
+          <ac:chgData name="남 상현" userId="03ad4a8e8f7310f3" providerId="LiveId" clId="{C64F96AA-D886-4A71-9310-84C809687602}" dt="2022-07-07T05:07:33.691" v="2469" actId="164"/>
+          <ac:grpSpMkLst>
+            <pc:docMk/>
+            <pc:sldMk cId="1519972261" sldId="269"/>
+            <ac:grpSpMk id="5" creationId="{D89F1339-7E77-689D-63E2-BFEB04A2422F}"/>
+          </ac:grpSpMkLst>
+        </pc:grpChg>
+        <pc:grpChg chg="add mod">
+          <ac:chgData name="남 상현" userId="03ad4a8e8f7310f3" providerId="LiveId" clId="{C64F96AA-D886-4A71-9310-84C809687602}" dt="2022-07-07T04:57:30.669" v="2446" actId="164"/>
           <ac:grpSpMkLst>
             <pc:docMk/>
             <pc:sldMk cId="1519972261" sldId="269"/>
             <ac:grpSpMk id="7" creationId="{4FD80B72-0C66-CA54-E26F-C3FE183C39A6}"/>
+          </ac:grpSpMkLst>
+        </pc:grpChg>
+        <pc:grpChg chg="mod">
+          <ac:chgData name="남 상현" userId="03ad4a8e8f7310f3" providerId="LiveId" clId="{C64F96AA-D886-4A71-9310-84C809687602}" dt="2022-07-07T05:07:00.931" v="2465" actId="1076"/>
+          <ac:grpSpMkLst>
+            <pc:docMk/>
+            <pc:sldMk cId="1519972261" sldId="269"/>
+            <ac:grpSpMk id="10" creationId="{622537DA-11CD-A2F3-2B48-32ADF199A07B}"/>
           </ac:grpSpMkLst>
         </pc:grpChg>
         <pc:grpChg chg="add mod">
@@ -1086,15 +1118,15 @@
           </ac:grpSpMkLst>
         </pc:grpChg>
         <pc:grpChg chg="add mod">
-          <ac:chgData name="남 상현" userId="03ad4a8e8f7310f3" providerId="LiveId" clId="{C64F96AA-D886-4A71-9310-84C809687602}" dt="2022-06-14T11:19:07.751" v="1579" actId="1076"/>
+          <ac:chgData name="남 상현" userId="03ad4a8e8f7310f3" providerId="LiveId" clId="{C64F96AA-D886-4A71-9310-84C809687602}" dt="2022-07-07T05:07:05.522" v="2466" actId="164"/>
           <ac:grpSpMkLst>
             <pc:docMk/>
             <pc:sldMk cId="1519972261" sldId="269"/>
             <ac:grpSpMk id="39" creationId="{B7CACBCE-A59D-65C1-099A-F4D8DD1A69FD}"/>
           </ac:grpSpMkLst>
         </pc:grpChg>
-        <pc:grpChg chg="add mod">
-          <ac:chgData name="남 상현" userId="03ad4a8e8f7310f3" providerId="LiveId" clId="{C64F96AA-D886-4A71-9310-84C809687602}" dt="2022-06-14T11:19:07.969" v="1580"/>
+        <pc:grpChg chg="add del mod">
+          <ac:chgData name="남 상현" userId="03ad4a8e8f7310f3" providerId="LiveId" clId="{C64F96AA-D886-4A71-9310-84C809687602}" dt="2022-07-07T05:00:42.122" v="2456" actId="165"/>
           <ac:grpSpMkLst>
             <pc:docMk/>
             <pc:sldMk cId="1519972261" sldId="269"/>
@@ -1109,8 +1141,16 @@
             <ac:picMk id="3" creationId="{E836815E-AE8D-931A-D1BE-938509615D9C}"/>
           </ac:picMkLst>
         </pc:picChg>
+        <pc:picChg chg="add del">
+          <ac:chgData name="남 상현" userId="03ad4a8e8f7310f3" providerId="LiveId" clId="{C64F96AA-D886-4A71-9310-84C809687602}" dt="2022-07-07T05:07:08.052" v="2468" actId="21"/>
+          <ac:picMkLst>
+            <pc:docMk/>
+            <pc:sldMk cId="1519972261" sldId="269"/>
+            <ac:picMk id="4" creationId="{06FBCAD7-09C9-8C84-3F5D-68939050A20E}"/>
+          </ac:picMkLst>
+        </pc:picChg>
         <pc:picChg chg="add mod">
-          <ac:chgData name="남 상현" userId="03ad4a8e8f7310f3" providerId="LiveId" clId="{C64F96AA-D886-4A71-9310-84C809687602}" dt="2022-06-14T11:19:15.849" v="1585" actId="1076"/>
+          <ac:chgData name="남 상현" userId="03ad4a8e8f7310f3" providerId="LiveId" clId="{C64F96AA-D886-4A71-9310-84C809687602}" dt="2022-07-07T04:57:30.669" v="2446" actId="164"/>
           <ac:picMkLst>
             <pc:docMk/>
             <pc:sldMk cId="1519972261" sldId="269"/>
@@ -1118,7 +1158,7 @@
           </ac:picMkLst>
         </pc:picChg>
         <pc:picChg chg="add mod">
-          <ac:chgData name="남 상현" userId="03ad4a8e8f7310f3" providerId="LiveId" clId="{C64F96AA-D886-4A71-9310-84C809687602}" dt="2022-06-14T11:21:45.963" v="2082" actId="1076"/>
+          <ac:chgData name="남 상현" userId="03ad4a8e8f7310f3" providerId="LiveId" clId="{C64F96AA-D886-4A71-9310-84C809687602}" dt="2022-07-07T05:07:33.691" v="2469" actId="164"/>
           <ac:picMkLst>
             <pc:docMk/>
             <pc:sldMk cId="1519972261" sldId="269"/>
@@ -1126,7 +1166,7 @@
           </ac:picMkLst>
         </pc:picChg>
         <pc:picChg chg="add mod">
-          <ac:chgData name="남 상현" userId="03ad4a8e8f7310f3" providerId="LiveId" clId="{C64F96AA-D886-4A71-9310-84C809687602}" dt="2022-06-14T11:21:49.995" v="2084" actId="1076"/>
+          <ac:chgData name="남 상현" userId="03ad4a8e8f7310f3" providerId="LiveId" clId="{C64F96AA-D886-4A71-9310-84C809687602}" dt="2022-07-07T05:07:33.691" v="2469" actId="164"/>
           <ac:picMkLst>
             <pc:docMk/>
             <pc:sldMk cId="1519972261" sldId="269"/>
@@ -1134,7 +1174,7 @@
           </ac:picMkLst>
         </pc:picChg>
         <pc:picChg chg="add mod">
-          <ac:chgData name="남 상현" userId="03ad4a8e8f7310f3" providerId="LiveId" clId="{C64F96AA-D886-4A71-9310-84C809687602}" dt="2022-06-14T11:21:57.403" v="2086" actId="1076"/>
+          <ac:chgData name="남 상현" userId="03ad4a8e8f7310f3" providerId="LiveId" clId="{C64F96AA-D886-4A71-9310-84C809687602}" dt="2022-07-07T05:07:33.691" v="2469" actId="164"/>
           <ac:picMkLst>
             <pc:docMk/>
             <pc:sldMk cId="1519972261" sldId="269"/>
@@ -1142,7 +1182,7 @@
           </ac:picMkLst>
         </pc:picChg>
         <pc:picChg chg="add mod">
-          <ac:chgData name="남 상현" userId="03ad4a8e8f7310f3" providerId="LiveId" clId="{C64F96AA-D886-4A71-9310-84C809687602}" dt="2022-06-14T11:22:02.007" v="2088" actId="1076"/>
+          <ac:chgData name="남 상현" userId="03ad4a8e8f7310f3" providerId="LiveId" clId="{C64F96AA-D886-4A71-9310-84C809687602}" dt="2022-07-07T05:07:33.691" v="2469" actId="164"/>
           <ac:picMkLst>
             <pc:docMk/>
             <pc:sldMk cId="1519972261" sldId="269"/>
@@ -1150,7 +1190,7 @@
           </ac:picMkLst>
         </pc:picChg>
         <pc:picChg chg="add mod modCrop">
-          <ac:chgData name="남 상현" userId="03ad4a8e8f7310f3" providerId="LiveId" clId="{C64F96AA-D886-4A71-9310-84C809687602}" dt="2022-06-14T11:22:49.870" v="2107" actId="29295"/>
+          <ac:chgData name="남 상현" userId="03ad4a8e8f7310f3" providerId="LiveId" clId="{C64F96AA-D886-4A71-9310-84C809687602}" dt="2022-07-07T05:07:05.522" v="2466" actId="164"/>
           <ac:picMkLst>
             <pc:docMk/>
             <pc:sldMk cId="1519972261" sldId="269"/>
@@ -1158,7 +1198,7 @@
           </ac:picMkLst>
         </pc:picChg>
         <pc:picChg chg="add mod">
-          <ac:chgData name="남 상현" userId="03ad4a8e8f7310f3" providerId="LiveId" clId="{C64F96AA-D886-4A71-9310-84C809687602}" dt="2022-06-14T11:22:57.355" v="2108" actId="29295"/>
+          <ac:chgData name="남 상현" userId="03ad4a8e8f7310f3" providerId="LiveId" clId="{C64F96AA-D886-4A71-9310-84C809687602}" dt="2022-07-07T05:07:05.522" v="2466" actId="164"/>
           <ac:picMkLst>
             <pc:docMk/>
             <pc:sldMk cId="1519972261" sldId="269"/>
@@ -1166,7 +1206,7 @@
           </ac:picMkLst>
         </pc:picChg>
         <pc:picChg chg="add mod">
-          <ac:chgData name="남 상현" userId="03ad4a8e8f7310f3" providerId="LiveId" clId="{C64F96AA-D886-4A71-9310-84C809687602}" dt="2022-06-14T11:23:01.301" v="2109" actId="29295"/>
+          <ac:chgData name="남 상현" userId="03ad4a8e8f7310f3" providerId="LiveId" clId="{C64F96AA-D886-4A71-9310-84C809687602}" dt="2022-07-07T05:07:05.522" v="2466" actId="164"/>
           <ac:picMkLst>
             <pc:docMk/>
             <pc:sldMk cId="1519972261" sldId="269"/>
@@ -1174,7 +1214,7 @@
           </ac:picMkLst>
         </pc:picChg>
         <pc:picChg chg="add mod">
-          <ac:chgData name="남 상현" userId="03ad4a8e8f7310f3" providerId="LiveId" clId="{C64F96AA-D886-4A71-9310-84C809687602}" dt="2022-06-14T11:23:04.753" v="2110" actId="29295"/>
+          <ac:chgData name="남 상현" userId="03ad4a8e8f7310f3" providerId="LiveId" clId="{C64F96AA-D886-4A71-9310-84C809687602}" dt="2022-07-07T05:07:05.522" v="2466" actId="164"/>
           <ac:picMkLst>
             <pc:docMk/>
             <pc:sldMk cId="1519972261" sldId="269"/>
@@ -1851,7 +1891,7 @@
           <a:p>
             <a:fld id="{AB5791D8-3DE9-4422-A4CF-D7042787B7FB}" type="datetimeFigureOut">
               <a:rPr lang="ko-KR" altLang="en-US" smtClean="0"/>
-              <a:t>2022-06-23</a:t>
+              <a:t>2022-07-07</a:t>
             </a:fld>
             <a:endParaRPr lang="ko-KR" altLang="en-US"/>
           </a:p>
@@ -2349,7 +2389,7 @@
           <a:p>
             <a:fld id="{ACF308FB-89E9-4023-9DD5-342CA7859E51}" type="datetimeFigureOut">
               <a:rPr lang="ko-KR" altLang="en-US" smtClean="0"/>
-              <a:t>2022-06-23</a:t>
+              <a:t>2022-07-07</a:t>
             </a:fld>
             <a:endParaRPr lang="ko-KR" altLang="en-US"/>
           </a:p>
@@ -2547,7 +2587,7 @@
           <a:p>
             <a:fld id="{ACF308FB-89E9-4023-9DD5-342CA7859E51}" type="datetimeFigureOut">
               <a:rPr lang="ko-KR" altLang="en-US" smtClean="0"/>
-              <a:t>2022-06-23</a:t>
+              <a:t>2022-07-07</a:t>
             </a:fld>
             <a:endParaRPr lang="ko-KR" altLang="en-US"/>
           </a:p>
@@ -2755,7 +2795,7 @@
           <a:p>
             <a:fld id="{ACF308FB-89E9-4023-9DD5-342CA7859E51}" type="datetimeFigureOut">
               <a:rPr lang="ko-KR" altLang="en-US" smtClean="0"/>
-              <a:t>2022-06-23</a:t>
+              <a:t>2022-07-07</a:t>
             </a:fld>
             <a:endParaRPr lang="ko-KR" altLang="en-US"/>
           </a:p>
@@ -2953,7 +2993,7 @@
           <a:p>
             <a:fld id="{ACF308FB-89E9-4023-9DD5-342CA7859E51}" type="datetimeFigureOut">
               <a:rPr lang="ko-KR" altLang="en-US" smtClean="0"/>
-              <a:t>2022-06-23</a:t>
+              <a:t>2022-07-07</a:t>
             </a:fld>
             <a:endParaRPr lang="ko-KR" altLang="en-US"/>
           </a:p>
@@ -3228,7 +3268,7 @@
           <a:p>
             <a:fld id="{ACF308FB-89E9-4023-9DD5-342CA7859E51}" type="datetimeFigureOut">
               <a:rPr lang="ko-KR" altLang="en-US" smtClean="0"/>
-              <a:t>2022-06-23</a:t>
+              <a:t>2022-07-07</a:t>
             </a:fld>
             <a:endParaRPr lang="ko-KR" altLang="en-US"/>
           </a:p>
@@ -3493,7 +3533,7 @@
           <a:p>
             <a:fld id="{ACF308FB-89E9-4023-9DD5-342CA7859E51}" type="datetimeFigureOut">
               <a:rPr lang="ko-KR" altLang="en-US" smtClean="0"/>
-              <a:t>2022-06-23</a:t>
+              <a:t>2022-07-07</a:t>
             </a:fld>
             <a:endParaRPr lang="ko-KR" altLang="en-US"/>
           </a:p>
@@ -3905,7 +3945,7 @@
           <a:p>
             <a:fld id="{ACF308FB-89E9-4023-9DD5-342CA7859E51}" type="datetimeFigureOut">
               <a:rPr lang="ko-KR" altLang="en-US" smtClean="0"/>
-              <a:t>2022-06-23</a:t>
+              <a:t>2022-07-07</a:t>
             </a:fld>
             <a:endParaRPr lang="ko-KR" altLang="en-US"/>
           </a:p>
@@ -4046,7 +4086,7 @@
           <a:p>
             <a:fld id="{ACF308FB-89E9-4023-9DD5-342CA7859E51}" type="datetimeFigureOut">
               <a:rPr lang="ko-KR" altLang="en-US" smtClean="0"/>
-              <a:t>2022-06-23</a:t>
+              <a:t>2022-07-07</a:t>
             </a:fld>
             <a:endParaRPr lang="ko-KR" altLang="en-US"/>
           </a:p>
@@ -4159,7 +4199,7 @@
           <a:p>
             <a:fld id="{ACF308FB-89E9-4023-9DD5-342CA7859E51}" type="datetimeFigureOut">
               <a:rPr lang="ko-KR" altLang="en-US" smtClean="0"/>
-              <a:t>2022-06-23</a:t>
+              <a:t>2022-07-07</a:t>
             </a:fld>
             <a:endParaRPr lang="ko-KR" altLang="en-US"/>
           </a:p>
@@ -4470,7 +4510,7 @@
           <a:p>
             <a:fld id="{ACF308FB-89E9-4023-9DD5-342CA7859E51}" type="datetimeFigureOut">
               <a:rPr lang="ko-KR" altLang="en-US" smtClean="0"/>
-              <a:t>2022-06-23</a:t>
+              <a:t>2022-07-07</a:t>
             </a:fld>
             <a:endParaRPr lang="ko-KR" altLang="en-US"/>
           </a:p>
@@ -4758,7 +4798,7 @@
           <a:p>
             <a:fld id="{ACF308FB-89E9-4023-9DD5-342CA7859E51}" type="datetimeFigureOut">
               <a:rPr lang="ko-KR" altLang="en-US" smtClean="0"/>
-              <a:t>2022-06-23</a:t>
+              <a:t>2022-07-07</a:t>
             </a:fld>
             <a:endParaRPr lang="ko-KR" altLang="en-US"/>
           </a:p>
@@ -5005,7 +5045,7 @@
           <a:p>
             <a:fld id="{ACF308FB-89E9-4023-9DD5-342CA7859E51}" type="datetimeFigureOut">
               <a:rPr lang="ko-KR" altLang="en-US" smtClean="0"/>
-              <a:t>2022-06-23</a:t>
+              <a:t>2022-07-07</a:t>
             </a:fld>
             <a:endParaRPr lang="ko-KR" altLang="en-US"/>
           </a:p>
@@ -8580,62 +8620,6 @@
           <a:chExt cx="0" cy="0"/>
         </a:xfrm>
       </p:grpSpPr>
-      <p:sp>
-        <p:nvSpPr>
-          <p:cNvPr id="13" name="직사각형 12">
-            <a:extLst>
-              <a:ext uri="{FF2B5EF4-FFF2-40B4-BE49-F238E27FC236}">
-                <a16:creationId xmlns:a16="http://schemas.microsoft.com/office/drawing/2014/main" id="{E24649F2-32AD-D900-68DE-F1E930E9D419}"/>
-              </a:ext>
-            </a:extLst>
-          </p:cNvPr>
-          <p:cNvSpPr/>
-          <p:nvPr/>
-        </p:nvSpPr>
-        <p:spPr>
-          <a:xfrm>
-            <a:off x="121921" y="707922"/>
-            <a:ext cx="3769359" cy="4341598"/>
-          </a:xfrm>
-          <a:prstGeom prst="rect">
-            <a:avLst/>
-          </a:prstGeom>
-          <a:solidFill>
-            <a:schemeClr val="bg1">
-              <a:lumMod val="95000"/>
-            </a:schemeClr>
-          </a:solidFill>
-          <a:ln>
-            <a:solidFill>
-              <a:schemeClr val="tx1"/>
-            </a:solidFill>
-          </a:ln>
-        </p:spPr>
-        <p:style>
-          <a:lnRef idx="2">
-            <a:schemeClr val="accent1">
-              <a:shade val="50000"/>
-            </a:schemeClr>
-          </a:lnRef>
-          <a:fillRef idx="1">
-            <a:schemeClr val="accent1"/>
-          </a:fillRef>
-          <a:effectRef idx="0">
-            <a:schemeClr val="accent1"/>
-          </a:effectRef>
-          <a:fontRef idx="minor">
-            <a:schemeClr val="lt1"/>
-          </a:fontRef>
-        </p:style>
-        <p:txBody>
-          <a:bodyPr rtlCol="0" anchor="ctr"/>
-          <a:lstStyle/>
-          <a:p>
-            <a:pPr algn="ctr"/>
-            <a:endParaRPr lang="ko-KR" altLang="en-US"/>
-          </a:p>
-        </p:txBody>
-      </p:sp>
       <p:grpSp>
         <p:nvGrpSpPr>
           <p:cNvPr id="10" name="그룹 9">
@@ -8650,7 +8634,7 @@
         </p:nvGrpSpPr>
         <p:grpSpPr>
           <a:xfrm>
-            <a:off x="-9832" y="-9832"/>
+            <a:off x="-9832" y="-162232"/>
             <a:ext cx="12201832" cy="648929"/>
             <a:chOff x="0" y="0"/>
             <a:chExt cx="12201832" cy="648929"/>
@@ -8760,10 +8744,10 @@
       </p:grpSp>
       <p:grpSp>
         <p:nvGrpSpPr>
-          <p:cNvPr id="7" name="그룹 6">
+          <p:cNvPr id="2" name="그룹 1">
             <a:extLst>
               <a:ext uri="{FF2B5EF4-FFF2-40B4-BE49-F238E27FC236}">
-                <a16:creationId xmlns:a16="http://schemas.microsoft.com/office/drawing/2014/main" id="{4FD80B72-0C66-CA54-E26F-C3FE183C39A6}"/>
+                <a16:creationId xmlns:a16="http://schemas.microsoft.com/office/drawing/2014/main" id="{2FD0B178-9F31-C3E7-FE8F-0A4D5D5D5169}"/>
               </a:ext>
             </a:extLst>
           </p:cNvPr>
@@ -8772,18 +8756,18 @@
         </p:nvGrpSpPr>
         <p:grpSpPr>
           <a:xfrm>
-            <a:off x="369238" y="1535055"/>
-            <a:ext cx="3308682" cy="3212449"/>
-            <a:chOff x="348918" y="1262230"/>
-            <a:chExt cx="3611742" cy="3506695"/>
+            <a:off x="121921" y="707922"/>
+            <a:ext cx="4551343" cy="6091085"/>
+            <a:chOff x="121921" y="707922"/>
+            <a:chExt cx="4551343" cy="6091085"/>
           </a:xfrm>
         </p:grpSpPr>
         <p:sp>
           <p:nvSpPr>
-            <p:cNvPr id="8" name="사각형: 둥근 모서리 7">
+            <p:cNvPr id="13" name="직사각형 12">
               <a:extLst>
                 <a:ext uri="{FF2B5EF4-FFF2-40B4-BE49-F238E27FC236}">
-                  <a16:creationId xmlns:a16="http://schemas.microsoft.com/office/drawing/2014/main" id="{76DD6D9F-5906-DE5E-A246-7EC86BB62FC6}"/>
+                  <a16:creationId xmlns:a16="http://schemas.microsoft.com/office/drawing/2014/main" id="{E24649F2-32AD-D900-68DE-F1E930E9D419}"/>
                 </a:ext>
               </a:extLst>
             </p:cNvPr>
@@ -8792,18 +8776,605 @@
           </p:nvSpPr>
           <p:spPr>
             <a:xfrm>
-              <a:off x="348919" y="1262230"/>
-              <a:ext cx="1662761" cy="1663850"/>
+              <a:off x="121921" y="707922"/>
+              <a:ext cx="3769359" cy="4341598"/>
             </a:xfrm>
-            <a:prstGeom prst="roundRect">
-              <a:avLst>
-                <a:gd name="adj" fmla="val 6112"/>
-              </a:avLst>
+            <a:prstGeom prst="rect">
+              <a:avLst/>
+            </a:prstGeom>
+            <a:solidFill>
+              <a:schemeClr val="bg1">
+                <a:lumMod val="95000"/>
+              </a:schemeClr>
+            </a:solidFill>
+            <a:ln>
+              <a:solidFill>
+                <a:schemeClr val="tx1"/>
+              </a:solidFill>
+            </a:ln>
+          </p:spPr>
+          <p:style>
+            <a:lnRef idx="2">
+              <a:schemeClr val="accent1">
+                <a:shade val="50000"/>
+              </a:schemeClr>
+            </a:lnRef>
+            <a:fillRef idx="1">
+              <a:schemeClr val="accent1"/>
+            </a:fillRef>
+            <a:effectRef idx="0">
+              <a:schemeClr val="accent1"/>
+            </a:effectRef>
+            <a:fontRef idx="minor">
+              <a:schemeClr val="lt1"/>
+            </a:fontRef>
+          </p:style>
+          <p:txBody>
+            <a:bodyPr rtlCol="0" anchor="ctr"/>
+            <a:lstStyle/>
+            <a:p>
+              <a:pPr algn="ctr"/>
+              <a:endParaRPr lang="ko-KR" altLang="en-US"/>
+            </a:p>
+          </p:txBody>
+        </p:sp>
+        <p:grpSp>
+          <p:nvGrpSpPr>
+            <p:cNvPr id="7" name="그룹 6">
+              <a:extLst>
+                <a:ext uri="{FF2B5EF4-FFF2-40B4-BE49-F238E27FC236}">
+                  <a16:creationId xmlns:a16="http://schemas.microsoft.com/office/drawing/2014/main" id="{4FD80B72-0C66-CA54-E26F-C3FE183C39A6}"/>
+                </a:ext>
+              </a:extLst>
+            </p:cNvPr>
+            <p:cNvGrpSpPr/>
+            <p:nvPr/>
+          </p:nvGrpSpPr>
+          <p:grpSpPr>
+            <a:xfrm>
+              <a:off x="369238" y="1535055"/>
+              <a:ext cx="3308682" cy="3212449"/>
+              <a:chOff x="348918" y="1262230"/>
+              <a:chExt cx="3611742" cy="3506695"/>
+            </a:xfrm>
+          </p:grpSpPr>
+          <p:sp>
+            <p:nvSpPr>
+              <p:cNvPr id="8" name="사각형: 둥근 모서리 7">
+                <a:extLst>
+                  <a:ext uri="{FF2B5EF4-FFF2-40B4-BE49-F238E27FC236}">
+                    <a16:creationId xmlns:a16="http://schemas.microsoft.com/office/drawing/2014/main" id="{76DD6D9F-5906-DE5E-A246-7EC86BB62FC6}"/>
+                  </a:ext>
+                </a:extLst>
+              </p:cNvPr>
+              <p:cNvSpPr/>
+              <p:nvPr/>
+            </p:nvSpPr>
+            <p:spPr>
+              <a:xfrm>
+                <a:off x="348919" y="1262230"/>
+                <a:ext cx="1662761" cy="1663850"/>
+              </a:xfrm>
+              <a:prstGeom prst="roundRect">
+                <a:avLst>
+                  <a:gd name="adj" fmla="val 6112"/>
+                </a:avLst>
+              </a:prstGeom>
+              <a:noFill/>
+              <a:ln w="76200">
+                <a:solidFill>
+                  <a:schemeClr val="accent6">
+                    <a:lumMod val="75000"/>
+                  </a:schemeClr>
+                </a:solidFill>
+              </a:ln>
+            </p:spPr>
+            <p:style>
+              <a:lnRef idx="2">
+                <a:schemeClr val="accent1">
+                  <a:shade val="50000"/>
+                </a:schemeClr>
+              </a:lnRef>
+              <a:fillRef idx="1">
+                <a:schemeClr val="accent1"/>
+              </a:fillRef>
+              <a:effectRef idx="0">
+                <a:schemeClr val="accent1"/>
+              </a:effectRef>
+              <a:fontRef idx="minor">
+                <a:schemeClr val="lt1"/>
+              </a:fontRef>
+            </p:style>
+            <p:txBody>
+              <a:bodyPr rtlCol="0" anchor="ctr"/>
+              <a:lstStyle/>
+              <a:p>
+                <a:pPr algn="ctr"/>
+                <a:endParaRPr lang="ko-KR" altLang="en-US"/>
+              </a:p>
+            </p:txBody>
+          </p:sp>
+          <p:sp>
+            <p:nvSpPr>
+              <p:cNvPr id="14" name="사각형: 둥근 모서리 13">
+                <a:extLst>
+                  <a:ext uri="{FF2B5EF4-FFF2-40B4-BE49-F238E27FC236}">
+                    <a16:creationId xmlns:a16="http://schemas.microsoft.com/office/drawing/2014/main" id="{D559387D-8882-B913-7FBC-D1F985FE5BFE}"/>
+                  </a:ext>
+                </a:extLst>
+              </p:cNvPr>
+              <p:cNvSpPr/>
+              <p:nvPr/>
+            </p:nvSpPr>
+            <p:spPr>
+              <a:xfrm>
+                <a:off x="2297899" y="1262230"/>
+                <a:ext cx="1662761" cy="1663850"/>
+              </a:xfrm>
+              <a:prstGeom prst="roundRect">
+                <a:avLst>
+                  <a:gd name="adj" fmla="val 6112"/>
+                </a:avLst>
+              </a:prstGeom>
+              <a:noFill/>
+              <a:ln w="76200">
+                <a:solidFill>
+                  <a:schemeClr val="accent6">
+                    <a:lumMod val="75000"/>
+                  </a:schemeClr>
+                </a:solidFill>
+              </a:ln>
+            </p:spPr>
+            <p:style>
+              <a:lnRef idx="2">
+                <a:schemeClr val="accent1">
+                  <a:shade val="50000"/>
+                </a:schemeClr>
+              </a:lnRef>
+              <a:fillRef idx="1">
+                <a:schemeClr val="accent1"/>
+              </a:fillRef>
+              <a:effectRef idx="0">
+                <a:schemeClr val="accent1"/>
+              </a:effectRef>
+              <a:fontRef idx="minor">
+                <a:schemeClr val="lt1"/>
+              </a:fontRef>
+            </p:style>
+            <p:txBody>
+              <a:bodyPr rtlCol="0" anchor="ctr"/>
+              <a:lstStyle/>
+              <a:p>
+                <a:pPr algn="ctr"/>
+                <a:endParaRPr lang="ko-KR" altLang="en-US"/>
+              </a:p>
+            </p:txBody>
+          </p:sp>
+          <p:sp>
+            <p:nvSpPr>
+              <p:cNvPr id="15" name="사각형: 둥근 모서리 14">
+                <a:extLst>
+                  <a:ext uri="{FF2B5EF4-FFF2-40B4-BE49-F238E27FC236}">
+                    <a16:creationId xmlns:a16="http://schemas.microsoft.com/office/drawing/2014/main" id="{00BD6682-1C3C-FC2B-A7C8-864892A134E2}"/>
+                  </a:ext>
+                </a:extLst>
+              </p:cNvPr>
+              <p:cNvSpPr/>
+              <p:nvPr/>
+            </p:nvSpPr>
+            <p:spPr>
+              <a:xfrm>
+                <a:off x="348918" y="3105075"/>
+                <a:ext cx="1662761" cy="1663850"/>
+              </a:xfrm>
+              <a:prstGeom prst="roundRect">
+                <a:avLst>
+                  <a:gd name="adj" fmla="val 6112"/>
+                </a:avLst>
+              </a:prstGeom>
+              <a:noFill/>
+              <a:ln w="76200">
+                <a:solidFill>
+                  <a:schemeClr val="accent6">
+                    <a:lumMod val="75000"/>
+                  </a:schemeClr>
+                </a:solidFill>
+              </a:ln>
+            </p:spPr>
+            <p:style>
+              <a:lnRef idx="2">
+                <a:schemeClr val="accent1">
+                  <a:shade val="50000"/>
+                </a:schemeClr>
+              </a:lnRef>
+              <a:fillRef idx="1">
+                <a:schemeClr val="accent1"/>
+              </a:fillRef>
+              <a:effectRef idx="0">
+                <a:schemeClr val="accent1"/>
+              </a:effectRef>
+              <a:fontRef idx="minor">
+                <a:schemeClr val="lt1"/>
+              </a:fontRef>
+            </p:style>
+            <p:txBody>
+              <a:bodyPr rtlCol="0" anchor="ctr"/>
+              <a:lstStyle/>
+              <a:p>
+                <a:pPr algn="ctr"/>
+                <a:endParaRPr lang="ko-KR" altLang="en-US"/>
+              </a:p>
+            </p:txBody>
+          </p:sp>
+          <p:sp>
+            <p:nvSpPr>
+              <p:cNvPr id="16" name="사각형: 둥근 모서리 15">
+                <a:extLst>
+                  <a:ext uri="{FF2B5EF4-FFF2-40B4-BE49-F238E27FC236}">
+                    <a16:creationId xmlns:a16="http://schemas.microsoft.com/office/drawing/2014/main" id="{0454CABF-14DD-BC4C-A385-AA015A3E67E4}"/>
+                  </a:ext>
+                </a:extLst>
+              </p:cNvPr>
+              <p:cNvSpPr/>
+              <p:nvPr/>
+            </p:nvSpPr>
+            <p:spPr>
+              <a:xfrm>
+                <a:off x="2297898" y="3105075"/>
+                <a:ext cx="1662761" cy="1663850"/>
+              </a:xfrm>
+              <a:prstGeom prst="roundRect">
+                <a:avLst>
+                  <a:gd name="adj" fmla="val 6112"/>
+                </a:avLst>
+              </a:prstGeom>
+              <a:noFill/>
+              <a:ln w="76200">
+                <a:solidFill>
+                  <a:schemeClr val="accent6">
+                    <a:lumMod val="75000"/>
+                  </a:schemeClr>
+                </a:solidFill>
+              </a:ln>
+            </p:spPr>
+            <p:style>
+              <a:lnRef idx="2">
+                <a:schemeClr val="accent1">
+                  <a:shade val="50000"/>
+                </a:schemeClr>
+              </a:lnRef>
+              <a:fillRef idx="1">
+                <a:schemeClr val="accent1"/>
+              </a:fillRef>
+              <a:effectRef idx="0">
+                <a:schemeClr val="accent1"/>
+              </a:effectRef>
+              <a:fontRef idx="minor">
+                <a:schemeClr val="lt1"/>
+              </a:fontRef>
+            </p:style>
+            <p:txBody>
+              <a:bodyPr rtlCol="0" anchor="ctr"/>
+              <a:lstStyle/>
+              <a:p>
+                <a:pPr algn="ctr"/>
+                <a:endParaRPr lang="ko-KR" altLang="en-US"/>
+              </a:p>
+            </p:txBody>
+          </p:sp>
+        </p:grpSp>
+        <p:pic>
+          <p:nvPicPr>
+            <p:cNvPr id="6" name="그림 5">
+              <a:extLst>
+                <a:ext uri="{FF2B5EF4-FFF2-40B4-BE49-F238E27FC236}">
+                  <a16:creationId xmlns:a16="http://schemas.microsoft.com/office/drawing/2014/main" id="{EDAE40AF-F04B-DBBC-1310-F21C3ED291C1}"/>
+                </a:ext>
+              </a:extLst>
+            </p:cNvPr>
+            <p:cNvPicPr>
+              <a:picLocks noChangeAspect="1"/>
+            </p:cNvPicPr>
+            <p:nvPr/>
+          </p:nvPicPr>
+          <p:blipFill>
+            <a:blip r:embed="rId2"/>
+            <a:stretch>
+              <a:fillRect/>
+            </a:stretch>
+          </p:blipFill>
+          <p:spPr>
+            <a:xfrm>
+              <a:off x="2478703" y="3299667"/>
+              <a:ext cx="2194561" cy="2023278"/>
+            </a:xfrm>
+            <a:prstGeom prst="rect">
+              <a:avLst/>
+            </a:prstGeom>
+          </p:spPr>
+        </p:pic>
+        <p:sp>
+          <p:nvSpPr>
+            <p:cNvPr id="19" name="직사각형 18">
+              <a:extLst>
+                <a:ext uri="{FF2B5EF4-FFF2-40B4-BE49-F238E27FC236}">
+                  <a16:creationId xmlns:a16="http://schemas.microsoft.com/office/drawing/2014/main" id="{F3255A77-2B97-AA27-96B3-B1DCBA9F18AB}"/>
+                </a:ext>
+              </a:extLst>
+            </p:cNvPr>
+            <p:cNvSpPr/>
+            <p:nvPr/>
+          </p:nvSpPr>
+          <p:spPr>
+            <a:xfrm>
+              <a:off x="121921" y="707922"/>
+              <a:ext cx="548639" cy="583199"/>
+            </a:xfrm>
+            <a:prstGeom prst="rect">
+              <a:avLst/>
+            </a:prstGeom>
+            <a:solidFill>
+              <a:srgbClr val="47CFFF"/>
+            </a:solidFill>
+            <a:ln w="28575">
+              <a:solidFill>
+                <a:schemeClr val="tx1"/>
+              </a:solidFill>
+            </a:ln>
+          </p:spPr>
+          <p:style>
+            <a:lnRef idx="2">
+              <a:schemeClr val="accent1">
+                <a:shade val="50000"/>
+              </a:schemeClr>
+            </a:lnRef>
+            <a:fillRef idx="1">
+              <a:schemeClr val="accent1"/>
+            </a:fillRef>
+            <a:effectRef idx="0">
+              <a:schemeClr val="accent1"/>
+            </a:effectRef>
+            <a:fontRef idx="minor">
+              <a:schemeClr val="lt1"/>
+            </a:fontRef>
+          </p:style>
+          <p:txBody>
+            <a:bodyPr rtlCol="0" anchor="ctr"/>
+            <a:lstStyle/>
+            <a:p>
+              <a:pPr algn="ctr"/>
+              <a:r>
+                <a:rPr lang="en-US" altLang="ko-KR" b="1" dirty="0">
+                  <a:solidFill>
+                    <a:schemeClr val="tx1"/>
+                  </a:solidFill>
+                </a:rPr>
+                <a:t>1</a:t>
+              </a:r>
+              <a:endParaRPr lang="ko-KR" altLang="en-US" b="1" dirty="0">
+                <a:solidFill>
+                  <a:schemeClr val="tx1"/>
+                </a:solidFill>
+              </a:endParaRPr>
+            </a:p>
+          </p:txBody>
+        </p:sp>
+        <p:sp>
+          <p:nvSpPr>
+            <p:cNvPr id="21" name="TextBox 20">
+              <a:extLst>
+                <a:ext uri="{FF2B5EF4-FFF2-40B4-BE49-F238E27FC236}">
+                  <a16:creationId xmlns:a16="http://schemas.microsoft.com/office/drawing/2014/main" id="{85F9AE9D-E3E3-0FA8-47C3-95E29E7E6D42}"/>
+                </a:ext>
+              </a:extLst>
+            </p:cNvPr>
+            <p:cNvSpPr txBox="1"/>
+            <p:nvPr/>
+          </p:nvSpPr>
+          <p:spPr>
+            <a:xfrm>
+              <a:off x="870585" y="966452"/>
+              <a:ext cx="2272030" cy="369332"/>
+            </a:xfrm>
+            <a:prstGeom prst="rect">
+              <a:avLst/>
             </a:prstGeom>
             <a:noFill/>
-            <a:ln w="57150">
+          </p:spPr>
+          <p:txBody>
+            <a:bodyPr wrap="square">
+              <a:spAutoFit/>
+            </a:bodyPr>
+            <a:lstStyle/>
+            <a:p>
+              <a:pPr algn="ctr"/>
+              <a:r>
+                <a:rPr lang="en-US" altLang="ko-KR" b="1" dirty="0">
+                  <a:solidFill>
+                    <a:schemeClr val="tx1"/>
+                  </a:solidFill>
+                </a:rPr>
+                <a:t>5</a:t>
+              </a:r>
+              <a:endParaRPr lang="ko-KR" altLang="en-US" b="1" dirty="0">
+                <a:solidFill>
+                  <a:schemeClr val="tx1"/>
+                </a:solidFill>
+              </a:endParaRPr>
+            </a:p>
+          </p:txBody>
+        </p:sp>
+        <p:sp>
+          <p:nvSpPr>
+            <p:cNvPr id="54" name="직사각형 53">
+              <a:extLst>
+                <a:ext uri="{FF2B5EF4-FFF2-40B4-BE49-F238E27FC236}">
+                  <a16:creationId xmlns:a16="http://schemas.microsoft.com/office/drawing/2014/main" id="{ED2198BC-A780-A990-AEC8-1C9611733B9A}"/>
+                </a:ext>
+              </a:extLst>
+            </p:cNvPr>
+            <p:cNvSpPr/>
+            <p:nvPr/>
+          </p:nvSpPr>
+          <p:spPr>
+            <a:xfrm>
+              <a:off x="121921" y="5128067"/>
+              <a:ext cx="3769359" cy="1670940"/>
+            </a:xfrm>
+            <a:prstGeom prst="rect">
+              <a:avLst/>
+            </a:prstGeom>
+            <a:solidFill>
+              <a:schemeClr val="bg1">
+                <a:lumMod val="95000"/>
+              </a:schemeClr>
+            </a:solidFill>
+            <a:ln>
               <a:solidFill>
-                <a:srgbClr val="00B050"/>
+                <a:schemeClr val="tx1"/>
+              </a:solidFill>
+            </a:ln>
+          </p:spPr>
+          <p:style>
+            <a:lnRef idx="2">
+              <a:schemeClr val="accent1">
+                <a:shade val="50000"/>
+              </a:schemeClr>
+            </a:lnRef>
+            <a:fillRef idx="1">
+              <a:schemeClr val="accent1"/>
+            </a:fillRef>
+            <a:effectRef idx="0">
+              <a:schemeClr val="accent1"/>
+            </a:effectRef>
+            <a:fontRef idx="minor">
+              <a:schemeClr val="lt1"/>
+            </a:fontRef>
+          </p:style>
+          <p:txBody>
+            <a:bodyPr rtlCol="0" anchor="ctr"/>
+            <a:lstStyle/>
+            <a:p>
+              <a:pPr algn="ctr"/>
+              <a:r>
+                <a:rPr lang="ko-KR" altLang="en-US" dirty="0">
+                  <a:solidFill>
+                    <a:schemeClr val="tx1"/>
+                  </a:solidFill>
+                  <a:latin typeface="에스코어 드림 4 Regular" panose="020B0503030302020204" pitchFamily="34" charset="-127"/>
+                  <a:ea typeface="에스코어 드림 4 Regular" panose="020B0503030302020204" pitchFamily="34" charset="-127"/>
+                </a:rPr>
+                <a:t>스테이지에 존재하는 여러 개의</a:t>
+              </a:r>
+              <a:endParaRPr lang="en-US" altLang="ko-KR" dirty="0">
+                <a:solidFill>
+                  <a:schemeClr val="tx1"/>
+                </a:solidFill>
+                <a:latin typeface="에스코어 드림 4 Regular" panose="020B0503030302020204" pitchFamily="34" charset="-127"/>
+                <a:ea typeface="에스코어 드림 4 Regular" panose="020B0503030302020204" pitchFamily="34" charset="-127"/>
+              </a:endParaRPr>
+            </a:p>
+            <a:p>
+              <a:pPr algn="ctr"/>
+              <a:r>
+                <a:rPr lang="ko-KR" altLang="en-US" dirty="0">
+                  <a:solidFill>
+                    <a:schemeClr val="tx1"/>
+                  </a:solidFill>
+                  <a:latin typeface="에스코어 드림 4 Regular" panose="020B0503030302020204" pitchFamily="34" charset="-127"/>
+                  <a:ea typeface="에스코어 드림 4 Regular" panose="020B0503030302020204" pitchFamily="34" charset="-127"/>
+                </a:rPr>
+                <a:t>맵 중에서 중력장을 그릴 </a:t>
+              </a:r>
+              <a:endParaRPr lang="en-US" altLang="ko-KR" dirty="0">
+                <a:solidFill>
+                  <a:schemeClr val="tx1"/>
+                </a:solidFill>
+                <a:latin typeface="에스코어 드림 4 Regular" panose="020B0503030302020204" pitchFamily="34" charset="-127"/>
+                <a:ea typeface="에스코어 드림 4 Regular" panose="020B0503030302020204" pitchFamily="34" charset="-127"/>
+              </a:endParaRPr>
+            </a:p>
+            <a:p>
+              <a:pPr algn="ctr"/>
+              <a:r>
+                <a:rPr lang="ko-KR" altLang="en-US" dirty="0">
+                  <a:solidFill>
+                    <a:schemeClr val="tx1"/>
+                  </a:solidFill>
+                  <a:latin typeface="에스코어 드림 4 Regular" panose="020B0503030302020204" pitchFamily="34" charset="-127"/>
+                  <a:ea typeface="에스코어 드림 4 Regular" panose="020B0503030302020204" pitchFamily="34" charset="-127"/>
+                </a:rPr>
+                <a:t>주 맵을 선택합니다</a:t>
+              </a:r>
+              <a:r>
+                <a:rPr lang="en-US" altLang="ko-KR" dirty="0">
+                  <a:solidFill>
+                    <a:schemeClr val="tx1"/>
+                  </a:solidFill>
+                  <a:latin typeface="에스코어 드림 4 Regular" panose="020B0503030302020204" pitchFamily="34" charset="-127"/>
+                  <a:ea typeface="에스코어 드림 4 Regular" panose="020B0503030302020204" pitchFamily="34" charset="-127"/>
+                </a:rPr>
+                <a:t>.</a:t>
+              </a:r>
+              <a:endParaRPr lang="ko-KR" altLang="en-US" dirty="0">
+                <a:solidFill>
+                  <a:schemeClr val="tx1"/>
+                </a:solidFill>
+                <a:latin typeface="에스코어 드림 4 Regular" panose="020B0503030302020204" pitchFamily="34" charset="-127"/>
+                <a:ea typeface="에스코어 드림 4 Regular" panose="020B0503030302020204" pitchFamily="34" charset="-127"/>
+              </a:endParaRPr>
+            </a:p>
+          </p:txBody>
+        </p:sp>
+      </p:grpSp>
+      <p:grpSp>
+        <p:nvGrpSpPr>
+          <p:cNvPr id="5" name="그룹 4">
+            <a:extLst>
+              <a:ext uri="{FF2B5EF4-FFF2-40B4-BE49-F238E27FC236}">
+                <a16:creationId xmlns:a16="http://schemas.microsoft.com/office/drawing/2014/main" id="{D89F1339-7E77-689D-63E2-BFEB04A2422F}"/>
+              </a:ext>
+            </a:extLst>
+          </p:cNvPr>
+          <p:cNvGrpSpPr/>
+          <p:nvPr/>
+        </p:nvGrpSpPr>
+        <p:grpSpPr>
+          <a:xfrm>
+            <a:off x="8300719" y="723072"/>
+            <a:ext cx="3769359" cy="6086791"/>
+            <a:chOff x="8300719" y="723072"/>
+            <a:chExt cx="3769359" cy="6086791"/>
+          </a:xfrm>
+        </p:grpSpPr>
+        <p:sp>
+          <p:nvSpPr>
+            <p:cNvPr id="46" name="직사각형 45">
+              <a:extLst>
+                <a:ext uri="{FF2B5EF4-FFF2-40B4-BE49-F238E27FC236}">
+                  <a16:creationId xmlns:a16="http://schemas.microsoft.com/office/drawing/2014/main" id="{42464A6B-9F9A-CDD1-081D-DFF06C2835A5}"/>
+                </a:ext>
+              </a:extLst>
+            </p:cNvPr>
+            <p:cNvSpPr/>
+            <p:nvPr/>
+          </p:nvSpPr>
+          <p:spPr>
+            <a:xfrm>
+              <a:off x="8300719" y="723072"/>
+              <a:ext cx="3769359" cy="4341598"/>
+            </a:xfrm>
+            <a:prstGeom prst="rect">
+              <a:avLst/>
+            </a:prstGeom>
+            <a:solidFill>
+              <a:schemeClr val="bg1">
+                <a:lumMod val="95000"/>
+              </a:schemeClr>
+            </a:solidFill>
+            <a:ln>
+              <a:solidFill>
+                <a:schemeClr val="tx1"/>
               </a:solidFill>
             </a:ln>
           </p:spPr>
@@ -8834,794 +9405,6 @@
         </p:sp>
         <p:sp>
           <p:nvSpPr>
-            <p:cNvPr id="14" name="사각형: 둥근 모서리 13">
-              <a:extLst>
-                <a:ext uri="{FF2B5EF4-FFF2-40B4-BE49-F238E27FC236}">
-                  <a16:creationId xmlns:a16="http://schemas.microsoft.com/office/drawing/2014/main" id="{D559387D-8882-B913-7FBC-D1F985FE5BFE}"/>
-                </a:ext>
-              </a:extLst>
-            </p:cNvPr>
-            <p:cNvSpPr/>
-            <p:nvPr/>
-          </p:nvSpPr>
-          <p:spPr>
-            <a:xfrm>
-              <a:off x="2297899" y="1262230"/>
-              <a:ext cx="1662761" cy="1663850"/>
-            </a:xfrm>
-            <a:prstGeom prst="roundRect">
-              <a:avLst>
-                <a:gd name="adj" fmla="val 6112"/>
-              </a:avLst>
-            </a:prstGeom>
-            <a:noFill/>
-            <a:ln w="57150">
-              <a:solidFill>
-                <a:srgbClr val="00B050"/>
-              </a:solidFill>
-            </a:ln>
-          </p:spPr>
-          <p:style>
-            <a:lnRef idx="2">
-              <a:schemeClr val="accent1">
-                <a:shade val="50000"/>
-              </a:schemeClr>
-            </a:lnRef>
-            <a:fillRef idx="1">
-              <a:schemeClr val="accent1"/>
-            </a:fillRef>
-            <a:effectRef idx="0">
-              <a:schemeClr val="accent1"/>
-            </a:effectRef>
-            <a:fontRef idx="minor">
-              <a:schemeClr val="lt1"/>
-            </a:fontRef>
-          </p:style>
-          <p:txBody>
-            <a:bodyPr rtlCol="0" anchor="ctr"/>
-            <a:lstStyle/>
-            <a:p>
-              <a:pPr algn="ctr"/>
-              <a:endParaRPr lang="ko-KR" altLang="en-US"/>
-            </a:p>
-          </p:txBody>
-        </p:sp>
-        <p:sp>
-          <p:nvSpPr>
-            <p:cNvPr id="15" name="사각형: 둥근 모서리 14">
-              <a:extLst>
-                <a:ext uri="{FF2B5EF4-FFF2-40B4-BE49-F238E27FC236}">
-                  <a16:creationId xmlns:a16="http://schemas.microsoft.com/office/drawing/2014/main" id="{00BD6682-1C3C-FC2B-A7C8-864892A134E2}"/>
-                </a:ext>
-              </a:extLst>
-            </p:cNvPr>
-            <p:cNvSpPr/>
-            <p:nvPr/>
-          </p:nvSpPr>
-          <p:spPr>
-            <a:xfrm>
-              <a:off x="348918" y="3105075"/>
-              <a:ext cx="1662761" cy="1663850"/>
-            </a:xfrm>
-            <a:prstGeom prst="roundRect">
-              <a:avLst>
-                <a:gd name="adj" fmla="val 6112"/>
-              </a:avLst>
-            </a:prstGeom>
-            <a:noFill/>
-            <a:ln w="57150">
-              <a:solidFill>
-                <a:srgbClr val="00B050"/>
-              </a:solidFill>
-            </a:ln>
-          </p:spPr>
-          <p:style>
-            <a:lnRef idx="2">
-              <a:schemeClr val="accent1">
-                <a:shade val="50000"/>
-              </a:schemeClr>
-            </a:lnRef>
-            <a:fillRef idx="1">
-              <a:schemeClr val="accent1"/>
-            </a:fillRef>
-            <a:effectRef idx="0">
-              <a:schemeClr val="accent1"/>
-            </a:effectRef>
-            <a:fontRef idx="minor">
-              <a:schemeClr val="lt1"/>
-            </a:fontRef>
-          </p:style>
-          <p:txBody>
-            <a:bodyPr rtlCol="0" anchor="ctr"/>
-            <a:lstStyle/>
-            <a:p>
-              <a:pPr algn="ctr"/>
-              <a:endParaRPr lang="ko-KR" altLang="en-US"/>
-            </a:p>
-          </p:txBody>
-        </p:sp>
-        <p:sp>
-          <p:nvSpPr>
-            <p:cNvPr id="16" name="사각형: 둥근 모서리 15">
-              <a:extLst>
-                <a:ext uri="{FF2B5EF4-FFF2-40B4-BE49-F238E27FC236}">
-                  <a16:creationId xmlns:a16="http://schemas.microsoft.com/office/drawing/2014/main" id="{0454CABF-14DD-BC4C-A385-AA015A3E67E4}"/>
-                </a:ext>
-              </a:extLst>
-            </p:cNvPr>
-            <p:cNvSpPr/>
-            <p:nvPr/>
-          </p:nvSpPr>
-          <p:spPr>
-            <a:xfrm>
-              <a:off x="2297898" y="3105075"/>
-              <a:ext cx="1662761" cy="1663850"/>
-            </a:xfrm>
-            <a:prstGeom prst="roundRect">
-              <a:avLst>
-                <a:gd name="adj" fmla="val 6112"/>
-              </a:avLst>
-            </a:prstGeom>
-            <a:noFill/>
-            <a:ln w="57150">
-              <a:solidFill>
-                <a:srgbClr val="00B050"/>
-              </a:solidFill>
-            </a:ln>
-          </p:spPr>
-          <p:style>
-            <a:lnRef idx="2">
-              <a:schemeClr val="accent1">
-                <a:shade val="50000"/>
-              </a:schemeClr>
-            </a:lnRef>
-            <a:fillRef idx="1">
-              <a:schemeClr val="accent1"/>
-            </a:fillRef>
-            <a:effectRef idx="0">
-              <a:schemeClr val="accent1"/>
-            </a:effectRef>
-            <a:fontRef idx="minor">
-              <a:schemeClr val="lt1"/>
-            </a:fontRef>
-          </p:style>
-          <p:txBody>
-            <a:bodyPr rtlCol="0" anchor="ctr"/>
-            <a:lstStyle/>
-            <a:p>
-              <a:pPr algn="ctr"/>
-              <a:endParaRPr lang="ko-KR" altLang="en-US"/>
-            </a:p>
-          </p:txBody>
-        </p:sp>
-      </p:grpSp>
-      <p:pic>
-        <p:nvPicPr>
-          <p:cNvPr id="6" name="그림 5">
-            <a:extLst>
-              <a:ext uri="{FF2B5EF4-FFF2-40B4-BE49-F238E27FC236}">
-                <a16:creationId xmlns:a16="http://schemas.microsoft.com/office/drawing/2014/main" id="{EDAE40AF-F04B-DBBC-1310-F21C3ED291C1}"/>
-              </a:ext>
-            </a:extLst>
-          </p:cNvPr>
-          <p:cNvPicPr>
-            <a:picLocks noChangeAspect="1"/>
-          </p:cNvPicPr>
-          <p:nvPr/>
-        </p:nvPicPr>
-        <p:blipFill>
-          <a:blip r:embed="rId2"/>
-          <a:stretch>
-            <a:fillRect/>
-          </a:stretch>
-        </p:blipFill>
-        <p:spPr>
-          <a:xfrm>
-            <a:off x="2478703" y="3299667"/>
-            <a:ext cx="2194561" cy="2023278"/>
-          </a:xfrm>
-          <a:prstGeom prst="rect">
-            <a:avLst/>
-          </a:prstGeom>
-        </p:spPr>
-      </p:pic>
-      <p:sp>
-        <p:nvSpPr>
-          <p:cNvPr id="19" name="직사각형 18">
-            <a:extLst>
-              <a:ext uri="{FF2B5EF4-FFF2-40B4-BE49-F238E27FC236}">
-                <a16:creationId xmlns:a16="http://schemas.microsoft.com/office/drawing/2014/main" id="{F3255A77-2B97-AA27-96B3-B1DCBA9F18AB}"/>
-              </a:ext>
-            </a:extLst>
-          </p:cNvPr>
-          <p:cNvSpPr/>
-          <p:nvPr/>
-        </p:nvSpPr>
-        <p:spPr>
-          <a:xfrm>
-            <a:off x="121921" y="707922"/>
-            <a:ext cx="548639" cy="583199"/>
-          </a:xfrm>
-          <a:prstGeom prst="rect">
-            <a:avLst/>
-          </a:prstGeom>
-          <a:solidFill>
-            <a:schemeClr val="bg1">
-              <a:lumMod val="85000"/>
-            </a:schemeClr>
-          </a:solidFill>
-          <a:ln w="28575">
-            <a:solidFill>
-              <a:schemeClr val="tx1"/>
-            </a:solidFill>
-          </a:ln>
-        </p:spPr>
-        <p:style>
-          <a:lnRef idx="2">
-            <a:schemeClr val="accent1">
-              <a:shade val="50000"/>
-            </a:schemeClr>
-          </a:lnRef>
-          <a:fillRef idx="1">
-            <a:schemeClr val="accent1"/>
-          </a:fillRef>
-          <a:effectRef idx="0">
-            <a:schemeClr val="accent1"/>
-          </a:effectRef>
-          <a:fontRef idx="minor">
-            <a:schemeClr val="lt1"/>
-          </a:fontRef>
-        </p:style>
-        <p:txBody>
-          <a:bodyPr rtlCol="0" anchor="ctr"/>
-          <a:lstStyle/>
-          <a:p>
-            <a:pPr algn="ctr"/>
-            <a:r>
-              <a:rPr lang="en-US" altLang="ko-KR" b="1" dirty="0">
-                <a:solidFill>
-                  <a:schemeClr val="tx1"/>
-                </a:solidFill>
-              </a:rPr>
-              <a:t>1</a:t>
-            </a:r>
-            <a:endParaRPr lang="ko-KR" altLang="en-US" b="1" dirty="0">
-              <a:solidFill>
-                <a:schemeClr val="tx1"/>
-              </a:solidFill>
-            </a:endParaRPr>
-          </a:p>
-        </p:txBody>
-      </p:sp>
-      <p:sp>
-        <p:nvSpPr>
-          <p:cNvPr id="21" name="TextBox 20">
-            <a:extLst>
-              <a:ext uri="{FF2B5EF4-FFF2-40B4-BE49-F238E27FC236}">
-                <a16:creationId xmlns:a16="http://schemas.microsoft.com/office/drawing/2014/main" id="{85F9AE9D-E3E3-0FA8-47C3-95E29E7E6D42}"/>
-              </a:ext>
-            </a:extLst>
-          </p:cNvPr>
-          <p:cNvSpPr txBox="1"/>
-          <p:nvPr/>
-        </p:nvSpPr>
-        <p:spPr>
-          <a:xfrm>
-            <a:off x="870585" y="966452"/>
-            <a:ext cx="2272030" cy="369332"/>
-          </a:xfrm>
-          <a:prstGeom prst="rect">
-            <a:avLst/>
-          </a:prstGeom>
-          <a:noFill/>
-        </p:spPr>
-        <p:txBody>
-          <a:bodyPr wrap="square">
-            <a:spAutoFit/>
-          </a:bodyPr>
-          <a:lstStyle/>
-          <a:p>
-            <a:pPr algn="ctr"/>
-            <a:r>
-              <a:rPr lang="en-US" altLang="ko-KR" b="1" dirty="0">
-                <a:solidFill>
-                  <a:schemeClr val="tx1"/>
-                </a:solidFill>
-              </a:rPr>
-              <a:t>5</a:t>
-            </a:r>
-            <a:endParaRPr lang="ko-KR" altLang="en-US" b="1" dirty="0">
-              <a:solidFill>
-                <a:schemeClr val="tx1"/>
-              </a:solidFill>
-            </a:endParaRPr>
-          </a:p>
-        </p:txBody>
-      </p:sp>
-      <p:sp>
-        <p:nvSpPr>
-          <p:cNvPr id="38" name="직사각형 37">
-            <a:extLst>
-              <a:ext uri="{FF2B5EF4-FFF2-40B4-BE49-F238E27FC236}">
-                <a16:creationId xmlns:a16="http://schemas.microsoft.com/office/drawing/2014/main" id="{25D76207-98E9-C005-8CA6-BE9D0E0DEBED}"/>
-              </a:ext>
-            </a:extLst>
-          </p:cNvPr>
-          <p:cNvSpPr/>
-          <p:nvPr/>
-        </p:nvSpPr>
-        <p:spPr>
-          <a:xfrm>
-            <a:off x="4211320" y="715497"/>
-            <a:ext cx="3769359" cy="4341598"/>
-          </a:xfrm>
-          <a:prstGeom prst="rect">
-            <a:avLst/>
-          </a:prstGeom>
-          <a:solidFill>
-            <a:schemeClr val="bg1">
-              <a:lumMod val="95000"/>
-            </a:schemeClr>
-          </a:solidFill>
-          <a:ln>
-            <a:solidFill>
-              <a:schemeClr val="tx1"/>
-            </a:solidFill>
-          </a:ln>
-        </p:spPr>
-        <p:style>
-          <a:lnRef idx="2">
-            <a:schemeClr val="accent1">
-              <a:shade val="50000"/>
-            </a:schemeClr>
-          </a:lnRef>
-          <a:fillRef idx="1">
-            <a:schemeClr val="accent1"/>
-          </a:fillRef>
-          <a:effectRef idx="0">
-            <a:schemeClr val="accent1"/>
-          </a:effectRef>
-          <a:fontRef idx="minor">
-            <a:schemeClr val="lt1"/>
-          </a:fontRef>
-        </p:style>
-        <p:txBody>
-          <a:bodyPr rtlCol="0" anchor="ctr"/>
-          <a:lstStyle/>
-          <a:p>
-            <a:pPr algn="ctr"/>
-            <a:endParaRPr lang="ko-KR" altLang="en-US"/>
-          </a:p>
-        </p:txBody>
-      </p:sp>
-      <p:grpSp>
-        <p:nvGrpSpPr>
-          <p:cNvPr id="39" name="그룹 38">
-            <a:extLst>
-              <a:ext uri="{FF2B5EF4-FFF2-40B4-BE49-F238E27FC236}">
-                <a16:creationId xmlns:a16="http://schemas.microsoft.com/office/drawing/2014/main" id="{B7CACBCE-A59D-65C1-099A-F4D8DD1A69FD}"/>
-              </a:ext>
-            </a:extLst>
-          </p:cNvPr>
-          <p:cNvGrpSpPr/>
-          <p:nvPr/>
-        </p:nvGrpSpPr>
-        <p:grpSpPr>
-          <a:xfrm>
-            <a:off x="4458637" y="1542630"/>
-            <a:ext cx="3308682" cy="3212449"/>
-            <a:chOff x="348918" y="1262230"/>
-            <a:chExt cx="3611742" cy="3506695"/>
-          </a:xfrm>
-        </p:grpSpPr>
-        <p:sp>
-          <p:nvSpPr>
-            <p:cNvPr id="40" name="사각형: 둥근 모서리 39">
-              <a:extLst>
-                <a:ext uri="{FF2B5EF4-FFF2-40B4-BE49-F238E27FC236}">
-                  <a16:creationId xmlns:a16="http://schemas.microsoft.com/office/drawing/2014/main" id="{657918EE-E161-4024-B6C8-A329FA3D7389}"/>
-                </a:ext>
-              </a:extLst>
-            </p:cNvPr>
-            <p:cNvSpPr/>
-            <p:nvPr/>
-          </p:nvSpPr>
-          <p:spPr>
-            <a:xfrm>
-              <a:off x="348919" y="1262230"/>
-              <a:ext cx="1662761" cy="1663850"/>
-            </a:xfrm>
-            <a:prstGeom prst="roundRect">
-              <a:avLst>
-                <a:gd name="adj" fmla="val 6112"/>
-              </a:avLst>
-            </a:prstGeom>
-            <a:noFill/>
-            <a:ln w="57150">
-              <a:solidFill>
-                <a:srgbClr val="00B050"/>
-              </a:solidFill>
-            </a:ln>
-          </p:spPr>
-          <p:style>
-            <a:lnRef idx="2">
-              <a:schemeClr val="accent1">
-                <a:shade val="50000"/>
-              </a:schemeClr>
-            </a:lnRef>
-            <a:fillRef idx="1">
-              <a:schemeClr val="accent1"/>
-            </a:fillRef>
-            <a:effectRef idx="0">
-              <a:schemeClr val="accent1"/>
-            </a:effectRef>
-            <a:fontRef idx="minor">
-              <a:schemeClr val="lt1"/>
-            </a:fontRef>
-          </p:style>
-          <p:txBody>
-            <a:bodyPr rtlCol="0" anchor="ctr"/>
-            <a:lstStyle/>
-            <a:p>
-              <a:pPr algn="ctr"/>
-              <a:endParaRPr lang="ko-KR" altLang="en-US"/>
-            </a:p>
-          </p:txBody>
-        </p:sp>
-        <p:sp>
-          <p:nvSpPr>
-            <p:cNvPr id="41" name="사각형: 둥근 모서리 40">
-              <a:extLst>
-                <a:ext uri="{FF2B5EF4-FFF2-40B4-BE49-F238E27FC236}">
-                  <a16:creationId xmlns:a16="http://schemas.microsoft.com/office/drawing/2014/main" id="{157DFF9A-74A8-A20C-7CBC-46D4EDEAA618}"/>
-                </a:ext>
-              </a:extLst>
-            </p:cNvPr>
-            <p:cNvSpPr/>
-            <p:nvPr/>
-          </p:nvSpPr>
-          <p:spPr>
-            <a:xfrm>
-              <a:off x="2297899" y="1262230"/>
-              <a:ext cx="1662761" cy="1663850"/>
-            </a:xfrm>
-            <a:prstGeom prst="roundRect">
-              <a:avLst>
-                <a:gd name="adj" fmla="val 6112"/>
-              </a:avLst>
-            </a:prstGeom>
-            <a:noFill/>
-            <a:ln w="57150">
-              <a:solidFill>
-                <a:srgbClr val="00B050"/>
-              </a:solidFill>
-            </a:ln>
-          </p:spPr>
-          <p:style>
-            <a:lnRef idx="2">
-              <a:schemeClr val="accent1">
-                <a:shade val="50000"/>
-              </a:schemeClr>
-            </a:lnRef>
-            <a:fillRef idx="1">
-              <a:schemeClr val="accent1"/>
-            </a:fillRef>
-            <a:effectRef idx="0">
-              <a:schemeClr val="accent1"/>
-            </a:effectRef>
-            <a:fontRef idx="minor">
-              <a:schemeClr val="lt1"/>
-            </a:fontRef>
-          </p:style>
-          <p:txBody>
-            <a:bodyPr rtlCol="0" anchor="ctr"/>
-            <a:lstStyle/>
-            <a:p>
-              <a:pPr algn="ctr"/>
-              <a:endParaRPr lang="ko-KR" altLang="en-US"/>
-            </a:p>
-          </p:txBody>
-        </p:sp>
-        <p:sp>
-          <p:nvSpPr>
-            <p:cNvPr id="42" name="사각형: 둥근 모서리 41">
-              <a:extLst>
-                <a:ext uri="{FF2B5EF4-FFF2-40B4-BE49-F238E27FC236}">
-                  <a16:creationId xmlns:a16="http://schemas.microsoft.com/office/drawing/2014/main" id="{4069588A-D157-B1DA-7E66-C4CEA29AF1A7}"/>
-                </a:ext>
-              </a:extLst>
-            </p:cNvPr>
-            <p:cNvSpPr/>
-            <p:nvPr/>
-          </p:nvSpPr>
-          <p:spPr>
-            <a:xfrm>
-              <a:off x="348918" y="3105075"/>
-              <a:ext cx="1662761" cy="1663850"/>
-            </a:xfrm>
-            <a:prstGeom prst="roundRect">
-              <a:avLst>
-                <a:gd name="adj" fmla="val 6112"/>
-              </a:avLst>
-            </a:prstGeom>
-            <a:noFill/>
-            <a:ln w="57150">
-              <a:solidFill>
-                <a:srgbClr val="00B050"/>
-              </a:solidFill>
-            </a:ln>
-          </p:spPr>
-          <p:style>
-            <a:lnRef idx="2">
-              <a:schemeClr val="accent1">
-                <a:shade val="50000"/>
-              </a:schemeClr>
-            </a:lnRef>
-            <a:fillRef idx="1">
-              <a:schemeClr val="accent1"/>
-            </a:fillRef>
-            <a:effectRef idx="0">
-              <a:schemeClr val="accent1"/>
-            </a:effectRef>
-            <a:fontRef idx="minor">
-              <a:schemeClr val="lt1"/>
-            </a:fontRef>
-          </p:style>
-          <p:txBody>
-            <a:bodyPr rtlCol="0" anchor="ctr"/>
-            <a:lstStyle/>
-            <a:p>
-              <a:pPr algn="ctr"/>
-              <a:endParaRPr lang="ko-KR" altLang="en-US"/>
-            </a:p>
-          </p:txBody>
-        </p:sp>
-        <p:sp>
-          <p:nvSpPr>
-            <p:cNvPr id="43" name="사각형: 둥근 모서리 42">
-              <a:extLst>
-                <a:ext uri="{FF2B5EF4-FFF2-40B4-BE49-F238E27FC236}">
-                  <a16:creationId xmlns:a16="http://schemas.microsoft.com/office/drawing/2014/main" id="{BB4C7A0D-1FF1-EC93-C224-B16B52A36481}"/>
-                </a:ext>
-              </a:extLst>
-            </p:cNvPr>
-            <p:cNvSpPr/>
-            <p:nvPr/>
-          </p:nvSpPr>
-          <p:spPr>
-            <a:xfrm>
-              <a:off x="2297898" y="3105075"/>
-              <a:ext cx="1662761" cy="1663850"/>
-            </a:xfrm>
-            <a:prstGeom prst="roundRect">
-              <a:avLst>
-                <a:gd name="adj" fmla="val 6112"/>
-              </a:avLst>
-            </a:prstGeom>
-            <a:noFill/>
-            <a:ln w="57150">
-              <a:solidFill>
-                <a:srgbClr val="00B050"/>
-              </a:solidFill>
-            </a:ln>
-          </p:spPr>
-          <p:style>
-            <a:lnRef idx="2">
-              <a:schemeClr val="accent1">
-                <a:shade val="50000"/>
-              </a:schemeClr>
-            </a:lnRef>
-            <a:fillRef idx="1">
-              <a:schemeClr val="accent1"/>
-            </a:fillRef>
-            <a:effectRef idx="0">
-              <a:schemeClr val="accent1"/>
-            </a:effectRef>
-            <a:fontRef idx="minor">
-              <a:schemeClr val="lt1"/>
-            </a:fontRef>
-          </p:style>
-          <p:txBody>
-            <a:bodyPr rtlCol="0" anchor="ctr"/>
-            <a:lstStyle/>
-            <a:p>
-              <a:pPr algn="ctr"/>
-              <a:endParaRPr lang="ko-KR" altLang="en-US"/>
-            </a:p>
-          </p:txBody>
-        </p:sp>
-      </p:grpSp>
-      <p:sp>
-        <p:nvSpPr>
-          <p:cNvPr id="44" name="직사각형 43">
-            <a:extLst>
-              <a:ext uri="{FF2B5EF4-FFF2-40B4-BE49-F238E27FC236}">
-                <a16:creationId xmlns:a16="http://schemas.microsoft.com/office/drawing/2014/main" id="{8DAD0A94-0CEE-B51E-A81F-7A59C8939070}"/>
-              </a:ext>
-            </a:extLst>
-          </p:cNvPr>
-          <p:cNvSpPr/>
-          <p:nvPr/>
-        </p:nvSpPr>
-        <p:spPr>
-          <a:xfrm>
-            <a:off x="4211320" y="715497"/>
-            <a:ext cx="548639" cy="583199"/>
-          </a:xfrm>
-          <a:prstGeom prst="rect">
-            <a:avLst/>
-          </a:prstGeom>
-          <a:solidFill>
-            <a:schemeClr val="bg1">
-              <a:lumMod val="85000"/>
-            </a:schemeClr>
-          </a:solidFill>
-          <a:ln w="28575">
-            <a:solidFill>
-              <a:schemeClr val="tx1"/>
-            </a:solidFill>
-          </a:ln>
-        </p:spPr>
-        <p:style>
-          <a:lnRef idx="2">
-            <a:schemeClr val="accent1">
-              <a:shade val="50000"/>
-            </a:schemeClr>
-          </a:lnRef>
-          <a:fillRef idx="1">
-            <a:schemeClr val="accent1"/>
-          </a:fillRef>
-          <a:effectRef idx="0">
-            <a:schemeClr val="accent1"/>
-          </a:effectRef>
-          <a:fontRef idx="minor">
-            <a:schemeClr val="lt1"/>
-          </a:fontRef>
-        </p:style>
-        <p:txBody>
-          <a:bodyPr rtlCol="0" anchor="ctr"/>
-          <a:lstStyle/>
-          <a:p>
-            <a:pPr algn="ctr"/>
-            <a:r>
-              <a:rPr lang="en-US" altLang="ko-KR" b="1" dirty="0">
-                <a:solidFill>
-                  <a:schemeClr val="tx1"/>
-                </a:solidFill>
-              </a:rPr>
-              <a:t>2</a:t>
-            </a:r>
-            <a:endParaRPr lang="ko-KR" altLang="en-US" b="1" dirty="0">
-              <a:solidFill>
-                <a:schemeClr val="tx1"/>
-              </a:solidFill>
-            </a:endParaRPr>
-          </a:p>
-        </p:txBody>
-      </p:sp>
-      <p:sp>
-        <p:nvSpPr>
-          <p:cNvPr id="45" name="TextBox 44">
-            <a:extLst>
-              <a:ext uri="{FF2B5EF4-FFF2-40B4-BE49-F238E27FC236}">
-                <a16:creationId xmlns:a16="http://schemas.microsoft.com/office/drawing/2014/main" id="{DDA43144-875C-276C-B53F-73F3BFB1C188}"/>
-              </a:ext>
-            </a:extLst>
-          </p:cNvPr>
-          <p:cNvSpPr txBox="1"/>
-          <p:nvPr/>
-        </p:nvSpPr>
-        <p:spPr>
-          <a:xfrm>
-            <a:off x="4959984" y="974027"/>
-            <a:ext cx="2272030" cy="369332"/>
-          </a:xfrm>
-          <a:prstGeom prst="rect">
-            <a:avLst/>
-          </a:prstGeom>
-          <a:noFill/>
-        </p:spPr>
-        <p:txBody>
-          <a:bodyPr wrap="square">
-            <a:spAutoFit/>
-          </a:bodyPr>
-          <a:lstStyle/>
-          <a:p>
-            <a:pPr algn="ctr"/>
-            <a:r>
-              <a:rPr lang="en-US" altLang="ko-KR" b="1" dirty="0">
-                <a:solidFill>
-                  <a:schemeClr val="tx1"/>
-                </a:solidFill>
-              </a:rPr>
-              <a:t>4</a:t>
-            </a:r>
-            <a:endParaRPr lang="ko-KR" altLang="en-US" b="1" dirty="0">
-              <a:solidFill>
-                <a:schemeClr val="tx1"/>
-              </a:solidFill>
-            </a:endParaRPr>
-          </a:p>
-        </p:txBody>
-      </p:sp>
-      <p:sp>
-        <p:nvSpPr>
-          <p:cNvPr id="46" name="직사각형 45">
-            <a:extLst>
-              <a:ext uri="{FF2B5EF4-FFF2-40B4-BE49-F238E27FC236}">
-                <a16:creationId xmlns:a16="http://schemas.microsoft.com/office/drawing/2014/main" id="{42464A6B-9F9A-CDD1-081D-DFF06C2835A5}"/>
-              </a:ext>
-            </a:extLst>
-          </p:cNvPr>
-          <p:cNvSpPr/>
-          <p:nvPr/>
-        </p:nvSpPr>
-        <p:spPr>
-          <a:xfrm>
-            <a:off x="8300719" y="723072"/>
-            <a:ext cx="3769359" cy="4341598"/>
-          </a:xfrm>
-          <a:prstGeom prst="rect">
-            <a:avLst/>
-          </a:prstGeom>
-          <a:solidFill>
-            <a:schemeClr val="bg1">
-              <a:lumMod val="95000"/>
-            </a:schemeClr>
-          </a:solidFill>
-          <a:ln>
-            <a:solidFill>
-              <a:schemeClr val="tx1"/>
-            </a:solidFill>
-          </a:ln>
-        </p:spPr>
-        <p:style>
-          <a:lnRef idx="2">
-            <a:schemeClr val="accent1">
-              <a:shade val="50000"/>
-            </a:schemeClr>
-          </a:lnRef>
-          <a:fillRef idx="1">
-            <a:schemeClr val="accent1"/>
-          </a:fillRef>
-          <a:effectRef idx="0">
-            <a:schemeClr val="accent1"/>
-          </a:effectRef>
-          <a:fontRef idx="minor">
-            <a:schemeClr val="lt1"/>
-          </a:fontRef>
-        </p:style>
-        <p:txBody>
-          <a:bodyPr rtlCol="0" anchor="ctr"/>
-          <a:lstStyle/>
-          <a:p>
-            <a:pPr algn="ctr"/>
-            <a:endParaRPr lang="ko-KR" altLang="en-US"/>
-          </a:p>
-        </p:txBody>
-      </p:sp>
-      <p:grpSp>
-        <p:nvGrpSpPr>
-          <p:cNvPr id="47" name="그룹 46">
-            <a:extLst>
-              <a:ext uri="{FF2B5EF4-FFF2-40B4-BE49-F238E27FC236}">
-                <a16:creationId xmlns:a16="http://schemas.microsoft.com/office/drawing/2014/main" id="{250CE2C8-9F6B-5B99-C188-3CF70F94B693}"/>
-              </a:ext>
-            </a:extLst>
-          </p:cNvPr>
-          <p:cNvGrpSpPr/>
-          <p:nvPr/>
-        </p:nvGrpSpPr>
-        <p:grpSpPr>
-          <a:xfrm>
-            <a:off x="8548036" y="1550205"/>
-            <a:ext cx="3308682" cy="3212449"/>
-            <a:chOff x="348918" y="1262230"/>
-            <a:chExt cx="3611742" cy="3506695"/>
-          </a:xfrm>
-        </p:grpSpPr>
-        <p:sp>
-          <p:nvSpPr>
             <p:cNvPr id="48" name="사각형: 둥근 모서리 47">
               <a:extLst>
                 <a:ext uri="{FF2B5EF4-FFF2-40B4-BE49-F238E27FC236}">
@@ -9634,8 +9417,8 @@
           </p:nvSpPr>
           <p:spPr>
             <a:xfrm>
-              <a:off x="348919" y="1262230"/>
-              <a:ext cx="1662761" cy="1663850"/>
+              <a:off x="8548037" y="1550205"/>
+              <a:ext cx="1523239" cy="1524237"/>
             </a:xfrm>
             <a:prstGeom prst="roundRect">
               <a:avLst>
@@ -9645,7 +9428,9 @@
             <a:noFill/>
             <a:ln w="57150">
               <a:solidFill>
-                <a:srgbClr val="00B050"/>
+                <a:schemeClr val="accent6">
+                  <a:lumMod val="75000"/>
+                </a:schemeClr>
               </a:solidFill>
             </a:ln>
           </p:spPr>
@@ -9688,8 +9473,8 @@
           </p:nvSpPr>
           <p:spPr>
             <a:xfrm>
-              <a:off x="2297899" y="1262230"/>
-              <a:ext cx="1662761" cy="1663850"/>
+              <a:off x="10333479" y="1550205"/>
+              <a:ext cx="1523239" cy="1524237"/>
             </a:xfrm>
             <a:prstGeom prst="roundRect">
               <a:avLst>
@@ -9699,7 +9484,9 @@
             <a:noFill/>
             <a:ln w="57150">
               <a:solidFill>
-                <a:srgbClr val="00B050"/>
+                <a:schemeClr val="accent6">
+                  <a:lumMod val="75000"/>
+                </a:schemeClr>
               </a:solidFill>
             </a:ln>
           </p:spPr>
@@ -9742,8 +9529,8 @@
           </p:nvSpPr>
           <p:spPr>
             <a:xfrm>
-              <a:off x="348918" y="3105075"/>
-              <a:ext cx="1662761" cy="1663850"/>
+              <a:off x="8548036" y="3238417"/>
+              <a:ext cx="1523239" cy="1524237"/>
             </a:xfrm>
             <a:prstGeom prst="roundRect">
               <a:avLst>
@@ -9753,7 +9540,9 @@
             <a:noFill/>
             <a:ln w="57150">
               <a:solidFill>
-                <a:srgbClr val="00B050"/>
+                <a:schemeClr val="accent6">
+                  <a:lumMod val="75000"/>
+                </a:schemeClr>
               </a:solidFill>
             </a:ln>
           </p:spPr>
@@ -9796,8 +9585,8 @@
           </p:nvSpPr>
           <p:spPr>
             <a:xfrm>
-              <a:off x="2297898" y="3105075"/>
-              <a:ext cx="1662761" cy="1663850"/>
+              <a:off x="10333478" y="3238417"/>
+              <a:ext cx="1523239" cy="1524237"/>
             </a:xfrm>
             <a:prstGeom prst="roundRect">
               <a:avLst>
@@ -9807,7 +9596,452 @@
             <a:noFill/>
             <a:ln w="57150">
               <a:solidFill>
-                <a:srgbClr val="00B050"/>
+                <a:schemeClr val="accent6">
+                  <a:lumMod val="75000"/>
+                </a:schemeClr>
+              </a:solidFill>
+            </a:ln>
+          </p:spPr>
+          <p:style>
+            <a:lnRef idx="2">
+              <a:schemeClr val="accent1">
+                <a:shade val="50000"/>
+              </a:schemeClr>
+            </a:lnRef>
+            <a:fillRef idx="1">
+              <a:schemeClr val="accent1"/>
+            </a:fillRef>
+            <a:effectRef idx="0">
+              <a:schemeClr val="accent1"/>
+            </a:effectRef>
+            <a:fontRef idx="minor">
+              <a:schemeClr val="lt1"/>
+            </a:fontRef>
+          </p:style>
+          <p:txBody>
+            <a:bodyPr rtlCol="0" anchor="ctr"/>
+            <a:lstStyle/>
+            <a:p>
+              <a:pPr algn="ctr"/>
+              <a:endParaRPr lang="ko-KR" altLang="en-US"/>
+            </a:p>
+          </p:txBody>
+        </p:sp>
+        <p:sp>
+          <p:nvSpPr>
+            <p:cNvPr id="52" name="직사각형 51">
+              <a:extLst>
+                <a:ext uri="{FF2B5EF4-FFF2-40B4-BE49-F238E27FC236}">
+                  <a16:creationId xmlns:a16="http://schemas.microsoft.com/office/drawing/2014/main" id="{F88242C2-A460-CBCD-C4E6-E5122B5A7C63}"/>
+                </a:ext>
+              </a:extLst>
+            </p:cNvPr>
+            <p:cNvSpPr/>
+            <p:nvPr/>
+          </p:nvSpPr>
+          <p:spPr>
+            <a:xfrm>
+              <a:off x="8300719" y="723072"/>
+              <a:ext cx="548639" cy="583199"/>
+            </a:xfrm>
+            <a:prstGeom prst="rect">
+              <a:avLst/>
+            </a:prstGeom>
+            <a:solidFill>
+              <a:srgbClr val="47CFFF"/>
+            </a:solidFill>
+            <a:ln w="28575">
+              <a:solidFill>
+                <a:schemeClr val="tx1"/>
+              </a:solidFill>
+            </a:ln>
+          </p:spPr>
+          <p:style>
+            <a:lnRef idx="2">
+              <a:schemeClr val="accent1">
+                <a:shade val="50000"/>
+              </a:schemeClr>
+            </a:lnRef>
+            <a:fillRef idx="1">
+              <a:schemeClr val="accent1"/>
+            </a:fillRef>
+            <a:effectRef idx="0">
+              <a:schemeClr val="accent1"/>
+            </a:effectRef>
+            <a:fontRef idx="minor">
+              <a:schemeClr val="lt1"/>
+            </a:fontRef>
+          </p:style>
+          <p:txBody>
+            <a:bodyPr rtlCol="0" anchor="ctr"/>
+            <a:lstStyle/>
+            <a:p>
+              <a:pPr algn="ctr"/>
+              <a:r>
+                <a:rPr lang="en-US" altLang="ko-KR" b="1" dirty="0">
+                  <a:solidFill>
+                    <a:schemeClr val="tx1"/>
+                  </a:solidFill>
+                </a:rPr>
+                <a:t>3</a:t>
+              </a:r>
+              <a:endParaRPr lang="ko-KR" altLang="en-US" b="1" dirty="0">
+                <a:solidFill>
+                  <a:schemeClr val="tx1"/>
+                </a:solidFill>
+              </a:endParaRPr>
+            </a:p>
+          </p:txBody>
+        </p:sp>
+        <p:sp>
+          <p:nvSpPr>
+            <p:cNvPr id="53" name="TextBox 52">
+              <a:extLst>
+                <a:ext uri="{FF2B5EF4-FFF2-40B4-BE49-F238E27FC236}">
+                  <a16:creationId xmlns:a16="http://schemas.microsoft.com/office/drawing/2014/main" id="{969BDE93-1623-FEFA-AE55-1D8F40D86EE1}"/>
+                </a:ext>
+              </a:extLst>
+            </p:cNvPr>
+            <p:cNvSpPr txBox="1"/>
+            <p:nvPr/>
+          </p:nvSpPr>
+          <p:spPr>
+            <a:xfrm>
+              <a:off x="9049383" y="981602"/>
+              <a:ext cx="2272030" cy="369332"/>
+            </a:xfrm>
+            <a:prstGeom prst="rect">
+              <a:avLst/>
+            </a:prstGeom>
+            <a:noFill/>
+          </p:spPr>
+          <p:txBody>
+            <a:bodyPr wrap="square">
+              <a:spAutoFit/>
+            </a:bodyPr>
+            <a:lstStyle/>
+            <a:p>
+              <a:pPr algn="ctr"/>
+              <a:r>
+                <a:rPr lang="en-US" altLang="ko-KR" b="1" dirty="0">
+                  <a:solidFill>
+                    <a:schemeClr val="tx1"/>
+                  </a:solidFill>
+                </a:rPr>
+                <a:t>4</a:t>
+              </a:r>
+              <a:endParaRPr lang="ko-KR" altLang="en-US" b="1" dirty="0">
+                <a:solidFill>
+                  <a:schemeClr val="tx1"/>
+                </a:solidFill>
+              </a:endParaRPr>
+            </a:p>
+          </p:txBody>
+        </p:sp>
+        <p:sp>
+          <p:nvSpPr>
+            <p:cNvPr id="56" name="직사각형 55">
+              <a:extLst>
+                <a:ext uri="{FF2B5EF4-FFF2-40B4-BE49-F238E27FC236}">
+                  <a16:creationId xmlns:a16="http://schemas.microsoft.com/office/drawing/2014/main" id="{CFD1A69F-E0D6-A661-34F7-DE35D27A3D19}"/>
+                </a:ext>
+              </a:extLst>
+            </p:cNvPr>
+            <p:cNvSpPr/>
+            <p:nvPr/>
+          </p:nvSpPr>
+          <p:spPr>
+            <a:xfrm>
+              <a:off x="8300719" y="5138923"/>
+              <a:ext cx="3769359" cy="1670940"/>
+            </a:xfrm>
+            <a:prstGeom prst="rect">
+              <a:avLst/>
+            </a:prstGeom>
+            <a:solidFill>
+              <a:schemeClr val="bg1">
+                <a:lumMod val="95000"/>
+              </a:schemeClr>
+            </a:solidFill>
+            <a:ln>
+              <a:solidFill>
+                <a:schemeClr val="tx1"/>
+              </a:solidFill>
+            </a:ln>
+          </p:spPr>
+          <p:style>
+            <a:lnRef idx="2">
+              <a:schemeClr val="accent1">
+                <a:shade val="50000"/>
+              </a:schemeClr>
+            </a:lnRef>
+            <a:fillRef idx="1">
+              <a:schemeClr val="accent1"/>
+            </a:fillRef>
+            <a:effectRef idx="0">
+              <a:schemeClr val="accent1"/>
+            </a:effectRef>
+            <a:fontRef idx="minor">
+              <a:schemeClr val="lt1"/>
+            </a:fontRef>
+          </p:style>
+          <p:txBody>
+            <a:bodyPr rtlCol="0" anchor="ctr"/>
+            <a:lstStyle/>
+            <a:p>
+              <a:pPr algn="ctr"/>
+              <a:r>
+                <a:rPr lang="ko-KR" altLang="en-US" dirty="0">
+                  <a:solidFill>
+                    <a:schemeClr val="tx1"/>
+                  </a:solidFill>
+                  <a:latin typeface="에스코어 드림 4 Regular" panose="020B0503030302020204" pitchFamily="34" charset="-127"/>
+                  <a:ea typeface="에스코어 드림 4 Regular" panose="020B0503030302020204" pitchFamily="34" charset="-127"/>
+                </a:rPr>
+                <a:t>타 맵에도 같은 모양으로 그려지는 중력장을 통해 모든 공을 목적지로 이동시키면 승리합니다</a:t>
+              </a:r>
+              <a:r>
+                <a:rPr lang="en-US" altLang="ko-KR" dirty="0">
+                  <a:solidFill>
+                    <a:schemeClr val="tx1"/>
+                  </a:solidFill>
+                  <a:latin typeface="에스코어 드림 4 Regular" panose="020B0503030302020204" pitchFamily="34" charset="-127"/>
+                  <a:ea typeface="에스코어 드림 4 Regular" panose="020B0503030302020204" pitchFamily="34" charset="-127"/>
+                </a:rPr>
+                <a:t>.</a:t>
+              </a:r>
+              <a:endParaRPr lang="ko-KR" altLang="en-US" dirty="0">
+                <a:solidFill>
+                  <a:schemeClr val="tx1"/>
+                </a:solidFill>
+                <a:latin typeface="에스코어 드림 4 Regular" panose="020B0503030302020204" pitchFamily="34" charset="-127"/>
+                <a:ea typeface="에스코어 드림 4 Regular" panose="020B0503030302020204" pitchFamily="34" charset="-127"/>
+              </a:endParaRPr>
+            </a:p>
+          </p:txBody>
+        </p:sp>
+        <p:pic>
+          <p:nvPicPr>
+            <p:cNvPr id="57" name="그림 56">
+              <a:extLst>
+                <a:ext uri="{FF2B5EF4-FFF2-40B4-BE49-F238E27FC236}">
+                  <a16:creationId xmlns:a16="http://schemas.microsoft.com/office/drawing/2014/main" id="{6AF7B923-6F8E-0358-790E-92AF9018587C}"/>
+                </a:ext>
+              </a:extLst>
+            </p:cNvPr>
+            <p:cNvPicPr>
+              <a:picLocks noChangeAspect="1"/>
+            </p:cNvPicPr>
+            <p:nvPr/>
+          </p:nvPicPr>
+          <p:blipFill>
+            <a:blip r:embed="rId3"/>
+            <a:stretch>
+              <a:fillRect/>
+            </a:stretch>
+          </p:blipFill>
+          <p:spPr>
+            <a:xfrm rot="2773037">
+              <a:off x="8442333" y="2096197"/>
+              <a:ext cx="1699202" cy="432253"/>
+            </a:xfrm>
+            <a:prstGeom prst="rect">
+              <a:avLst/>
+            </a:prstGeom>
+          </p:spPr>
+        </p:pic>
+        <p:pic>
+          <p:nvPicPr>
+            <p:cNvPr id="58" name="그림 57">
+              <a:extLst>
+                <a:ext uri="{FF2B5EF4-FFF2-40B4-BE49-F238E27FC236}">
+                  <a16:creationId xmlns:a16="http://schemas.microsoft.com/office/drawing/2014/main" id="{DD7E3A27-FDEC-6DDA-26F0-3DE9233E27C5}"/>
+                </a:ext>
+              </a:extLst>
+            </p:cNvPr>
+            <p:cNvPicPr>
+              <a:picLocks noChangeAspect="1"/>
+            </p:cNvPicPr>
+            <p:nvPr/>
+          </p:nvPicPr>
+          <p:blipFill>
+            <a:blip r:embed="rId3"/>
+            <a:stretch>
+              <a:fillRect/>
+            </a:stretch>
+          </p:blipFill>
+          <p:spPr>
+            <a:xfrm rot="2773037">
+              <a:off x="10227774" y="2087812"/>
+              <a:ext cx="1699202" cy="432253"/>
+            </a:xfrm>
+            <a:prstGeom prst="rect">
+              <a:avLst/>
+            </a:prstGeom>
+          </p:spPr>
+        </p:pic>
+        <p:pic>
+          <p:nvPicPr>
+            <p:cNvPr id="59" name="그림 58">
+              <a:extLst>
+                <a:ext uri="{FF2B5EF4-FFF2-40B4-BE49-F238E27FC236}">
+                  <a16:creationId xmlns:a16="http://schemas.microsoft.com/office/drawing/2014/main" id="{17EFAC55-F80C-5D81-2B4D-0C01A367BD11}"/>
+                </a:ext>
+              </a:extLst>
+            </p:cNvPr>
+            <p:cNvPicPr>
+              <a:picLocks noChangeAspect="1"/>
+            </p:cNvPicPr>
+            <p:nvPr/>
+          </p:nvPicPr>
+          <p:blipFill>
+            <a:blip r:embed="rId3"/>
+            <a:stretch>
+              <a:fillRect/>
+            </a:stretch>
+          </p:blipFill>
+          <p:spPr>
+            <a:xfrm rot="2773037">
+              <a:off x="8460054" y="3820726"/>
+              <a:ext cx="1699202" cy="432253"/>
+            </a:xfrm>
+            <a:prstGeom prst="rect">
+              <a:avLst/>
+            </a:prstGeom>
+          </p:spPr>
+        </p:pic>
+        <p:pic>
+          <p:nvPicPr>
+            <p:cNvPr id="60" name="그림 59">
+              <a:extLst>
+                <a:ext uri="{FF2B5EF4-FFF2-40B4-BE49-F238E27FC236}">
+                  <a16:creationId xmlns:a16="http://schemas.microsoft.com/office/drawing/2014/main" id="{803467F9-E3F7-E60B-62DE-BE4227DB264C}"/>
+                </a:ext>
+              </a:extLst>
+            </p:cNvPr>
+            <p:cNvPicPr>
+              <a:picLocks noChangeAspect="1"/>
+            </p:cNvPicPr>
+            <p:nvPr/>
+          </p:nvPicPr>
+          <p:blipFill>
+            <a:blip r:embed="rId3"/>
+            <a:stretch>
+              <a:fillRect/>
+            </a:stretch>
+          </p:blipFill>
+          <p:spPr>
+            <a:xfrm rot="2773037">
+              <a:off x="10263220" y="3803746"/>
+              <a:ext cx="1699202" cy="432253"/>
+            </a:xfrm>
+            <a:prstGeom prst="rect">
+              <a:avLst/>
+            </a:prstGeom>
+          </p:spPr>
+        </p:pic>
+        <p:sp>
+          <p:nvSpPr>
+            <p:cNvPr id="61" name="사각형: 둥근 모서리 60">
+              <a:extLst>
+                <a:ext uri="{FF2B5EF4-FFF2-40B4-BE49-F238E27FC236}">
+                  <a16:creationId xmlns:a16="http://schemas.microsoft.com/office/drawing/2014/main" id="{63D91A4E-5311-30C4-D3C9-D1304284FAEB}"/>
+                </a:ext>
+              </a:extLst>
+            </p:cNvPr>
+            <p:cNvSpPr/>
+            <p:nvPr/>
+          </p:nvSpPr>
+          <p:spPr>
+            <a:xfrm>
+              <a:off x="11493243" y="4396373"/>
+              <a:ext cx="328030" cy="328030"/>
+            </a:xfrm>
+            <a:prstGeom prst="roundRect">
+              <a:avLst>
+                <a:gd name="adj" fmla="val 28921"/>
+              </a:avLst>
+            </a:prstGeom>
+            <a:solidFill>
+              <a:srgbClr val="00B0F0"/>
+            </a:solidFill>
+            <a:ln w="28575">
+              <a:solidFill>
+                <a:schemeClr val="tx1"/>
+              </a:solidFill>
+            </a:ln>
+          </p:spPr>
+          <p:style>
+            <a:lnRef idx="2">
+              <a:schemeClr val="accent1">
+                <a:shade val="50000"/>
+              </a:schemeClr>
+            </a:lnRef>
+            <a:fillRef idx="1">
+              <a:schemeClr val="accent1"/>
+            </a:fillRef>
+            <a:effectRef idx="0">
+              <a:schemeClr val="accent1"/>
+            </a:effectRef>
+            <a:fontRef idx="minor">
+              <a:schemeClr val="lt1"/>
+            </a:fontRef>
+          </p:style>
+          <p:txBody>
+            <a:bodyPr rtlCol="0" anchor="ctr"/>
+            <a:lstStyle/>
+            <a:p>
+              <a:pPr algn="ctr"/>
+              <a:endParaRPr lang="ko-KR" altLang="en-US"/>
+            </a:p>
+          </p:txBody>
+        </p:sp>
+        <p:sp>
+          <p:nvSpPr>
+            <p:cNvPr id="62" name="타원 61">
+              <a:extLst>
+                <a:ext uri="{FF2B5EF4-FFF2-40B4-BE49-F238E27FC236}">
+                  <a16:creationId xmlns:a16="http://schemas.microsoft.com/office/drawing/2014/main" id="{D1D483D9-6FA2-2DF4-B8A8-66E77741D777}"/>
+                </a:ext>
+              </a:extLst>
+            </p:cNvPr>
+            <p:cNvSpPr/>
+            <p:nvPr/>
+          </p:nvSpPr>
+          <p:spPr>
+            <a:xfrm>
+              <a:off x="10388782" y="3299667"/>
+              <a:ext cx="409229" cy="409229"/>
+            </a:xfrm>
+            <a:prstGeom prst="ellipse">
+              <a:avLst/>
+            </a:prstGeom>
+            <a:gradFill flip="none" rotWithShape="1">
+              <a:gsLst>
+                <a:gs pos="89000">
+                  <a:srgbClr val="00B0F0"/>
+                </a:gs>
+                <a:gs pos="0">
+                  <a:schemeClr val="accent1">
+                    <a:tint val="44500"/>
+                    <a:satMod val="160000"/>
+                  </a:schemeClr>
+                </a:gs>
+                <a:gs pos="100000">
+                  <a:schemeClr val="accent1">
+                    <a:tint val="23500"/>
+                    <a:satMod val="160000"/>
+                  </a:schemeClr>
+                </a:gs>
+              </a:gsLst>
+              <a:path path="circle">
+                <a:fillToRect l="50000" t="50000" r="50000" b="50000"/>
+              </a:path>
+              <a:tileRect/>
+            </a:gradFill>
+            <a:ln w="28575">
+              <a:solidFill>
+                <a:schemeClr val="tx1"/>
               </a:solidFill>
             </a:ln>
           </p:spPr>
@@ -9837,839 +10071,705 @@
           </p:txBody>
         </p:sp>
       </p:grpSp>
-      <p:sp>
-        <p:nvSpPr>
-          <p:cNvPr id="52" name="직사각형 51">
+      <p:grpSp>
+        <p:nvGrpSpPr>
+          <p:cNvPr id="3" name="그룹 2">
             <a:extLst>
               <a:ext uri="{FF2B5EF4-FFF2-40B4-BE49-F238E27FC236}">
-                <a16:creationId xmlns:a16="http://schemas.microsoft.com/office/drawing/2014/main" id="{F88242C2-A460-CBCD-C4E6-E5122B5A7C63}"/>
+                <a16:creationId xmlns:a16="http://schemas.microsoft.com/office/drawing/2014/main" id="{24BDACAB-DCCF-4B64-8656-0B9ABD612F1C}"/>
               </a:ext>
             </a:extLst>
           </p:cNvPr>
-          <p:cNvSpPr/>
+          <p:cNvGrpSpPr/>
           <p:nvPr/>
-        </p:nvSpPr>
-        <p:spPr>
+        </p:nvGrpSpPr>
+        <p:grpSpPr>
           <a:xfrm>
-            <a:off x="8300719" y="723072"/>
-            <a:ext cx="548639" cy="583199"/>
+            <a:off x="4211320" y="715497"/>
+            <a:ext cx="3862322" cy="6088938"/>
+            <a:chOff x="4211320" y="715497"/>
+            <a:chExt cx="3862322" cy="6088938"/>
           </a:xfrm>
-          <a:prstGeom prst="rect">
-            <a:avLst/>
-          </a:prstGeom>
-          <a:solidFill>
-            <a:schemeClr val="bg1">
-              <a:lumMod val="85000"/>
-            </a:schemeClr>
-          </a:solidFill>
-          <a:ln w="28575">
+        </p:grpSpPr>
+        <p:sp>
+          <p:nvSpPr>
+            <p:cNvPr id="38" name="직사각형 37">
+              <a:extLst>
+                <a:ext uri="{FF2B5EF4-FFF2-40B4-BE49-F238E27FC236}">
+                  <a16:creationId xmlns:a16="http://schemas.microsoft.com/office/drawing/2014/main" id="{25D76207-98E9-C005-8CA6-BE9D0E0DEBED}"/>
+                </a:ext>
+              </a:extLst>
+            </p:cNvPr>
+            <p:cNvSpPr/>
+            <p:nvPr/>
+          </p:nvSpPr>
+          <p:spPr>
+            <a:xfrm>
+              <a:off x="4211320" y="715497"/>
+              <a:ext cx="3769359" cy="4341598"/>
+            </a:xfrm>
+            <a:prstGeom prst="rect">
+              <a:avLst/>
+            </a:prstGeom>
             <a:solidFill>
-              <a:schemeClr val="tx1"/>
+              <a:schemeClr val="bg1">
+                <a:lumMod val="95000"/>
+              </a:schemeClr>
             </a:solidFill>
-          </a:ln>
-        </p:spPr>
-        <p:style>
-          <a:lnRef idx="2">
-            <a:schemeClr val="accent1">
-              <a:shade val="50000"/>
-            </a:schemeClr>
-          </a:lnRef>
-          <a:fillRef idx="1">
-            <a:schemeClr val="accent1"/>
-          </a:fillRef>
-          <a:effectRef idx="0">
-            <a:schemeClr val="accent1"/>
-          </a:effectRef>
-          <a:fontRef idx="minor">
-            <a:schemeClr val="lt1"/>
-          </a:fontRef>
-        </p:style>
-        <p:txBody>
-          <a:bodyPr rtlCol="0" anchor="ctr"/>
-          <a:lstStyle/>
-          <a:p>
-            <a:pPr algn="ctr"/>
-            <a:r>
-              <a:rPr lang="en-US" altLang="ko-KR" b="1" dirty="0">
+            <a:ln>
+              <a:solidFill>
+                <a:schemeClr val="tx1"/>
+              </a:solidFill>
+            </a:ln>
+          </p:spPr>
+          <p:style>
+            <a:lnRef idx="2">
+              <a:schemeClr val="accent1">
+                <a:shade val="50000"/>
+              </a:schemeClr>
+            </a:lnRef>
+            <a:fillRef idx="1">
+              <a:schemeClr val="accent1"/>
+            </a:fillRef>
+            <a:effectRef idx="0">
+              <a:schemeClr val="accent1"/>
+            </a:effectRef>
+            <a:fontRef idx="minor">
+              <a:schemeClr val="lt1"/>
+            </a:fontRef>
+          </p:style>
+          <p:txBody>
+            <a:bodyPr rtlCol="0" anchor="ctr"/>
+            <a:lstStyle/>
+            <a:p>
+              <a:pPr algn="ctr"/>
+              <a:endParaRPr lang="ko-KR" altLang="en-US" dirty="0"/>
+            </a:p>
+          </p:txBody>
+        </p:sp>
+        <p:grpSp>
+          <p:nvGrpSpPr>
+            <p:cNvPr id="39" name="그룹 38">
+              <a:extLst>
+                <a:ext uri="{FF2B5EF4-FFF2-40B4-BE49-F238E27FC236}">
+                  <a16:creationId xmlns:a16="http://schemas.microsoft.com/office/drawing/2014/main" id="{B7CACBCE-A59D-65C1-099A-F4D8DD1A69FD}"/>
+                </a:ext>
+              </a:extLst>
+            </p:cNvPr>
+            <p:cNvGrpSpPr/>
+            <p:nvPr/>
+          </p:nvGrpSpPr>
+          <p:grpSpPr>
+            <a:xfrm>
+              <a:off x="4458637" y="1542630"/>
+              <a:ext cx="3308682" cy="3212449"/>
+              <a:chOff x="348918" y="1262230"/>
+              <a:chExt cx="3611742" cy="3506695"/>
+            </a:xfrm>
+          </p:grpSpPr>
+          <p:sp>
+            <p:nvSpPr>
+              <p:cNvPr id="40" name="사각형: 둥근 모서리 39">
+                <a:extLst>
+                  <a:ext uri="{FF2B5EF4-FFF2-40B4-BE49-F238E27FC236}">
+                    <a16:creationId xmlns:a16="http://schemas.microsoft.com/office/drawing/2014/main" id="{657918EE-E161-4024-B6C8-A329FA3D7389}"/>
+                  </a:ext>
+                </a:extLst>
+              </p:cNvPr>
+              <p:cNvSpPr/>
+              <p:nvPr/>
+            </p:nvSpPr>
+            <p:spPr>
+              <a:xfrm>
+                <a:off x="348919" y="1262230"/>
+                <a:ext cx="1662761" cy="1663850"/>
+              </a:xfrm>
+              <a:prstGeom prst="roundRect">
+                <a:avLst>
+                  <a:gd name="adj" fmla="val 6112"/>
+                </a:avLst>
+              </a:prstGeom>
+              <a:noFill/>
+              <a:ln w="76200">
+                <a:solidFill>
+                  <a:schemeClr val="accent6">
+                    <a:lumMod val="75000"/>
+                  </a:schemeClr>
+                </a:solidFill>
+              </a:ln>
+            </p:spPr>
+            <p:style>
+              <a:lnRef idx="2">
+                <a:schemeClr val="accent1">
+                  <a:shade val="50000"/>
+                </a:schemeClr>
+              </a:lnRef>
+              <a:fillRef idx="1">
+                <a:schemeClr val="accent1"/>
+              </a:fillRef>
+              <a:effectRef idx="0">
+                <a:schemeClr val="accent1"/>
+              </a:effectRef>
+              <a:fontRef idx="minor">
+                <a:schemeClr val="lt1"/>
+              </a:fontRef>
+            </p:style>
+            <p:txBody>
+              <a:bodyPr rtlCol="0" anchor="ctr"/>
+              <a:lstStyle/>
+              <a:p>
+                <a:pPr algn="ctr"/>
+                <a:endParaRPr lang="ko-KR" altLang="en-US"/>
+              </a:p>
+            </p:txBody>
+          </p:sp>
+          <p:sp>
+            <p:nvSpPr>
+              <p:cNvPr id="41" name="사각형: 둥근 모서리 40">
+                <a:extLst>
+                  <a:ext uri="{FF2B5EF4-FFF2-40B4-BE49-F238E27FC236}">
+                    <a16:creationId xmlns:a16="http://schemas.microsoft.com/office/drawing/2014/main" id="{157DFF9A-74A8-A20C-7CBC-46D4EDEAA618}"/>
+                  </a:ext>
+                </a:extLst>
+              </p:cNvPr>
+              <p:cNvSpPr/>
+              <p:nvPr/>
+            </p:nvSpPr>
+            <p:spPr>
+              <a:xfrm>
+                <a:off x="2297899" y="1262230"/>
+                <a:ext cx="1662761" cy="1663850"/>
+              </a:xfrm>
+              <a:prstGeom prst="roundRect">
+                <a:avLst>
+                  <a:gd name="adj" fmla="val 6112"/>
+                </a:avLst>
+              </a:prstGeom>
+              <a:noFill/>
+              <a:ln w="76200">
+                <a:solidFill>
+                  <a:schemeClr val="accent6">
+                    <a:lumMod val="75000"/>
+                  </a:schemeClr>
+                </a:solidFill>
+              </a:ln>
+            </p:spPr>
+            <p:style>
+              <a:lnRef idx="2">
+                <a:schemeClr val="accent1">
+                  <a:shade val="50000"/>
+                </a:schemeClr>
+              </a:lnRef>
+              <a:fillRef idx="1">
+                <a:schemeClr val="accent1"/>
+              </a:fillRef>
+              <a:effectRef idx="0">
+                <a:schemeClr val="accent1"/>
+              </a:effectRef>
+              <a:fontRef idx="minor">
+                <a:schemeClr val="lt1"/>
+              </a:fontRef>
+            </p:style>
+            <p:txBody>
+              <a:bodyPr rtlCol="0" anchor="ctr"/>
+              <a:lstStyle/>
+              <a:p>
+                <a:pPr algn="ctr"/>
+                <a:endParaRPr lang="ko-KR" altLang="en-US"/>
+              </a:p>
+            </p:txBody>
+          </p:sp>
+          <p:sp>
+            <p:nvSpPr>
+              <p:cNvPr id="42" name="사각형: 둥근 모서리 41">
+                <a:extLst>
+                  <a:ext uri="{FF2B5EF4-FFF2-40B4-BE49-F238E27FC236}">
+                    <a16:creationId xmlns:a16="http://schemas.microsoft.com/office/drawing/2014/main" id="{4069588A-D157-B1DA-7E66-C4CEA29AF1A7}"/>
+                  </a:ext>
+                </a:extLst>
+              </p:cNvPr>
+              <p:cNvSpPr/>
+              <p:nvPr/>
+            </p:nvSpPr>
+            <p:spPr>
+              <a:xfrm>
+                <a:off x="348918" y="3105075"/>
+                <a:ext cx="1662761" cy="1663850"/>
+              </a:xfrm>
+              <a:prstGeom prst="roundRect">
+                <a:avLst>
+                  <a:gd name="adj" fmla="val 6112"/>
+                </a:avLst>
+              </a:prstGeom>
+              <a:noFill/>
+              <a:ln w="76200">
+                <a:solidFill>
+                  <a:schemeClr val="accent6">
+                    <a:lumMod val="75000"/>
+                  </a:schemeClr>
+                </a:solidFill>
+              </a:ln>
+            </p:spPr>
+            <p:style>
+              <a:lnRef idx="2">
+                <a:schemeClr val="accent1">
+                  <a:shade val="50000"/>
+                </a:schemeClr>
+              </a:lnRef>
+              <a:fillRef idx="1">
+                <a:schemeClr val="accent1"/>
+              </a:fillRef>
+              <a:effectRef idx="0">
+                <a:schemeClr val="accent1"/>
+              </a:effectRef>
+              <a:fontRef idx="minor">
+                <a:schemeClr val="lt1"/>
+              </a:fontRef>
+            </p:style>
+            <p:txBody>
+              <a:bodyPr rtlCol="0" anchor="ctr"/>
+              <a:lstStyle/>
+              <a:p>
+                <a:pPr algn="ctr"/>
+                <a:endParaRPr lang="ko-KR" altLang="en-US"/>
+              </a:p>
+            </p:txBody>
+          </p:sp>
+          <p:sp>
+            <p:nvSpPr>
+              <p:cNvPr id="43" name="사각형: 둥근 모서리 42">
+                <a:extLst>
+                  <a:ext uri="{FF2B5EF4-FFF2-40B4-BE49-F238E27FC236}">
+                    <a16:creationId xmlns:a16="http://schemas.microsoft.com/office/drawing/2014/main" id="{BB4C7A0D-1FF1-EC93-C224-B16B52A36481}"/>
+                  </a:ext>
+                </a:extLst>
+              </p:cNvPr>
+              <p:cNvSpPr/>
+              <p:nvPr/>
+            </p:nvSpPr>
+            <p:spPr>
+              <a:xfrm>
+                <a:off x="2297898" y="3105075"/>
+                <a:ext cx="1662761" cy="1663850"/>
+              </a:xfrm>
+              <a:prstGeom prst="roundRect">
+                <a:avLst>
+                  <a:gd name="adj" fmla="val 6112"/>
+                </a:avLst>
+              </a:prstGeom>
+              <a:noFill/>
+              <a:ln w="76200">
+                <a:solidFill>
+                  <a:schemeClr val="accent6">
+                    <a:lumMod val="75000"/>
+                  </a:schemeClr>
+                </a:solidFill>
+              </a:ln>
+            </p:spPr>
+            <p:style>
+              <a:lnRef idx="2">
+                <a:schemeClr val="accent1">
+                  <a:shade val="50000"/>
+                </a:schemeClr>
+              </a:lnRef>
+              <a:fillRef idx="1">
+                <a:schemeClr val="accent1"/>
+              </a:fillRef>
+              <a:effectRef idx="0">
+                <a:schemeClr val="accent1"/>
+              </a:effectRef>
+              <a:fontRef idx="minor">
+                <a:schemeClr val="lt1"/>
+              </a:fontRef>
+            </p:style>
+            <p:txBody>
+              <a:bodyPr rtlCol="0" anchor="ctr"/>
+              <a:lstStyle/>
+              <a:p>
+                <a:pPr algn="ctr"/>
+                <a:endParaRPr lang="ko-KR" altLang="en-US"/>
+              </a:p>
+            </p:txBody>
+          </p:sp>
+        </p:grpSp>
+        <p:sp>
+          <p:nvSpPr>
+            <p:cNvPr id="44" name="직사각형 43">
+              <a:extLst>
+                <a:ext uri="{FF2B5EF4-FFF2-40B4-BE49-F238E27FC236}">
+                  <a16:creationId xmlns:a16="http://schemas.microsoft.com/office/drawing/2014/main" id="{8DAD0A94-0CEE-B51E-A81F-7A59C8939070}"/>
+                </a:ext>
+              </a:extLst>
+            </p:cNvPr>
+            <p:cNvSpPr/>
+            <p:nvPr/>
+          </p:nvSpPr>
+          <p:spPr>
+            <a:xfrm>
+              <a:off x="4211320" y="715497"/>
+              <a:ext cx="548639" cy="583199"/>
+            </a:xfrm>
+            <a:prstGeom prst="rect">
+              <a:avLst/>
+            </a:prstGeom>
+            <a:solidFill>
+              <a:srgbClr val="47CFFF"/>
+            </a:solidFill>
+            <a:ln w="28575">
+              <a:solidFill>
+                <a:schemeClr val="tx1"/>
+              </a:solidFill>
+            </a:ln>
+          </p:spPr>
+          <p:style>
+            <a:lnRef idx="2">
+              <a:schemeClr val="accent1">
+                <a:shade val="50000"/>
+              </a:schemeClr>
+            </a:lnRef>
+            <a:fillRef idx="1">
+              <a:schemeClr val="accent1"/>
+            </a:fillRef>
+            <a:effectRef idx="0">
+              <a:schemeClr val="accent1"/>
+            </a:effectRef>
+            <a:fontRef idx="minor">
+              <a:schemeClr val="lt1"/>
+            </a:fontRef>
+          </p:style>
+          <p:txBody>
+            <a:bodyPr rtlCol="0" anchor="ctr"/>
+            <a:lstStyle/>
+            <a:p>
+              <a:pPr algn="ctr"/>
+              <a:r>
+                <a:rPr lang="en-US" altLang="ko-KR" b="1" dirty="0">
+                  <a:solidFill>
+                    <a:schemeClr val="tx1"/>
+                  </a:solidFill>
+                </a:rPr>
+                <a:t>2</a:t>
+              </a:r>
+              <a:endParaRPr lang="ko-KR" altLang="en-US" b="1" dirty="0">
                 <a:solidFill>
                   <a:schemeClr val="tx1"/>
                 </a:solidFill>
-              </a:rPr>
-              <a:t>3</a:t>
-            </a:r>
-            <a:endParaRPr lang="ko-KR" altLang="en-US" b="1" dirty="0">
+              </a:endParaRPr>
+            </a:p>
+          </p:txBody>
+        </p:sp>
+        <p:sp>
+          <p:nvSpPr>
+            <p:cNvPr id="45" name="TextBox 44">
+              <a:extLst>
+                <a:ext uri="{FF2B5EF4-FFF2-40B4-BE49-F238E27FC236}">
+                  <a16:creationId xmlns:a16="http://schemas.microsoft.com/office/drawing/2014/main" id="{DDA43144-875C-276C-B53F-73F3BFB1C188}"/>
+                </a:ext>
+              </a:extLst>
+            </p:cNvPr>
+            <p:cNvSpPr txBox="1"/>
+            <p:nvPr/>
+          </p:nvSpPr>
+          <p:spPr>
+            <a:xfrm>
+              <a:off x="4959984" y="974027"/>
+              <a:ext cx="2272030" cy="369332"/>
+            </a:xfrm>
+            <a:prstGeom prst="rect">
+              <a:avLst/>
+            </a:prstGeom>
+            <a:noFill/>
+          </p:spPr>
+          <p:txBody>
+            <a:bodyPr wrap="square">
+              <a:spAutoFit/>
+            </a:bodyPr>
+            <a:lstStyle/>
+            <a:p>
+              <a:pPr algn="ctr"/>
+              <a:r>
+                <a:rPr lang="en-US" altLang="ko-KR" b="1" dirty="0">
+                  <a:solidFill>
+                    <a:schemeClr val="tx1"/>
+                  </a:solidFill>
+                </a:rPr>
+                <a:t>4</a:t>
+              </a:r>
+              <a:endParaRPr lang="ko-KR" altLang="en-US" b="1" dirty="0">
+                <a:solidFill>
+                  <a:schemeClr val="tx1"/>
+                </a:solidFill>
+              </a:endParaRPr>
+            </a:p>
+          </p:txBody>
+        </p:sp>
+        <p:sp>
+          <p:nvSpPr>
+            <p:cNvPr id="55" name="직사각형 54">
+              <a:extLst>
+                <a:ext uri="{FF2B5EF4-FFF2-40B4-BE49-F238E27FC236}">
+                  <a16:creationId xmlns:a16="http://schemas.microsoft.com/office/drawing/2014/main" id="{C290C9DD-CB01-8136-4547-529B2715A6C6}"/>
+                </a:ext>
+              </a:extLst>
+            </p:cNvPr>
+            <p:cNvSpPr/>
+            <p:nvPr/>
+          </p:nvSpPr>
+          <p:spPr>
+            <a:xfrm>
+              <a:off x="4211320" y="5133495"/>
+              <a:ext cx="3769359" cy="1670940"/>
+            </a:xfrm>
+            <a:prstGeom prst="rect">
+              <a:avLst/>
+            </a:prstGeom>
+            <a:solidFill>
+              <a:schemeClr val="bg1">
+                <a:lumMod val="95000"/>
+              </a:schemeClr>
+            </a:solidFill>
+            <a:ln>
               <a:solidFill>
                 <a:schemeClr val="tx1"/>
               </a:solidFill>
-            </a:endParaRPr>
-          </a:p>
-        </p:txBody>
-      </p:sp>
-      <p:sp>
-        <p:nvSpPr>
-          <p:cNvPr id="53" name="TextBox 52">
-            <a:extLst>
-              <a:ext uri="{FF2B5EF4-FFF2-40B4-BE49-F238E27FC236}">
-                <a16:creationId xmlns:a16="http://schemas.microsoft.com/office/drawing/2014/main" id="{969BDE93-1623-FEFA-AE55-1D8F40D86EE1}"/>
-              </a:ext>
-            </a:extLst>
-          </p:cNvPr>
-          <p:cNvSpPr txBox="1"/>
-          <p:nvPr/>
-        </p:nvSpPr>
-        <p:spPr>
-          <a:xfrm>
-            <a:off x="9049383" y="981602"/>
-            <a:ext cx="2272030" cy="369332"/>
-          </a:xfrm>
-          <a:prstGeom prst="rect">
-            <a:avLst/>
-          </a:prstGeom>
-          <a:noFill/>
-        </p:spPr>
-        <p:txBody>
-          <a:bodyPr wrap="square">
-            <a:spAutoFit/>
-          </a:bodyPr>
-          <a:lstStyle/>
-          <a:p>
-            <a:pPr algn="ctr"/>
-            <a:r>
-              <a:rPr lang="en-US" altLang="ko-KR" b="1" dirty="0">
-                <a:solidFill>
-                  <a:schemeClr val="tx1"/>
-                </a:solidFill>
-              </a:rPr>
-              <a:t>4</a:t>
-            </a:r>
-            <a:endParaRPr lang="ko-KR" altLang="en-US" b="1" dirty="0">
-              <a:solidFill>
-                <a:schemeClr val="tx1"/>
-              </a:solidFill>
-            </a:endParaRPr>
-          </a:p>
-        </p:txBody>
-      </p:sp>
-      <p:sp>
-        <p:nvSpPr>
-          <p:cNvPr id="54" name="직사각형 53">
-            <a:extLst>
-              <a:ext uri="{FF2B5EF4-FFF2-40B4-BE49-F238E27FC236}">
-                <a16:creationId xmlns:a16="http://schemas.microsoft.com/office/drawing/2014/main" id="{ED2198BC-A780-A990-AEC8-1C9611733B9A}"/>
-              </a:ext>
-            </a:extLst>
-          </p:cNvPr>
-          <p:cNvSpPr/>
-          <p:nvPr/>
-        </p:nvSpPr>
-        <p:spPr>
-          <a:xfrm>
-            <a:off x="121921" y="5128067"/>
-            <a:ext cx="3769359" cy="1670940"/>
-          </a:xfrm>
-          <a:prstGeom prst="rect">
-            <a:avLst/>
-          </a:prstGeom>
-          <a:solidFill>
-            <a:schemeClr val="bg1">
-              <a:lumMod val="95000"/>
-            </a:schemeClr>
-          </a:solidFill>
-          <a:ln>
-            <a:solidFill>
-              <a:schemeClr val="tx1"/>
-            </a:solidFill>
-          </a:ln>
-        </p:spPr>
-        <p:style>
-          <a:lnRef idx="2">
-            <a:schemeClr val="accent1">
-              <a:shade val="50000"/>
-            </a:schemeClr>
-          </a:lnRef>
-          <a:fillRef idx="1">
-            <a:schemeClr val="accent1"/>
-          </a:fillRef>
-          <a:effectRef idx="0">
-            <a:schemeClr val="accent1"/>
-          </a:effectRef>
-          <a:fontRef idx="minor">
-            <a:schemeClr val="lt1"/>
-          </a:fontRef>
-        </p:style>
-        <p:txBody>
-          <a:bodyPr rtlCol="0" anchor="ctr"/>
-          <a:lstStyle/>
-          <a:p>
-            <a:pPr algn="ctr"/>
-            <a:r>
-              <a:rPr lang="ko-KR" altLang="en-US" dirty="0">
+            </a:ln>
+          </p:spPr>
+          <p:style>
+            <a:lnRef idx="2">
+              <a:schemeClr val="accent1">
+                <a:shade val="50000"/>
+              </a:schemeClr>
+            </a:lnRef>
+            <a:fillRef idx="1">
+              <a:schemeClr val="accent1"/>
+            </a:fillRef>
+            <a:effectRef idx="0">
+              <a:schemeClr val="accent1"/>
+            </a:effectRef>
+            <a:fontRef idx="minor">
+              <a:schemeClr val="lt1"/>
+            </a:fontRef>
+          </p:style>
+          <p:txBody>
+            <a:bodyPr rtlCol="0" anchor="ctr"/>
+            <a:lstStyle/>
+            <a:p>
+              <a:pPr algn="ctr"/>
+              <a:r>
+                <a:rPr lang="ko-KR" altLang="en-US" dirty="0">
+                  <a:solidFill>
+                    <a:schemeClr val="tx1"/>
+                  </a:solidFill>
+                  <a:latin typeface="에스코어 드림 4 Regular" panose="020B0503030302020204" pitchFamily="34" charset="-127"/>
+                  <a:ea typeface="에스코어 드림 4 Regular" panose="020B0503030302020204" pitchFamily="34" charset="-127"/>
+                </a:rPr>
+                <a:t>드래그를 통해 일정 범위의 중력의 방향을 수정합니다</a:t>
+              </a:r>
+              <a:r>
+                <a:rPr lang="en-US" altLang="ko-KR" dirty="0">
+                  <a:solidFill>
+                    <a:schemeClr val="tx1"/>
+                  </a:solidFill>
+                  <a:latin typeface="에스코어 드림 4 Regular" panose="020B0503030302020204" pitchFamily="34" charset="-127"/>
+                  <a:ea typeface="에스코어 드림 4 Regular" panose="020B0503030302020204" pitchFamily="34" charset="-127"/>
+                </a:rPr>
+                <a:t>. </a:t>
+              </a:r>
+              <a:r>
+                <a:rPr lang="ko-KR" altLang="en-US" dirty="0">
+                  <a:solidFill>
+                    <a:schemeClr val="tx1"/>
+                  </a:solidFill>
+                  <a:latin typeface="에스코어 드림 4 Regular" panose="020B0503030302020204" pitchFamily="34" charset="-127"/>
+                  <a:ea typeface="에스코어 드림 4 Regular" panose="020B0503030302020204" pitchFamily="34" charset="-127"/>
+                </a:rPr>
+                <a:t>중력장을 </a:t>
+              </a:r>
+              <a:endParaRPr lang="en-US" altLang="ko-KR" dirty="0">
                 <a:solidFill>
                   <a:schemeClr val="tx1"/>
                 </a:solidFill>
                 <a:latin typeface="에스코어 드림 4 Regular" panose="020B0503030302020204" pitchFamily="34" charset="-127"/>
                 <a:ea typeface="에스코어 드림 4 Regular" panose="020B0503030302020204" pitchFamily="34" charset="-127"/>
-              </a:rPr>
-              <a:t>스테이지에 존재하는 여러 개의</a:t>
-            </a:r>
-            <a:endParaRPr lang="en-US" altLang="ko-KR" dirty="0">
-              <a:solidFill>
-                <a:schemeClr val="tx1"/>
-              </a:solidFill>
-              <a:latin typeface="에스코어 드림 4 Regular" panose="020B0503030302020204" pitchFamily="34" charset="-127"/>
-              <a:ea typeface="에스코어 드림 4 Regular" panose="020B0503030302020204" pitchFamily="34" charset="-127"/>
-            </a:endParaRPr>
-          </a:p>
-          <a:p>
-            <a:pPr algn="ctr"/>
-            <a:r>
-              <a:rPr lang="ko-KR" altLang="en-US" dirty="0">
+              </a:endParaRPr>
+            </a:p>
+            <a:p>
+              <a:pPr algn="ctr"/>
+              <a:r>
+                <a:rPr lang="ko-KR" altLang="en-US" dirty="0">
+                  <a:solidFill>
+                    <a:schemeClr val="tx1"/>
+                  </a:solidFill>
+                  <a:latin typeface="에스코어 드림 4 Regular" panose="020B0503030302020204" pitchFamily="34" charset="-127"/>
+                  <a:ea typeface="에스코어 드림 4 Regular" panose="020B0503030302020204" pitchFamily="34" charset="-127"/>
+                </a:rPr>
+                <a:t>그린 만큼 화면 상단의 숫자가 </a:t>
+              </a:r>
+              <a:endParaRPr lang="en-US" altLang="ko-KR" dirty="0">
                 <a:solidFill>
                   <a:schemeClr val="tx1"/>
                 </a:solidFill>
                 <a:latin typeface="에스코어 드림 4 Regular" panose="020B0503030302020204" pitchFamily="34" charset="-127"/>
                 <a:ea typeface="에스코어 드림 4 Regular" panose="020B0503030302020204" pitchFamily="34" charset="-127"/>
-              </a:rPr>
-              <a:t>맵 중에서 중력장을 그릴 </a:t>
-            </a:r>
-            <a:endParaRPr lang="en-US" altLang="ko-KR" dirty="0">
-              <a:solidFill>
-                <a:schemeClr val="tx1"/>
-              </a:solidFill>
-              <a:latin typeface="에스코어 드림 4 Regular" panose="020B0503030302020204" pitchFamily="34" charset="-127"/>
-              <a:ea typeface="에스코어 드림 4 Regular" panose="020B0503030302020204" pitchFamily="34" charset="-127"/>
-            </a:endParaRPr>
-          </a:p>
-          <a:p>
-            <a:pPr algn="ctr"/>
-            <a:r>
-              <a:rPr lang="ko-KR" altLang="en-US" dirty="0">
+              </a:endParaRPr>
+            </a:p>
+            <a:p>
+              <a:pPr algn="ctr"/>
+              <a:r>
+                <a:rPr lang="ko-KR" altLang="en-US" dirty="0">
+                  <a:solidFill>
+                    <a:schemeClr val="tx1"/>
+                  </a:solidFill>
+                  <a:latin typeface="에스코어 드림 4 Regular" panose="020B0503030302020204" pitchFamily="34" charset="-127"/>
+                  <a:ea typeface="에스코어 드림 4 Regular" panose="020B0503030302020204" pitchFamily="34" charset="-127"/>
+                </a:rPr>
+                <a:t>감소합니다</a:t>
+              </a:r>
+              <a:r>
+                <a:rPr lang="en-US" altLang="ko-KR" dirty="0">
+                  <a:solidFill>
+                    <a:schemeClr val="tx1"/>
+                  </a:solidFill>
+                  <a:latin typeface="에스코어 드림 4 Regular" panose="020B0503030302020204" pitchFamily="34" charset="-127"/>
+                  <a:ea typeface="에스코어 드림 4 Regular" panose="020B0503030302020204" pitchFamily="34" charset="-127"/>
+                </a:rPr>
+                <a:t>.</a:t>
+              </a:r>
+              <a:endParaRPr lang="ko-KR" altLang="en-US" dirty="0">
                 <a:solidFill>
                   <a:schemeClr val="tx1"/>
                 </a:solidFill>
                 <a:latin typeface="에스코어 드림 4 Regular" panose="020B0503030302020204" pitchFamily="34" charset="-127"/>
                 <a:ea typeface="에스코어 드림 4 Regular" panose="020B0503030302020204" pitchFamily="34" charset="-127"/>
-              </a:rPr>
-              <a:t>주 맵을 선택합니다</a:t>
-            </a:r>
-            <a:r>
-              <a:rPr lang="en-US" altLang="ko-KR" dirty="0">
-                <a:solidFill>
-                  <a:schemeClr val="tx1"/>
-                </a:solidFill>
-                <a:latin typeface="에스코어 드림 4 Regular" panose="020B0503030302020204" pitchFamily="34" charset="-127"/>
-                <a:ea typeface="에스코어 드림 4 Regular" panose="020B0503030302020204" pitchFamily="34" charset="-127"/>
-              </a:rPr>
-              <a:t>.</a:t>
-            </a:r>
-            <a:endParaRPr lang="ko-KR" altLang="en-US" dirty="0">
-              <a:solidFill>
-                <a:schemeClr val="tx1"/>
-              </a:solidFill>
-              <a:latin typeface="에스코어 드림 4 Regular" panose="020B0503030302020204" pitchFamily="34" charset="-127"/>
-              <a:ea typeface="에스코어 드림 4 Regular" panose="020B0503030302020204" pitchFamily="34" charset="-127"/>
-            </a:endParaRPr>
-          </a:p>
-        </p:txBody>
-      </p:sp>
-      <p:sp>
-        <p:nvSpPr>
-          <p:cNvPr id="55" name="직사각형 54">
-            <a:extLst>
-              <a:ext uri="{FF2B5EF4-FFF2-40B4-BE49-F238E27FC236}">
-                <a16:creationId xmlns:a16="http://schemas.microsoft.com/office/drawing/2014/main" id="{C290C9DD-CB01-8136-4547-529B2715A6C6}"/>
-              </a:ext>
-            </a:extLst>
-          </p:cNvPr>
-          <p:cNvSpPr/>
-          <p:nvPr/>
-        </p:nvSpPr>
-        <p:spPr>
-          <a:xfrm>
-            <a:off x="4211320" y="5133495"/>
-            <a:ext cx="3769359" cy="1670940"/>
-          </a:xfrm>
-          <a:prstGeom prst="rect">
-            <a:avLst/>
-          </a:prstGeom>
-          <a:solidFill>
-            <a:schemeClr val="bg1">
-              <a:lumMod val="95000"/>
-            </a:schemeClr>
-          </a:solidFill>
-          <a:ln>
-            <a:solidFill>
-              <a:schemeClr val="tx1"/>
-            </a:solidFill>
-          </a:ln>
-        </p:spPr>
-        <p:style>
-          <a:lnRef idx="2">
-            <a:schemeClr val="accent1">
-              <a:shade val="50000"/>
-            </a:schemeClr>
-          </a:lnRef>
-          <a:fillRef idx="1">
-            <a:schemeClr val="accent1"/>
-          </a:fillRef>
-          <a:effectRef idx="0">
-            <a:schemeClr val="accent1"/>
-          </a:effectRef>
-          <a:fontRef idx="minor">
-            <a:schemeClr val="lt1"/>
-          </a:fontRef>
-        </p:style>
-        <p:txBody>
-          <a:bodyPr rtlCol="0" anchor="ctr"/>
-          <a:lstStyle/>
-          <a:p>
-            <a:pPr algn="ctr"/>
-            <a:r>
-              <a:rPr lang="ko-KR" altLang="en-US" dirty="0">
-                <a:solidFill>
-                  <a:schemeClr val="tx1"/>
-                </a:solidFill>
-                <a:latin typeface="에스코어 드림 4 Regular" panose="020B0503030302020204" pitchFamily="34" charset="-127"/>
-                <a:ea typeface="에스코어 드림 4 Regular" panose="020B0503030302020204" pitchFamily="34" charset="-127"/>
-              </a:rPr>
-              <a:t>드래그를 통해 일정 범위의 중력의 방향을 수정합니다</a:t>
-            </a:r>
-            <a:r>
-              <a:rPr lang="en-US" altLang="ko-KR" dirty="0">
-                <a:solidFill>
-                  <a:schemeClr val="tx1"/>
-                </a:solidFill>
-                <a:latin typeface="에스코어 드림 4 Regular" panose="020B0503030302020204" pitchFamily="34" charset="-127"/>
-                <a:ea typeface="에스코어 드림 4 Regular" panose="020B0503030302020204" pitchFamily="34" charset="-127"/>
-              </a:rPr>
-              <a:t>. </a:t>
-            </a:r>
-            <a:r>
-              <a:rPr lang="ko-KR" altLang="en-US" dirty="0">
-                <a:solidFill>
-                  <a:schemeClr val="tx1"/>
-                </a:solidFill>
-                <a:latin typeface="에스코어 드림 4 Regular" panose="020B0503030302020204" pitchFamily="34" charset="-127"/>
-                <a:ea typeface="에스코어 드림 4 Regular" panose="020B0503030302020204" pitchFamily="34" charset="-127"/>
-              </a:rPr>
-              <a:t>중력장을 </a:t>
-            </a:r>
-            <a:endParaRPr lang="en-US" altLang="ko-KR" dirty="0">
-              <a:solidFill>
-                <a:schemeClr val="tx1"/>
-              </a:solidFill>
-              <a:latin typeface="에스코어 드림 4 Regular" panose="020B0503030302020204" pitchFamily="34" charset="-127"/>
-              <a:ea typeface="에스코어 드림 4 Regular" panose="020B0503030302020204" pitchFamily="34" charset="-127"/>
-            </a:endParaRPr>
-          </a:p>
-          <a:p>
-            <a:pPr algn="ctr"/>
-            <a:r>
-              <a:rPr lang="ko-KR" altLang="en-US" dirty="0">
-                <a:solidFill>
-                  <a:schemeClr val="tx1"/>
-                </a:solidFill>
-                <a:latin typeface="에스코어 드림 4 Regular" panose="020B0503030302020204" pitchFamily="34" charset="-127"/>
-                <a:ea typeface="에스코어 드림 4 Regular" panose="020B0503030302020204" pitchFamily="34" charset="-127"/>
-              </a:rPr>
-              <a:t>그린 만큼 화면 상단의 숫자가 </a:t>
-            </a:r>
-            <a:endParaRPr lang="en-US" altLang="ko-KR" dirty="0">
-              <a:solidFill>
-                <a:schemeClr val="tx1"/>
-              </a:solidFill>
-              <a:latin typeface="에스코어 드림 4 Regular" panose="020B0503030302020204" pitchFamily="34" charset="-127"/>
-              <a:ea typeface="에스코어 드림 4 Regular" panose="020B0503030302020204" pitchFamily="34" charset="-127"/>
-            </a:endParaRPr>
-          </a:p>
-          <a:p>
-            <a:pPr algn="ctr"/>
-            <a:r>
-              <a:rPr lang="ko-KR" altLang="en-US" dirty="0">
-                <a:solidFill>
-                  <a:schemeClr val="tx1"/>
-                </a:solidFill>
-                <a:latin typeface="에스코어 드림 4 Regular" panose="020B0503030302020204" pitchFamily="34" charset="-127"/>
-                <a:ea typeface="에스코어 드림 4 Regular" panose="020B0503030302020204" pitchFamily="34" charset="-127"/>
-              </a:rPr>
-              <a:t>감소합니다</a:t>
-            </a:r>
-            <a:r>
-              <a:rPr lang="en-US" altLang="ko-KR" dirty="0">
-                <a:solidFill>
-                  <a:schemeClr val="tx1"/>
-                </a:solidFill>
-                <a:latin typeface="에스코어 드림 4 Regular" panose="020B0503030302020204" pitchFamily="34" charset="-127"/>
-                <a:ea typeface="에스코어 드림 4 Regular" panose="020B0503030302020204" pitchFamily="34" charset="-127"/>
-              </a:rPr>
-              <a:t>.</a:t>
-            </a:r>
-            <a:endParaRPr lang="ko-KR" altLang="en-US" dirty="0">
-              <a:solidFill>
-                <a:schemeClr val="tx1"/>
-              </a:solidFill>
-              <a:latin typeface="에스코어 드림 4 Regular" panose="020B0503030302020204" pitchFamily="34" charset="-127"/>
-              <a:ea typeface="에스코어 드림 4 Regular" panose="020B0503030302020204" pitchFamily="34" charset="-127"/>
-            </a:endParaRPr>
-          </a:p>
-        </p:txBody>
-      </p:sp>
-      <p:sp>
-        <p:nvSpPr>
-          <p:cNvPr id="56" name="직사각형 55">
-            <a:extLst>
-              <a:ext uri="{FF2B5EF4-FFF2-40B4-BE49-F238E27FC236}">
-                <a16:creationId xmlns:a16="http://schemas.microsoft.com/office/drawing/2014/main" id="{CFD1A69F-E0D6-A661-34F7-DE35D27A3D19}"/>
-              </a:ext>
-            </a:extLst>
-          </p:cNvPr>
-          <p:cNvSpPr/>
-          <p:nvPr/>
-        </p:nvSpPr>
-        <p:spPr>
-          <a:xfrm>
-            <a:off x="8300719" y="5138923"/>
-            <a:ext cx="3769359" cy="1670940"/>
-          </a:xfrm>
-          <a:prstGeom prst="rect">
-            <a:avLst/>
-          </a:prstGeom>
-          <a:solidFill>
-            <a:schemeClr val="bg1">
-              <a:lumMod val="95000"/>
-            </a:schemeClr>
-          </a:solidFill>
-          <a:ln>
-            <a:solidFill>
-              <a:schemeClr val="tx1"/>
-            </a:solidFill>
-          </a:ln>
-        </p:spPr>
-        <p:style>
-          <a:lnRef idx="2">
-            <a:schemeClr val="accent1">
-              <a:shade val="50000"/>
-            </a:schemeClr>
-          </a:lnRef>
-          <a:fillRef idx="1">
-            <a:schemeClr val="accent1"/>
-          </a:fillRef>
-          <a:effectRef idx="0">
-            <a:schemeClr val="accent1"/>
-          </a:effectRef>
-          <a:fontRef idx="minor">
-            <a:schemeClr val="lt1"/>
-          </a:fontRef>
-        </p:style>
-        <p:txBody>
-          <a:bodyPr rtlCol="0" anchor="ctr"/>
-          <a:lstStyle/>
-          <a:p>
-            <a:pPr algn="ctr"/>
-            <a:r>
-              <a:rPr lang="ko-KR" altLang="en-US" dirty="0">
-                <a:solidFill>
-                  <a:schemeClr val="tx1"/>
-                </a:solidFill>
-                <a:latin typeface="에스코어 드림 4 Regular" panose="020B0503030302020204" pitchFamily="34" charset="-127"/>
-                <a:ea typeface="에스코어 드림 4 Regular" panose="020B0503030302020204" pitchFamily="34" charset="-127"/>
-              </a:rPr>
-              <a:t>타 맵에도 같은 모양으로 그려지는 중력장을 통해 모든 공을 목적지로 이동시키면 승리합니다</a:t>
-            </a:r>
-            <a:r>
-              <a:rPr lang="en-US" altLang="ko-KR" dirty="0">
-                <a:solidFill>
-                  <a:schemeClr val="tx1"/>
-                </a:solidFill>
-                <a:latin typeface="에스코어 드림 4 Regular" panose="020B0503030302020204" pitchFamily="34" charset="-127"/>
-                <a:ea typeface="에스코어 드림 4 Regular" panose="020B0503030302020204" pitchFamily="34" charset="-127"/>
-              </a:rPr>
-              <a:t>.</a:t>
-            </a:r>
-            <a:endParaRPr lang="ko-KR" altLang="en-US" dirty="0">
-              <a:solidFill>
-                <a:schemeClr val="tx1"/>
-              </a:solidFill>
-              <a:latin typeface="에스코어 드림 4 Regular" panose="020B0503030302020204" pitchFamily="34" charset="-127"/>
-              <a:ea typeface="에스코어 드림 4 Regular" panose="020B0503030302020204" pitchFamily="34" charset="-127"/>
-            </a:endParaRPr>
-          </a:p>
-        </p:txBody>
-      </p:sp>
-      <p:pic>
-        <p:nvPicPr>
-          <p:cNvPr id="57" name="그림 56">
-            <a:extLst>
-              <a:ext uri="{FF2B5EF4-FFF2-40B4-BE49-F238E27FC236}">
-                <a16:creationId xmlns:a16="http://schemas.microsoft.com/office/drawing/2014/main" id="{6AF7B923-6F8E-0358-790E-92AF9018587C}"/>
-              </a:ext>
-            </a:extLst>
-          </p:cNvPr>
-          <p:cNvPicPr>
-            <a:picLocks noChangeAspect="1"/>
-          </p:cNvPicPr>
-          <p:nvPr/>
-        </p:nvPicPr>
-        <p:blipFill>
-          <a:blip r:embed="rId3"/>
-          <a:stretch>
-            <a:fillRect/>
-          </a:stretch>
-        </p:blipFill>
-        <p:spPr>
-          <a:xfrm rot="2773037">
-            <a:off x="8442333" y="2096197"/>
-            <a:ext cx="1699202" cy="432253"/>
-          </a:xfrm>
-          <a:prstGeom prst="rect">
-            <a:avLst/>
-          </a:prstGeom>
-        </p:spPr>
-      </p:pic>
-      <p:pic>
-        <p:nvPicPr>
-          <p:cNvPr id="58" name="그림 57">
-            <a:extLst>
-              <a:ext uri="{FF2B5EF4-FFF2-40B4-BE49-F238E27FC236}">
-                <a16:creationId xmlns:a16="http://schemas.microsoft.com/office/drawing/2014/main" id="{DD7E3A27-FDEC-6DDA-26F0-3DE9233E27C5}"/>
-              </a:ext>
-            </a:extLst>
-          </p:cNvPr>
-          <p:cNvPicPr>
-            <a:picLocks noChangeAspect="1"/>
-          </p:cNvPicPr>
-          <p:nvPr/>
-        </p:nvPicPr>
-        <p:blipFill>
-          <a:blip r:embed="rId3"/>
-          <a:stretch>
-            <a:fillRect/>
-          </a:stretch>
-        </p:blipFill>
-        <p:spPr>
-          <a:xfrm rot="2773037">
-            <a:off x="10227774" y="2087812"/>
-            <a:ext cx="1699202" cy="432253"/>
-          </a:xfrm>
-          <a:prstGeom prst="rect">
-            <a:avLst/>
-          </a:prstGeom>
-        </p:spPr>
-      </p:pic>
-      <p:pic>
-        <p:nvPicPr>
-          <p:cNvPr id="59" name="그림 58">
-            <a:extLst>
-              <a:ext uri="{FF2B5EF4-FFF2-40B4-BE49-F238E27FC236}">
-                <a16:creationId xmlns:a16="http://schemas.microsoft.com/office/drawing/2014/main" id="{17EFAC55-F80C-5D81-2B4D-0C01A367BD11}"/>
-              </a:ext>
-            </a:extLst>
-          </p:cNvPr>
-          <p:cNvPicPr>
-            <a:picLocks noChangeAspect="1"/>
-          </p:cNvPicPr>
-          <p:nvPr/>
-        </p:nvPicPr>
-        <p:blipFill>
-          <a:blip r:embed="rId3"/>
-          <a:stretch>
-            <a:fillRect/>
-          </a:stretch>
-        </p:blipFill>
-        <p:spPr>
-          <a:xfrm rot="2773037">
-            <a:off x="8460054" y="3820726"/>
-            <a:ext cx="1699202" cy="432253"/>
-          </a:xfrm>
-          <a:prstGeom prst="rect">
-            <a:avLst/>
-          </a:prstGeom>
-        </p:spPr>
-      </p:pic>
-      <p:pic>
-        <p:nvPicPr>
-          <p:cNvPr id="60" name="그림 59">
-            <a:extLst>
-              <a:ext uri="{FF2B5EF4-FFF2-40B4-BE49-F238E27FC236}">
-                <a16:creationId xmlns:a16="http://schemas.microsoft.com/office/drawing/2014/main" id="{803467F9-E3F7-E60B-62DE-BE4227DB264C}"/>
-              </a:ext>
-            </a:extLst>
-          </p:cNvPr>
-          <p:cNvPicPr>
-            <a:picLocks noChangeAspect="1"/>
-          </p:cNvPicPr>
-          <p:nvPr/>
-        </p:nvPicPr>
-        <p:blipFill>
-          <a:blip r:embed="rId3"/>
-          <a:stretch>
-            <a:fillRect/>
-          </a:stretch>
-        </p:blipFill>
-        <p:spPr>
-          <a:xfrm rot="2773037">
-            <a:off x="10263220" y="3803746"/>
-            <a:ext cx="1699202" cy="432253"/>
-          </a:xfrm>
-          <a:prstGeom prst="rect">
-            <a:avLst/>
-          </a:prstGeom>
-        </p:spPr>
-      </p:pic>
-      <p:sp>
-        <p:nvSpPr>
-          <p:cNvPr id="61" name="사각형: 둥근 모서리 60">
-            <a:extLst>
-              <a:ext uri="{FF2B5EF4-FFF2-40B4-BE49-F238E27FC236}">
-                <a16:creationId xmlns:a16="http://schemas.microsoft.com/office/drawing/2014/main" id="{63D91A4E-5311-30C4-D3C9-D1304284FAEB}"/>
-              </a:ext>
-            </a:extLst>
-          </p:cNvPr>
-          <p:cNvSpPr/>
-          <p:nvPr/>
-        </p:nvSpPr>
-        <p:spPr>
-          <a:xfrm>
-            <a:off x="11493243" y="4396373"/>
-            <a:ext cx="328030" cy="328030"/>
-          </a:xfrm>
-          <a:prstGeom prst="roundRect">
-            <a:avLst>
-              <a:gd name="adj" fmla="val 28921"/>
-            </a:avLst>
-          </a:prstGeom>
-          <a:solidFill>
-            <a:srgbClr val="00B0F0"/>
-          </a:solidFill>
-          <a:ln w="28575">
-            <a:solidFill>
-              <a:schemeClr val="tx1"/>
-            </a:solidFill>
-          </a:ln>
-        </p:spPr>
-        <p:style>
-          <a:lnRef idx="2">
-            <a:schemeClr val="accent1">
-              <a:shade val="50000"/>
-            </a:schemeClr>
-          </a:lnRef>
-          <a:fillRef idx="1">
-            <a:schemeClr val="accent1"/>
-          </a:fillRef>
-          <a:effectRef idx="0">
-            <a:schemeClr val="accent1"/>
-          </a:effectRef>
-          <a:fontRef idx="minor">
-            <a:schemeClr val="lt1"/>
-          </a:fontRef>
-        </p:style>
-        <p:txBody>
-          <a:bodyPr rtlCol="0" anchor="ctr"/>
-          <a:lstStyle/>
-          <a:p>
-            <a:pPr algn="ctr"/>
-            <a:endParaRPr lang="ko-KR" altLang="en-US"/>
-          </a:p>
-        </p:txBody>
-      </p:sp>
-      <p:sp>
-        <p:nvSpPr>
-          <p:cNvPr id="62" name="타원 61">
-            <a:extLst>
-              <a:ext uri="{FF2B5EF4-FFF2-40B4-BE49-F238E27FC236}">
-                <a16:creationId xmlns:a16="http://schemas.microsoft.com/office/drawing/2014/main" id="{D1D483D9-6FA2-2DF4-B8A8-66E77741D777}"/>
-              </a:ext>
-            </a:extLst>
-          </p:cNvPr>
-          <p:cNvSpPr/>
-          <p:nvPr/>
-        </p:nvSpPr>
-        <p:spPr>
-          <a:xfrm>
-            <a:off x="10388782" y="3299667"/>
-            <a:ext cx="409229" cy="409229"/>
-          </a:xfrm>
-          <a:prstGeom prst="ellipse">
-            <a:avLst/>
-          </a:prstGeom>
-          <a:gradFill flip="none" rotWithShape="1">
-            <a:gsLst>
-              <a:gs pos="89000">
-                <a:srgbClr val="00B0F0"/>
-              </a:gs>
-              <a:gs pos="0">
-                <a:schemeClr val="accent1">
-                  <a:tint val="44500"/>
-                  <a:satMod val="160000"/>
-                </a:schemeClr>
-              </a:gs>
-              <a:gs pos="100000">
-                <a:schemeClr val="accent1">
-                  <a:tint val="23500"/>
-                  <a:satMod val="160000"/>
-                </a:schemeClr>
-              </a:gs>
-            </a:gsLst>
-            <a:path path="circle">
-              <a:fillToRect l="50000" t="50000" r="50000" b="50000"/>
-            </a:path>
-            <a:tileRect/>
-          </a:gradFill>
-          <a:ln w="28575">
-            <a:solidFill>
-              <a:schemeClr val="tx1"/>
-            </a:solidFill>
-          </a:ln>
-        </p:spPr>
-        <p:style>
-          <a:lnRef idx="2">
-            <a:schemeClr val="accent1">
-              <a:shade val="50000"/>
-            </a:schemeClr>
-          </a:lnRef>
-          <a:fillRef idx="1">
-            <a:schemeClr val="accent1"/>
-          </a:fillRef>
-          <a:effectRef idx="0">
-            <a:schemeClr val="accent1"/>
-          </a:effectRef>
-          <a:fontRef idx="minor">
-            <a:schemeClr val="lt1"/>
-          </a:fontRef>
-        </p:style>
-        <p:txBody>
-          <a:bodyPr rtlCol="0" anchor="ctr"/>
-          <a:lstStyle/>
-          <a:p>
-            <a:pPr algn="ctr"/>
-            <a:endParaRPr lang="ko-KR" altLang="en-US"/>
-          </a:p>
-        </p:txBody>
-      </p:sp>
-      <p:pic>
-        <p:nvPicPr>
-          <p:cNvPr id="63" name="그림 62">
-            <a:extLst>
-              <a:ext uri="{FF2B5EF4-FFF2-40B4-BE49-F238E27FC236}">
-                <a16:creationId xmlns:a16="http://schemas.microsoft.com/office/drawing/2014/main" id="{DEBFA986-8871-3381-6E65-FD9BA2E63603}"/>
-              </a:ext>
-            </a:extLst>
-          </p:cNvPr>
-          <p:cNvPicPr>
-            <a:picLocks noChangeAspect="1"/>
-          </p:cNvPicPr>
-          <p:nvPr/>
-        </p:nvPicPr>
-        <p:blipFill rotWithShape="1">
-          <a:blip r:embed="rId2">
-            <a:alphaModFix amt="20000"/>
-          </a:blip>
-          <a:srcRect l="16144" t="17414" r="28197" b="23976"/>
-          <a:stretch/>
-        </p:blipFill>
-        <p:spPr>
-          <a:xfrm>
-            <a:off x="6394953" y="3443929"/>
-            <a:ext cx="1221489" cy="1185845"/>
-          </a:xfrm>
-          <a:prstGeom prst="rect">
-            <a:avLst/>
-          </a:prstGeom>
-        </p:spPr>
-      </p:pic>
-      <p:pic>
-        <p:nvPicPr>
-          <p:cNvPr id="64" name="그림 63">
-            <a:extLst>
-              <a:ext uri="{FF2B5EF4-FFF2-40B4-BE49-F238E27FC236}">
-                <a16:creationId xmlns:a16="http://schemas.microsoft.com/office/drawing/2014/main" id="{697E29A2-0A31-C848-8189-C96A21593E99}"/>
-              </a:ext>
-            </a:extLst>
-          </p:cNvPr>
-          <p:cNvPicPr>
-            <a:picLocks noChangeAspect="1"/>
-          </p:cNvPicPr>
-          <p:nvPr/>
-        </p:nvPicPr>
-        <p:blipFill rotWithShape="1">
-          <a:blip r:embed="rId2">
-            <a:alphaModFix amt="35000"/>
-          </a:blip>
-          <a:srcRect l="16144" t="17414" r="28197" b="23976"/>
-          <a:stretch/>
-        </p:blipFill>
-        <p:spPr>
-          <a:xfrm>
-            <a:off x="6547353" y="3596329"/>
-            <a:ext cx="1221489" cy="1185845"/>
-          </a:xfrm>
-          <a:prstGeom prst="rect">
-            <a:avLst/>
-          </a:prstGeom>
-        </p:spPr>
-      </p:pic>
-      <p:pic>
-        <p:nvPicPr>
-          <p:cNvPr id="65" name="그림 64">
-            <a:extLst>
-              <a:ext uri="{FF2B5EF4-FFF2-40B4-BE49-F238E27FC236}">
-                <a16:creationId xmlns:a16="http://schemas.microsoft.com/office/drawing/2014/main" id="{B20A0B4B-C993-3C28-92D6-14A8114A2120}"/>
-              </a:ext>
-            </a:extLst>
-          </p:cNvPr>
-          <p:cNvPicPr>
-            <a:picLocks noChangeAspect="1"/>
-          </p:cNvPicPr>
-          <p:nvPr/>
-        </p:nvPicPr>
-        <p:blipFill rotWithShape="1">
-          <a:blip r:embed="rId2">
-            <a:alphaModFix amt="50000"/>
-          </a:blip>
-          <a:srcRect l="16144" t="17414" r="28197" b="23976"/>
-          <a:stretch/>
-        </p:blipFill>
-        <p:spPr>
-          <a:xfrm>
-            <a:off x="6699753" y="3748729"/>
-            <a:ext cx="1221489" cy="1185845"/>
-          </a:xfrm>
-          <a:prstGeom prst="rect">
-            <a:avLst/>
-          </a:prstGeom>
-        </p:spPr>
-      </p:pic>
-      <p:pic>
-        <p:nvPicPr>
-          <p:cNvPr id="66" name="그림 65">
-            <a:extLst>
-              <a:ext uri="{FF2B5EF4-FFF2-40B4-BE49-F238E27FC236}">
-                <a16:creationId xmlns:a16="http://schemas.microsoft.com/office/drawing/2014/main" id="{C41109D5-6CAF-718E-6FDB-3DEDCCD88112}"/>
-              </a:ext>
-            </a:extLst>
-          </p:cNvPr>
-          <p:cNvPicPr>
-            <a:picLocks noChangeAspect="1"/>
-          </p:cNvPicPr>
-          <p:nvPr/>
-        </p:nvPicPr>
-        <p:blipFill rotWithShape="1">
-          <a:blip r:embed="rId2">
-            <a:alphaModFix amt="85000"/>
-          </a:blip>
-          <a:srcRect l="16144" t="17414" r="28197" b="23976"/>
-          <a:stretch/>
-        </p:blipFill>
-        <p:spPr>
-          <a:xfrm>
-            <a:off x="6852153" y="3901129"/>
-            <a:ext cx="1221489" cy="1185845"/>
-          </a:xfrm>
-          <a:prstGeom prst="rect">
-            <a:avLst/>
-          </a:prstGeom>
-        </p:spPr>
-      </p:pic>
+              </a:endParaRPr>
+            </a:p>
+          </p:txBody>
+        </p:sp>
+        <p:pic>
+          <p:nvPicPr>
+            <p:cNvPr id="63" name="그림 62">
+              <a:extLst>
+                <a:ext uri="{FF2B5EF4-FFF2-40B4-BE49-F238E27FC236}">
+                  <a16:creationId xmlns:a16="http://schemas.microsoft.com/office/drawing/2014/main" id="{DEBFA986-8871-3381-6E65-FD9BA2E63603}"/>
+                </a:ext>
+              </a:extLst>
+            </p:cNvPr>
+            <p:cNvPicPr>
+              <a:picLocks noChangeAspect="1"/>
+            </p:cNvPicPr>
+            <p:nvPr/>
+          </p:nvPicPr>
+          <p:blipFill rotWithShape="1">
+            <a:blip r:embed="rId2">
+              <a:alphaModFix amt="20000"/>
+            </a:blip>
+            <a:srcRect l="16144" t="17414" r="28197" b="23976"/>
+            <a:stretch/>
+          </p:blipFill>
+          <p:spPr>
+            <a:xfrm>
+              <a:off x="6394953" y="3443929"/>
+              <a:ext cx="1221489" cy="1185845"/>
+            </a:xfrm>
+            <a:prstGeom prst="rect">
+              <a:avLst/>
+            </a:prstGeom>
+          </p:spPr>
+        </p:pic>
+        <p:pic>
+          <p:nvPicPr>
+            <p:cNvPr id="64" name="그림 63">
+              <a:extLst>
+                <a:ext uri="{FF2B5EF4-FFF2-40B4-BE49-F238E27FC236}">
+                  <a16:creationId xmlns:a16="http://schemas.microsoft.com/office/drawing/2014/main" id="{697E29A2-0A31-C848-8189-C96A21593E99}"/>
+                </a:ext>
+              </a:extLst>
+            </p:cNvPr>
+            <p:cNvPicPr>
+              <a:picLocks noChangeAspect="1"/>
+            </p:cNvPicPr>
+            <p:nvPr/>
+          </p:nvPicPr>
+          <p:blipFill rotWithShape="1">
+            <a:blip r:embed="rId2">
+              <a:alphaModFix amt="35000"/>
+            </a:blip>
+            <a:srcRect l="16144" t="17414" r="28197" b="23976"/>
+            <a:stretch/>
+          </p:blipFill>
+          <p:spPr>
+            <a:xfrm>
+              <a:off x="6547353" y="3596329"/>
+              <a:ext cx="1221489" cy="1185845"/>
+            </a:xfrm>
+            <a:prstGeom prst="rect">
+              <a:avLst/>
+            </a:prstGeom>
+          </p:spPr>
+        </p:pic>
+        <p:pic>
+          <p:nvPicPr>
+            <p:cNvPr id="65" name="그림 64">
+              <a:extLst>
+                <a:ext uri="{FF2B5EF4-FFF2-40B4-BE49-F238E27FC236}">
+                  <a16:creationId xmlns:a16="http://schemas.microsoft.com/office/drawing/2014/main" id="{B20A0B4B-C993-3C28-92D6-14A8114A2120}"/>
+                </a:ext>
+              </a:extLst>
+            </p:cNvPr>
+            <p:cNvPicPr>
+              <a:picLocks noChangeAspect="1"/>
+            </p:cNvPicPr>
+            <p:nvPr/>
+          </p:nvPicPr>
+          <p:blipFill rotWithShape="1">
+            <a:blip r:embed="rId2">
+              <a:alphaModFix amt="50000"/>
+            </a:blip>
+            <a:srcRect l="16144" t="17414" r="28197" b="23976"/>
+            <a:stretch/>
+          </p:blipFill>
+          <p:spPr>
+            <a:xfrm>
+              <a:off x="6699753" y="3748729"/>
+              <a:ext cx="1221489" cy="1185845"/>
+            </a:xfrm>
+            <a:prstGeom prst="rect">
+              <a:avLst/>
+            </a:prstGeom>
+          </p:spPr>
+        </p:pic>
+        <p:pic>
+          <p:nvPicPr>
+            <p:cNvPr id="66" name="그림 65">
+              <a:extLst>
+                <a:ext uri="{FF2B5EF4-FFF2-40B4-BE49-F238E27FC236}">
+                  <a16:creationId xmlns:a16="http://schemas.microsoft.com/office/drawing/2014/main" id="{C41109D5-6CAF-718E-6FDB-3DEDCCD88112}"/>
+                </a:ext>
+              </a:extLst>
+            </p:cNvPr>
+            <p:cNvPicPr>
+              <a:picLocks noChangeAspect="1"/>
+            </p:cNvPicPr>
+            <p:nvPr/>
+          </p:nvPicPr>
+          <p:blipFill rotWithShape="1">
+            <a:blip r:embed="rId2">
+              <a:alphaModFix amt="85000"/>
+            </a:blip>
+            <a:srcRect l="16144" t="17414" r="28197" b="23976"/>
+            <a:stretch/>
+          </p:blipFill>
+          <p:spPr>
+            <a:xfrm>
+              <a:off x="6852153" y="3901129"/>
+              <a:ext cx="1221489" cy="1185845"/>
+            </a:xfrm>
+            <a:prstGeom prst="rect">
+              <a:avLst/>
+            </a:prstGeom>
+          </p:spPr>
+        </p:pic>
+      </p:grpSp>
     </p:spTree>
     <p:extLst>
       <p:ext uri="{BB962C8B-B14F-4D97-AF65-F5344CB8AC3E}">
